--- a/DesignPart/SYP_Project_Discussion.pptx
+++ b/DesignPart/SYP_Project_Discussion.pptx
@@ -1,67 +1,56 @@
 
 <file path=ppt/presentation.xml><?xml version="1.0" encoding="utf-8"?>
-<p:presentation xmlns:a="http://schemas.openxmlformats.org/drawingml/2006/main" xmlns:r="http://schemas.openxmlformats.org/officeDocument/2006/relationships" xmlns:p="http://schemas.openxmlformats.org/presentationml/2006/main" saveSubsetFonts="1" embedTrueTypeFonts="true">
+<p:presentation xmlns:a="http://schemas.openxmlformats.org/drawingml/2006/main" xmlns:r="http://schemas.openxmlformats.org/officeDocument/2006/relationships" xmlns:p="http://schemas.openxmlformats.org/presentationml/2006/main" embedTrueTypeFonts="1" saveSubsetFonts="1">
   <p:sldMasterIdLst>
     <p:sldMasterId id="2147483648" r:id="rId1"/>
   </p:sldMasterIdLst>
   <p:sldIdLst>
-    <p:sldId id="256" r:id="rId16"/>
-    <p:sldId id="257" r:id="rId17"/>
-    <p:sldId id="258" r:id="rId18"/>
-    <p:sldId id="259" r:id="rId19"/>
-    <p:sldId id="260" r:id="rId20"/>
-    <p:sldId id="261" r:id="rId21"/>
-    <p:sldId id="262" r:id="rId22"/>
-    <p:sldId id="263" r:id="rId23"/>
-    <p:sldId id="264" r:id="rId24"/>
-    <p:sldId id="265" r:id="rId25"/>
-    <p:sldId id="266" r:id="rId26"/>
-    <p:sldId id="267" r:id="rId27"/>
-    <p:sldId id="268" r:id="rId28"/>
-    <p:sldId id="269" r:id="rId29"/>
+    <p:sldId id="256" r:id="rId2"/>
+    <p:sldId id="257" r:id="rId3"/>
+    <p:sldId id="258" r:id="rId4"/>
+    <p:sldId id="259" r:id="rId5"/>
+    <p:sldId id="260" r:id="rId6"/>
+    <p:sldId id="261" r:id="rId7"/>
+    <p:sldId id="262" r:id="rId8"/>
+    <p:sldId id="263" r:id="rId9"/>
+    <p:sldId id="264" r:id="rId10"/>
+    <p:sldId id="265" r:id="rId11"/>
+    <p:sldId id="266" r:id="rId12"/>
+    <p:sldId id="267" r:id="rId13"/>
+    <p:sldId id="268" r:id="rId14"/>
+    <p:sldId id="269" r:id="rId15"/>
   </p:sldIdLst>
   <p:sldSz cx="18288000" cy="10287000"/>
   <p:notesSz cx="6858000" cy="9144000"/>
   <p:embeddedFontLst>
     <p:embeddedFont>
-      <p:font typeface="Arimo" charset="1" panose="020B0604020202020204"/>
-      <p:regular r:id="rId6"/>
+      <p:font typeface="Arimo" panose="020B0604020202020204" pitchFamily="34" charset="0"/>
+      <p:regular r:id="rId16"/>
     </p:embeddedFont>
     <p:embeddedFont>
-      <p:font typeface="Arimo Bold" charset="1" panose="020B0704020202020204"/>
-      <p:regular r:id="rId7"/>
+      <p:font typeface="Assistant Regular" pitchFamily="2" charset="-79"/>
+      <p:regular r:id="rId17"/>
     </p:embeddedFont>
     <p:embeddedFont>
-      <p:font typeface="Arimo Italics" charset="1" panose="020B0604020202090204"/>
-      <p:regular r:id="rId8"/>
+      <p:font typeface="Assistant Regular Bold" pitchFamily="2" charset="-79"/>
+      <p:regular r:id="rId18"/>
+      <p:bold r:id="rId19"/>
     </p:embeddedFont>
     <p:embeddedFont>
-      <p:font typeface="Arimo Bold Italics" charset="1" panose="020B0704020202090204"/>
-      <p:regular r:id="rId9"/>
+      <p:font typeface="Calibri" panose="020F0502020204030204" pitchFamily="34" charset="0"/>
+      <p:regular r:id="rId20"/>
+      <p:bold r:id="rId21"/>
+      <p:italic r:id="rId22"/>
+      <p:boldItalic r:id="rId23"/>
     </p:embeddedFont>
     <p:embeddedFont>
-      <p:font typeface="Assistant Regular" charset="1" panose="00000500000000000000"/>
-      <p:regular r:id="rId10"/>
+      <p:font typeface="Roboto Mono Regular" pitchFamily="2" charset="0"/>
+      <p:regular r:id="rId24"/>
     </p:embeddedFont>
     <p:embeddedFont>
-      <p:font typeface="Assistant Regular Bold" charset="1" panose="00000700000000000000"/>
-      <p:regular r:id="rId11"/>
-    </p:embeddedFont>
-    <p:embeddedFont>
-      <p:font typeface="Roboto Mono Regular" charset="1" panose="00000000000000000000"/>
-      <p:regular r:id="rId12"/>
-    </p:embeddedFont>
-    <p:embeddedFont>
-      <p:font typeface="Roboto Mono Regular Bold" charset="1" panose="00000000000000000000"/>
-      <p:regular r:id="rId13"/>
-    </p:embeddedFont>
-    <p:embeddedFont>
-      <p:font typeface="Roboto Mono Regular Italics" charset="1" panose="00000000000000000000"/>
-      <p:regular r:id="rId14"/>
-    </p:embeddedFont>
-    <p:embeddedFont>
-      <p:font typeface="Roboto Mono Regular Bold Italics" charset="1" panose="00000000000000000000"/>
-      <p:regular r:id="rId15"/>
+      <p:font typeface="Roboto Mono Regular Bold" pitchFamily="2" charset="0"/>
+      <p:regular r:id="rId25"/>
+      <p:bold r:id="rId26"/>
     </p:embeddedFont>
   </p:embeddedFontLst>
   <p:defaultTextStyle>
@@ -159,6 +148,22 @@
       </a:defRPr>
     </a:lvl9pPr>
   </p:defaultTextStyle>
+  <p:extLst>
+    <p:ext uri="{EFAFB233-063F-42B5-8137-9DF3F51BA10A}">
+      <p15:sldGuideLst xmlns:p15="http://schemas.microsoft.com/office/powerpoint/2012/main">
+        <p15:guide id="1" orient="horz" pos="2160">
+          <p15:clr>
+            <a:srgbClr val="A4A3A4"/>
+          </p15:clr>
+        </p15:guide>
+        <p15:guide id="2" pos="2880">
+          <p15:clr>
+            <a:srgbClr val="A4A3A4"/>
+          </p15:clr>
+        </p15:guide>
+      </p15:sldGuideLst>
+    </p:ext>
+  </p:extLst>
 </p:presentation>
 </file>
 
@@ -200,10 +205,9 @@
           <a:lstStyle/>
           <a:p>
             <a:r>
-              <a:rPr lang="en-US" smtClean="0"/>
+              <a:rPr lang="en-US"/>
               <a:t>Click to edit Master title style</a:t>
             </a:r>
-            <a:endParaRPr lang="en-US"/>
           </a:p>
         </p:txBody>
       </p:sp>
@@ -319,10 +323,9 @@
           </a:lstStyle>
           <a:p>
             <a:r>
-              <a:rPr lang="en-US" smtClean="0"/>
+              <a:rPr lang="en-US"/>
               <a:t>Click to edit Master subtitle style</a:t>
             </a:r>
-            <a:endParaRPr lang="en-US"/>
           </a:p>
         </p:txBody>
       </p:sp>
@@ -344,7 +347,7 @@
             <a:fld id="{1D8BD707-D9CF-40AE-B4C6-C98DA3205C09}" type="datetimeFigureOut">
               <a:rPr lang="en-US" smtClean="0"/>
               <a:pPr/>
-              <a:t>8/1/2011</a:t>
+              <a:t>1/10/22</a:t>
             </a:fld>
             <a:endParaRPr lang="en-US"/>
           </a:p>
@@ -434,10 +437,9 @@
           <a:lstStyle/>
           <a:p>
             <a:r>
-              <a:rPr lang="en-US" smtClean="0"/>
+              <a:rPr lang="en-US"/>
               <a:t>Click to edit Master title style</a:t>
             </a:r>
-            <a:endParaRPr lang="en-US"/>
           </a:p>
         </p:txBody>
       </p:sp>
@@ -458,38 +460,37 @@
           <a:p>
             <a:pPr lvl="0"/>
             <a:r>
-              <a:rPr lang="en-US" smtClean="0"/>
+              <a:rPr lang="en-US"/>
               <a:t>Click to edit Master text styles</a:t>
             </a:r>
           </a:p>
           <a:p>
             <a:pPr lvl="1"/>
             <a:r>
-              <a:rPr lang="en-US" smtClean="0"/>
+              <a:rPr lang="en-US"/>
               <a:t>Second level</a:t>
             </a:r>
           </a:p>
           <a:p>
             <a:pPr lvl="2"/>
             <a:r>
-              <a:rPr lang="en-US" smtClean="0"/>
+              <a:rPr lang="en-US"/>
               <a:t>Third level</a:t>
             </a:r>
           </a:p>
           <a:p>
             <a:pPr lvl="3"/>
             <a:r>
-              <a:rPr lang="en-US" smtClean="0"/>
+              <a:rPr lang="en-US"/>
               <a:t>Fourth level</a:t>
             </a:r>
           </a:p>
           <a:p>
             <a:pPr lvl="4"/>
             <a:r>
-              <a:rPr lang="en-US" smtClean="0"/>
+              <a:rPr lang="en-US"/>
               <a:t>Fifth level</a:t>
             </a:r>
-            <a:endParaRPr lang="en-US"/>
           </a:p>
         </p:txBody>
       </p:sp>
@@ -511,7 +512,7 @@
             <a:fld id="{1D8BD707-D9CF-40AE-B4C6-C98DA3205C09}" type="datetimeFigureOut">
               <a:rPr lang="en-US" smtClean="0"/>
               <a:pPr/>
-              <a:t>8/1/2011</a:t>
+              <a:t>1/10/22</a:t>
             </a:fld>
             <a:endParaRPr lang="en-US"/>
           </a:p>
@@ -606,10 +607,9 @@
           <a:lstStyle/>
           <a:p>
             <a:r>
-              <a:rPr lang="en-US" smtClean="0"/>
+              <a:rPr lang="en-US"/>
               <a:t>Click to edit Master title style</a:t>
             </a:r>
-            <a:endParaRPr lang="en-US"/>
           </a:p>
         </p:txBody>
       </p:sp>
@@ -635,38 +635,37 @@
           <a:p>
             <a:pPr lvl="0"/>
             <a:r>
-              <a:rPr lang="en-US" smtClean="0"/>
+              <a:rPr lang="en-US"/>
               <a:t>Click to edit Master text styles</a:t>
             </a:r>
           </a:p>
           <a:p>
             <a:pPr lvl="1"/>
             <a:r>
-              <a:rPr lang="en-US" smtClean="0"/>
+              <a:rPr lang="en-US"/>
               <a:t>Second level</a:t>
             </a:r>
           </a:p>
           <a:p>
             <a:pPr lvl="2"/>
             <a:r>
-              <a:rPr lang="en-US" smtClean="0"/>
+              <a:rPr lang="en-US"/>
               <a:t>Third level</a:t>
             </a:r>
           </a:p>
           <a:p>
             <a:pPr lvl="3"/>
             <a:r>
-              <a:rPr lang="en-US" smtClean="0"/>
+              <a:rPr lang="en-US"/>
               <a:t>Fourth level</a:t>
             </a:r>
           </a:p>
           <a:p>
             <a:pPr lvl="4"/>
             <a:r>
-              <a:rPr lang="en-US" smtClean="0"/>
+              <a:rPr lang="en-US"/>
               <a:t>Fifth level</a:t>
             </a:r>
-            <a:endParaRPr lang="en-US"/>
           </a:p>
         </p:txBody>
       </p:sp>
@@ -688,7 +687,7 @@
             <a:fld id="{1D8BD707-D9CF-40AE-B4C6-C98DA3205C09}" type="datetimeFigureOut">
               <a:rPr lang="en-US" smtClean="0"/>
               <a:pPr/>
-              <a:t>8/1/2011</a:t>
+              <a:t>1/10/22</a:t>
             </a:fld>
             <a:endParaRPr lang="en-US"/>
           </a:p>
@@ -778,10 +777,9 @@
           <a:lstStyle/>
           <a:p>
             <a:r>
-              <a:rPr lang="en-US" smtClean="0"/>
+              <a:rPr lang="en-US"/>
               <a:t>Click to edit Master title style</a:t>
             </a:r>
-            <a:endParaRPr lang="en-US"/>
           </a:p>
         </p:txBody>
       </p:sp>
@@ -802,38 +800,37 @@
           <a:p>
             <a:pPr lvl="0"/>
             <a:r>
-              <a:rPr lang="en-US" smtClean="0"/>
+              <a:rPr lang="en-US"/>
               <a:t>Click to edit Master text styles</a:t>
             </a:r>
           </a:p>
           <a:p>
             <a:pPr lvl="1"/>
             <a:r>
-              <a:rPr lang="en-US" smtClean="0"/>
+              <a:rPr lang="en-US"/>
               <a:t>Second level</a:t>
             </a:r>
           </a:p>
           <a:p>
             <a:pPr lvl="2"/>
             <a:r>
-              <a:rPr lang="en-US" smtClean="0"/>
+              <a:rPr lang="en-US"/>
               <a:t>Third level</a:t>
             </a:r>
           </a:p>
           <a:p>
             <a:pPr lvl="3"/>
             <a:r>
-              <a:rPr lang="en-US" smtClean="0"/>
+              <a:rPr lang="en-US"/>
               <a:t>Fourth level</a:t>
             </a:r>
           </a:p>
           <a:p>
             <a:pPr lvl="4"/>
             <a:r>
-              <a:rPr lang="en-US" smtClean="0"/>
+              <a:rPr lang="en-US"/>
               <a:t>Fifth level</a:t>
             </a:r>
-            <a:endParaRPr lang="en-US"/>
           </a:p>
         </p:txBody>
       </p:sp>
@@ -855,7 +852,7 @@
             <a:fld id="{1D8BD707-D9CF-40AE-B4C6-C98DA3205C09}" type="datetimeFigureOut">
               <a:rPr lang="en-US" smtClean="0"/>
               <a:pPr/>
-              <a:t>8/1/2011</a:t>
+              <a:t>1/10/22</a:t>
             </a:fld>
             <a:endParaRPr lang="en-US"/>
           </a:p>
@@ -954,10 +951,9 @@
           </a:lstStyle>
           <a:p>
             <a:r>
-              <a:rPr lang="en-US" smtClean="0"/>
+              <a:rPr lang="en-US"/>
               <a:t>Click to edit Master title style</a:t>
             </a:r>
-            <a:endParaRPr lang="en-US"/>
           </a:p>
         </p:txBody>
       </p:sp>
@@ -1074,7 +1070,7 @@
           <a:p>
             <a:pPr lvl="0"/>
             <a:r>
-              <a:rPr lang="en-US" smtClean="0"/>
+              <a:rPr lang="en-US"/>
               <a:t>Click to edit Master text styles</a:t>
             </a:r>
           </a:p>
@@ -1098,7 +1094,7 @@
             <a:fld id="{1D8BD707-D9CF-40AE-B4C6-C98DA3205C09}" type="datetimeFigureOut">
               <a:rPr lang="en-US" smtClean="0"/>
               <a:pPr/>
-              <a:t>8/1/2011</a:t>
+              <a:t>1/10/22</a:t>
             </a:fld>
             <a:endParaRPr lang="en-US"/>
           </a:p>
@@ -1188,10 +1184,9 @@
           <a:lstStyle/>
           <a:p>
             <a:r>
-              <a:rPr lang="en-US" smtClean="0"/>
+              <a:rPr lang="en-US"/>
               <a:t>Click to edit Master title style</a:t>
             </a:r>
-            <a:endParaRPr lang="en-US"/>
           </a:p>
         </p:txBody>
       </p:sp>
@@ -1245,38 +1240,37 @@
           <a:p>
             <a:pPr lvl="0"/>
             <a:r>
-              <a:rPr lang="en-US" smtClean="0"/>
+              <a:rPr lang="en-US"/>
               <a:t>Click to edit Master text styles</a:t>
             </a:r>
           </a:p>
           <a:p>
             <a:pPr lvl="1"/>
             <a:r>
-              <a:rPr lang="en-US" smtClean="0"/>
+              <a:rPr lang="en-US"/>
               <a:t>Second level</a:t>
             </a:r>
           </a:p>
           <a:p>
             <a:pPr lvl="2"/>
             <a:r>
-              <a:rPr lang="en-US" smtClean="0"/>
+              <a:rPr lang="en-US"/>
               <a:t>Third level</a:t>
             </a:r>
           </a:p>
           <a:p>
             <a:pPr lvl="3"/>
             <a:r>
-              <a:rPr lang="en-US" smtClean="0"/>
+              <a:rPr lang="en-US"/>
               <a:t>Fourth level</a:t>
             </a:r>
           </a:p>
           <a:p>
             <a:pPr lvl="4"/>
             <a:r>
-              <a:rPr lang="en-US" smtClean="0"/>
+              <a:rPr lang="en-US"/>
               <a:t>Fifth level</a:t>
             </a:r>
-            <a:endParaRPr lang="en-US"/>
           </a:p>
         </p:txBody>
       </p:sp>
@@ -1330,38 +1324,37 @@
           <a:p>
             <a:pPr lvl="0"/>
             <a:r>
-              <a:rPr lang="en-US" smtClean="0"/>
+              <a:rPr lang="en-US"/>
               <a:t>Click to edit Master text styles</a:t>
             </a:r>
           </a:p>
           <a:p>
             <a:pPr lvl="1"/>
             <a:r>
-              <a:rPr lang="en-US" smtClean="0"/>
+              <a:rPr lang="en-US"/>
               <a:t>Second level</a:t>
             </a:r>
           </a:p>
           <a:p>
             <a:pPr lvl="2"/>
             <a:r>
-              <a:rPr lang="en-US" smtClean="0"/>
+              <a:rPr lang="en-US"/>
               <a:t>Third level</a:t>
             </a:r>
           </a:p>
           <a:p>
             <a:pPr lvl="3"/>
             <a:r>
-              <a:rPr lang="en-US" smtClean="0"/>
+              <a:rPr lang="en-US"/>
               <a:t>Fourth level</a:t>
             </a:r>
           </a:p>
           <a:p>
             <a:pPr lvl="4"/>
             <a:r>
-              <a:rPr lang="en-US" smtClean="0"/>
+              <a:rPr lang="en-US"/>
               <a:t>Fifth level</a:t>
             </a:r>
-            <a:endParaRPr lang="en-US"/>
           </a:p>
         </p:txBody>
       </p:sp>
@@ -1383,7 +1376,7 @@
             <a:fld id="{1D8BD707-D9CF-40AE-B4C6-C98DA3205C09}" type="datetimeFigureOut">
               <a:rPr lang="en-US" smtClean="0"/>
               <a:pPr/>
-              <a:t>8/1/2011</a:t>
+              <a:t>1/10/22</a:t>
             </a:fld>
             <a:endParaRPr lang="en-US"/>
           </a:p>
@@ -1477,10 +1470,9 @@
           </a:lstStyle>
           <a:p>
             <a:r>
-              <a:rPr lang="en-US" smtClean="0"/>
+              <a:rPr lang="en-US"/>
               <a:t>Click to edit Master title style</a:t>
             </a:r>
-            <a:endParaRPr lang="en-US"/>
           </a:p>
         </p:txBody>
       </p:sp>
@@ -1543,7 +1535,7 @@
           <a:p>
             <a:pPr lvl="0"/>
             <a:r>
-              <a:rPr lang="en-US" smtClean="0"/>
+              <a:rPr lang="en-US"/>
               <a:t>Click to edit Master text styles</a:t>
             </a:r>
           </a:p>
@@ -1599,38 +1591,37 @@
           <a:p>
             <a:pPr lvl="0"/>
             <a:r>
-              <a:rPr lang="en-US" smtClean="0"/>
+              <a:rPr lang="en-US"/>
               <a:t>Click to edit Master text styles</a:t>
             </a:r>
           </a:p>
           <a:p>
             <a:pPr lvl="1"/>
             <a:r>
-              <a:rPr lang="en-US" smtClean="0"/>
+              <a:rPr lang="en-US"/>
               <a:t>Second level</a:t>
             </a:r>
           </a:p>
           <a:p>
             <a:pPr lvl="2"/>
             <a:r>
-              <a:rPr lang="en-US" smtClean="0"/>
+              <a:rPr lang="en-US"/>
               <a:t>Third level</a:t>
             </a:r>
           </a:p>
           <a:p>
             <a:pPr lvl="3"/>
             <a:r>
-              <a:rPr lang="en-US" smtClean="0"/>
+              <a:rPr lang="en-US"/>
               <a:t>Fourth level</a:t>
             </a:r>
           </a:p>
           <a:p>
             <a:pPr lvl="4"/>
             <a:r>
-              <a:rPr lang="en-US" smtClean="0"/>
+              <a:rPr lang="en-US"/>
               <a:t>Fifth level</a:t>
             </a:r>
-            <a:endParaRPr lang="en-US"/>
           </a:p>
         </p:txBody>
       </p:sp>
@@ -1693,7 +1684,7 @@
           <a:p>
             <a:pPr lvl="0"/>
             <a:r>
-              <a:rPr lang="en-US" smtClean="0"/>
+              <a:rPr lang="en-US"/>
               <a:t>Click to edit Master text styles</a:t>
             </a:r>
           </a:p>
@@ -1749,38 +1740,37 @@
           <a:p>
             <a:pPr lvl="0"/>
             <a:r>
-              <a:rPr lang="en-US" smtClean="0"/>
+              <a:rPr lang="en-US"/>
               <a:t>Click to edit Master text styles</a:t>
             </a:r>
           </a:p>
           <a:p>
             <a:pPr lvl="1"/>
             <a:r>
-              <a:rPr lang="en-US" smtClean="0"/>
+              <a:rPr lang="en-US"/>
               <a:t>Second level</a:t>
             </a:r>
           </a:p>
           <a:p>
             <a:pPr lvl="2"/>
             <a:r>
-              <a:rPr lang="en-US" smtClean="0"/>
+              <a:rPr lang="en-US"/>
               <a:t>Third level</a:t>
             </a:r>
           </a:p>
           <a:p>
             <a:pPr lvl="3"/>
             <a:r>
-              <a:rPr lang="en-US" smtClean="0"/>
+              <a:rPr lang="en-US"/>
               <a:t>Fourth level</a:t>
             </a:r>
           </a:p>
           <a:p>
             <a:pPr lvl="4"/>
             <a:r>
-              <a:rPr lang="en-US" smtClean="0"/>
+              <a:rPr lang="en-US"/>
               <a:t>Fifth level</a:t>
             </a:r>
-            <a:endParaRPr lang="en-US"/>
           </a:p>
         </p:txBody>
       </p:sp>
@@ -1802,7 +1792,7 @@
             <a:fld id="{1D8BD707-D9CF-40AE-B4C6-C98DA3205C09}" type="datetimeFigureOut">
               <a:rPr lang="en-US" smtClean="0"/>
               <a:pPr/>
-              <a:t>8/1/2011</a:t>
+              <a:t>1/10/22</a:t>
             </a:fld>
             <a:endParaRPr lang="en-US"/>
           </a:p>
@@ -1892,10 +1882,9 @@
           <a:lstStyle/>
           <a:p>
             <a:r>
-              <a:rPr lang="en-US" smtClean="0"/>
+              <a:rPr lang="en-US"/>
               <a:t>Click to edit Master title style</a:t>
             </a:r>
-            <a:endParaRPr lang="en-US"/>
           </a:p>
         </p:txBody>
       </p:sp>
@@ -1917,7 +1906,7 @@
             <a:fld id="{1D8BD707-D9CF-40AE-B4C6-C98DA3205C09}" type="datetimeFigureOut">
               <a:rPr lang="en-US" smtClean="0"/>
               <a:pPr/>
-              <a:t>8/1/2011</a:t>
+              <a:t>1/10/22</a:t>
             </a:fld>
             <a:endParaRPr lang="en-US"/>
           </a:p>
@@ -2009,7 +1998,7 @@
             <a:fld id="{1D8BD707-D9CF-40AE-B4C6-C98DA3205C09}" type="datetimeFigureOut">
               <a:rPr lang="en-US" smtClean="0"/>
               <a:pPr/>
-              <a:t>8/1/2011</a:t>
+              <a:t>1/10/22</a:t>
             </a:fld>
             <a:endParaRPr lang="en-US"/>
           </a:p>
@@ -2108,10 +2097,9 @@
           </a:lstStyle>
           <a:p>
             <a:r>
-              <a:rPr lang="en-US" smtClean="0"/>
+              <a:rPr lang="en-US"/>
               <a:t>Click to edit Master title style</a:t>
             </a:r>
-            <a:endParaRPr lang="en-US"/>
           </a:p>
         </p:txBody>
       </p:sp>
@@ -2165,38 +2153,37 @@
           <a:p>
             <a:pPr lvl="0"/>
             <a:r>
-              <a:rPr lang="en-US" smtClean="0"/>
+              <a:rPr lang="en-US"/>
               <a:t>Click to edit Master text styles</a:t>
             </a:r>
           </a:p>
           <a:p>
             <a:pPr lvl="1"/>
             <a:r>
-              <a:rPr lang="en-US" smtClean="0"/>
+              <a:rPr lang="en-US"/>
               <a:t>Second level</a:t>
             </a:r>
           </a:p>
           <a:p>
             <a:pPr lvl="2"/>
             <a:r>
-              <a:rPr lang="en-US" smtClean="0"/>
+              <a:rPr lang="en-US"/>
               <a:t>Third level</a:t>
             </a:r>
           </a:p>
           <a:p>
             <a:pPr lvl="3"/>
             <a:r>
-              <a:rPr lang="en-US" smtClean="0"/>
+              <a:rPr lang="en-US"/>
               <a:t>Fourth level</a:t>
             </a:r>
           </a:p>
           <a:p>
             <a:pPr lvl="4"/>
             <a:r>
-              <a:rPr lang="en-US" smtClean="0"/>
+              <a:rPr lang="en-US"/>
               <a:t>Fifth level</a:t>
             </a:r>
-            <a:endParaRPr lang="en-US"/>
           </a:p>
         </p:txBody>
       </p:sp>
@@ -2259,7 +2246,7 @@
           <a:p>
             <a:pPr lvl="0"/>
             <a:r>
-              <a:rPr lang="en-US" smtClean="0"/>
+              <a:rPr lang="en-US"/>
               <a:t>Click to edit Master text styles</a:t>
             </a:r>
           </a:p>
@@ -2283,7 +2270,7 @@
             <a:fld id="{1D8BD707-D9CF-40AE-B4C6-C98DA3205C09}" type="datetimeFigureOut">
               <a:rPr lang="en-US" smtClean="0"/>
               <a:pPr/>
-              <a:t>8/1/2011</a:t>
+              <a:t>1/10/22</a:t>
             </a:fld>
             <a:endParaRPr lang="en-US"/>
           </a:p>
@@ -2382,10 +2369,9 @@
           </a:lstStyle>
           <a:p>
             <a:r>
-              <a:rPr lang="en-US" smtClean="0"/>
+              <a:rPr lang="en-US"/>
               <a:t>Click to edit Master title style</a:t>
             </a:r>
-            <a:endParaRPr lang="en-US"/>
           </a:p>
         </p:txBody>
       </p:sp>
@@ -2509,7 +2495,7 @@
           <a:p>
             <a:pPr lvl="0"/>
             <a:r>
-              <a:rPr lang="en-US" smtClean="0"/>
+              <a:rPr lang="en-US"/>
               <a:t>Click to edit Master text styles</a:t>
             </a:r>
           </a:p>
@@ -2533,7 +2519,7 @@
             <a:fld id="{1D8BD707-D9CF-40AE-B4C6-C98DA3205C09}" type="datetimeFigureOut">
               <a:rPr lang="en-US" smtClean="0"/>
               <a:pPr/>
-              <a:t>8/1/2011</a:t>
+              <a:t>1/10/22</a:t>
             </a:fld>
             <a:endParaRPr lang="en-US"/>
           </a:p>
@@ -2638,10 +2624,9 @@
           <a:lstStyle/>
           <a:p>
             <a:r>
-              <a:rPr lang="en-US" smtClean="0"/>
+              <a:rPr lang="en-US"/>
               <a:t>Click to edit Master title style</a:t>
             </a:r>
-            <a:endParaRPr lang="en-US"/>
           </a:p>
         </p:txBody>
       </p:sp>
@@ -2672,38 +2657,37 @@
           <a:p>
             <a:pPr lvl="0"/>
             <a:r>
-              <a:rPr lang="en-US" smtClean="0"/>
+              <a:rPr lang="en-US"/>
               <a:t>Click to edit Master text styles</a:t>
             </a:r>
           </a:p>
           <a:p>
             <a:pPr lvl="1"/>
             <a:r>
-              <a:rPr lang="en-US" smtClean="0"/>
+              <a:rPr lang="en-US"/>
               <a:t>Second level</a:t>
             </a:r>
           </a:p>
           <a:p>
             <a:pPr lvl="2"/>
             <a:r>
-              <a:rPr lang="en-US" smtClean="0"/>
+              <a:rPr lang="en-US"/>
               <a:t>Third level</a:t>
             </a:r>
           </a:p>
           <a:p>
             <a:pPr lvl="3"/>
             <a:r>
-              <a:rPr lang="en-US" smtClean="0"/>
+              <a:rPr lang="en-US"/>
               <a:t>Fourth level</a:t>
             </a:r>
           </a:p>
           <a:p>
             <a:pPr lvl="4"/>
             <a:r>
-              <a:rPr lang="en-US" smtClean="0"/>
+              <a:rPr lang="en-US"/>
               <a:t>Fifth level</a:t>
             </a:r>
-            <a:endParaRPr lang="en-US"/>
           </a:p>
         </p:txBody>
       </p:sp>
@@ -2743,7 +2727,7 @@
             <a:fld id="{1D8BD707-D9CF-40AE-B4C6-C98DA3205C09}" type="datetimeFigureOut">
               <a:rPr lang="en-US" smtClean="0"/>
               <a:pPr/>
-              <a:t>8/1/2011</a:t>
+              <a:t>1/10/22</a:t>
             </a:fld>
             <a:endParaRPr lang="en-US"/>
           </a:p>
@@ -3098,13 +3082,14 @@
 </file>
 
 <file path=ppt/slides/slide1.xml><?xml version="1.0" encoding="utf-8"?>
-<p:sld xmlns:p="http://schemas.openxmlformats.org/presentationml/2006/main" xmlns:a="http://schemas.openxmlformats.org/drawingml/2006/main" xmlns:r="http://schemas.openxmlformats.org/officeDocument/2006/relationships">
+<p:sld xmlns:a="http://schemas.openxmlformats.org/drawingml/2006/main" xmlns:r="http://schemas.openxmlformats.org/officeDocument/2006/relationships" xmlns:p="http://schemas.openxmlformats.org/presentationml/2006/main">
   <p:cSld>
     <p:bg>
       <p:bgPr>
         <a:solidFill>
           <a:srgbClr val="FFBD59"/>
         </a:solidFill>
+        <a:effectLst/>
       </p:bgPr>
     </p:bg>
     <p:spTree>
@@ -3123,12 +3108,12 @@
       </p:grpSpPr>
       <p:grpSp>
         <p:nvGrpSpPr>
-          <p:cNvPr name="Group 2" id="2"/>
+          <p:cNvPr id="2" name="Group 2"/>
           <p:cNvGrpSpPr/>
           <p:nvPr/>
         </p:nvGrpSpPr>
         <p:grpSpPr>
-          <a:xfrm rot="0">
+          <a:xfrm>
             <a:off x="1028700" y="1028700"/>
             <a:ext cx="3322565" cy="424180"/>
             <a:chOff x="0" y="0"/>
@@ -3137,12 +3122,12 @@
         </p:grpSpPr>
         <p:sp>
           <p:nvSpPr>
-            <p:cNvPr name="AutoShape 3" id="3"/>
+            <p:cNvPr id="3" name="AutoShape 3"/>
             <p:cNvSpPr/>
             <p:nvPr/>
           </p:nvSpPr>
           <p:spPr>
-            <a:xfrm rot="0">
+            <a:xfrm>
               <a:off x="0" y="250996"/>
               <a:ext cx="1740957" cy="63581"/>
             </a:xfrm>
@@ -3156,12 +3141,12 @@
         </p:sp>
         <p:sp>
           <p:nvSpPr>
-            <p:cNvPr name="TextBox 4" id="4"/>
-            <p:cNvSpPr txBox="true"/>
+            <p:cNvPr id="4" name="TextBox 4"/>
+            <p:cNvSpPr txBox="1"/>
             <p:nvPr/>
           </p:nvSpPr>
           <p:spPr>
-            <a:xfrm rot="0">
+            <a:xfrm>
               <a:off x="2320005" y="-57150"/>
               <a:ext cx="2110081" cy="622723"/>
             </a:xfrm>
@@ -3170,7 +3155,7 @@
             </a:prstGeom>
           </p:spPr>
           <p:txBody>
-            <a:bodyPr anchor="t" rtlCol="false" tIns="0" lIns="0" bIns="0" rIns="0">
+            <a:bodyPr lIns="0" tIns="0" rIns="0" bIns="0" rtlCol="0" anchor="t">
               <a:spAutoFit/>
             </a:bodyPr>
             <a:lstStyle/>
@@ -3181,7 +3166,7 @@
                 </a:lnSpc>
               </a:pPr>
               <a:r>
-                <a:rPr lang="en-US" spc="56" sz="2800">
+                <a:rPr lang="en-US" sz="2800" spc="56">
                   <a:solidFill>
                     <a:srgbClr val="553E5C"/>
                   </a:solidFill>
@@ -3195,21 +3180,21 @@
       </p:grpSp>
       <p:pic>
         <p:nvPicPr>
-          <p:cNvPr name="Picture 5" id="5"/>
+          <p:cNvPr id="5" name="Picture 5"/>
           <p:cNvPicPr>
-            <a:picLocks noChangeAspect="true"/>
+            <a:picLocks noChangeAspect="1"/>
           </p:cNvPicPr>
           <p:nvPr/>
         </p:nvPicPr>
         <p:blipFill>
           <a:blip r:embed="rId2"/>
-          <a:srcRect l="0" t="0" r="0" b="0"/>
+          <a:srcRect/>
           <a:stretch>
             <a:fillRect/>
           </a:stretch>
         </p:blipFill>
         <p:spPr>
-          <a:xfrm flipH="false" flipV="false" rot="0">
+          <a:xfrm>
             <a:off x="10112956" y="1055978"/>
             <a:ext cx="8175044" cy="8175044"/>
           </a:xfrm>
@@ -3220,12 +3205,12 @@
       </p:pic>
       <p:sp>
         <p:nvSpPr>
-          <p:cNvPr name="TextBox 6" id="6"/>
-          <p:cNvSpPr txBox="true"/>
-          <p:nvPr/>
-        </p:nvSpPr>
-        <p:spPr>
-          <a:xfrm rot="0">
+          <p:cNvPr id="6" name="TextBox 6"/>
+          <p:cNvSpPr txBox="1"/>
+          <p:nvPr/>
+        </p:nvSpPr>
+        <p:spPr>
+          <a:xfrm>
             <a:off x="1028700" y="3849687"/>
             <a:ext cx="9765126" cy="2635250"/>
           </a:xfrm>
@@ -3234,7 +3219,7 @@
           </a:prstGeom>
         </p:spPr>
         <p:txBody>
-          <a:bodyPr anchor="t" rtlCol="false" tIns="0" lIns="0" bIns="0" rIns="0">
+          <a:bodyPr lIns="0" tIns="0" rIns="0" bIns="0" rtlCol="0" anchor="t">
             <a:spAutoFit/>
           </a:bodyPr>
           <a:lstStyle/>
@@ -3276,6 +3261,12 @@
                 <a:spcPts val="5500"/>
               </a:lnSpc>
             </a:pPr>
+            <a:endParaRPr lang="en-US" sz="5000">
+              <a:solidFill>
+                <a:srgbClr val="553E5C"/>
+              </a:solidFill>
+              <a:latin typeface="Roboto Mono Regular"/>
+            </a:endParaRPr>
           </a:p>
           <a:p>
             <a:pPr algn="ctr">
@@ -3297,12 +3288,12 @@
       </p:sp>
       <p:sp>
         <p:nvSpPr>
-          <p:cNvPr name="TextBox 7" id="7"/>
-          <p:cNvSpPr txBox="true"/>
-          <p:nvPr/>
-        </p:nvSpPr>
-        <p:spPr>
-          <a:xfrm rot="0">
+          <p:cNvPr id="7" name="TextBox 7"/>
+          <p:cNvSpPr txBox="1"/>
+          <p:nvPr/>
+        </p:nvSpPr>
+        <p:spPr>
+          <a:xfrm>
             <a:off x="1028700" y="8825257"/>
             <a:ext cx="10864498" cy="405765"/>
           </a:xfrm>
@@ -3311,7 +3302,7 @@
           </a:prstGeom>
         </p:spPr>
         <p:txBody>
-          <a:bodyPr anchor="t" rtlCol="false" tIns="0" lIns="0" bIns="0" rIns="0">
+          <a:bodyPr lIns="0" tIns="0" rIns="0" bIns="0" rtlCol="0" anchor="t">
             <a:spAutoFit/>
           </a:bodyPr>
           <a:lstStyle/>
@@ -3322,7 +3313,7 @@
               </a:lnSpc>
             </a:pPr>
             <a:r>
-              <a:rPr lang="en-US" spc="48" sz="2400">
+              <a:rPr lang="en-US" sz="2400" spc="48">
                 <a:solidFill>
                   <a:srgbClr val="553E5C"/>
                 </a:solidFill>
@@ -3342,13 +3333,14 @@
 </file>
 
 <file path=ppt/slides/slide10.xml><?xml version="1.0" encoding="utf-8"?>
-<p:sld xmlns:p="http://schemas.openxmlformats.org/presentationml/2006/main" xmlns:a="http://schemas.openxmlformats.org/drawingml/2006/main" xmlns:r="http://schemas.openxmlformats.org/officeDocument/2006/relationships">
+<p:sld xmlns:a="http://schemas.openxmlformats.org/drawingml/2006/main" xmlns:r="http://schemas.openxmlformats.org/officeDocument/2006/relationships" xmlns:p="http://schemas.openxmlformats.org/presentationml/2006/main">
   <p:cSld>
     <p:bg>
       <p:bgPr>
         <a:solidFill>
           <a:srgbClr val="FFBD59"/>
         </a:solidFill>
+        <a:effectLst/>
       </p:bgPr>
     </p:bg>
     <p:spTree>
@@ -3367,12 +3359,12 @@
       </p:grpSpPr>
       <p:sp>
         <p:nvSpPr>
-          <p:cNvPr name="AutoShape 2" id="2"/>
+          <p:cNvPr id="2" name="AutoShape 2"/>
           <p:cNvSpPr/>
           <p:nvPr/>
         </p:nvSpPr>
         <p:spPr>
-          <a:xfrm rot="0">
+          <a:xfrm>
             <a:off x="0" y="0"/>
             <a:ext cx="11868970" cy="10287000"/>
           </a:xfrm>
@@ -3386,12 +3378,12 @@
       </p:sp>
       <p:grpSp>
         <p:nvGrpSpPr>
-          <p:cNvPr name="Group 3" id="3"/>
+          <p:cNvPr id="3" name="Group 3"/>
           <p:cNvGrpSpPr/>
           <p:nvPr/>
         </p:nvGrpSpPr>
         <p:grpSpPr>
-          <a:xfrm rot="0">
+          <a:xfrm>
             <a:off x="1028700" y="1028700"/>
             <a:ext cx="3322565" cy="424180"/>
             <a:chOff x="0" y="0"/>
@@ -3400,12 +3392,12 @@
         </p:grpSpPr>
         <p:sp>
           <p:nvSpPr>
-            <p:cNvPr name="AutoShape 4" id="4"/>
+            <p:cNvPr id="4" name="AutoShape 4"/>
             <p:cNvSpPr/>
             <p:nvPr/>
           </p:nvSpPr>
           <p:spPr>
-            <a:xfrm rot="0">
+            <a:xfrm>
               <a:off x="0" y="250996"/>
               <a:ext cx="1740957" cy="63581"/>
             </a:xfrm>
@@ -3419,12 +3411,12 @@
         </p:sp>
         <p:sp>
           <p:nvSpPr>
-            <p:cNvPr name="TextBox 5" id="5"/>
-            <p:cNvSpPr txBox="true"/>
+            <p:cNvPr id="5" name="TextBox 5"/>
+            <p:cNvSpPr txBox="1"/>
             <p:nvPr/>
           </p:nvSpPr>
           <p:spPr>
-            <a:xfrm rot="0">
+            <a:xfrm>
               <a:off x="2320005" y="-57150"/>
               <a:ext cx="2110081" cy="622723"/>
             </a:xfrm>
@@ -3433,7 +3425,7 @@
             </a:prstGeom>
           </p:spPr>
           <p:txBody>
-            <a:bodyPr anchor="t" rtlCol="false" tIns="0" lIns="0" bIns="0" rIns="0">
+            <a:bodyPr lIns="0" tIns="0" rIns="0" bIns="0" rtlCol="0" anchor="t">
               <a:spAutoFit/>
             </a:bodyPr>
             <a:lstStyle/>
@@ -3444,7 +3436,7 @@
                 </a:lnSpc>
               </a:pPr>
               <a:r>
-                <a:rPr lang="en-US" spc="55" sz="2800">
+                <a:rPr lang="en-US" sz="2800" spc="55">
                   <a:solidFill>
                     <a:srgbClr val="553E5C"/>
                   </a:solidFill>
@@ -3458,12 +3450,12 @@
       </p:grpSp>
       <p:sp>
         <p:nvSpPr>
-          <p:cNvPr name="TextBox 6" id="6"/>
-          <p:cNvSpPr txBox="true"/>
-          <p:nvPr/>
-        </p:nvSpPr>
-        <p:spPr>
-          <a:xfrm rot="0">
+          <p:cNvPr id="6" name="TextBox 6"/>
+          <p:cNvSpPr txBox="1"/>
+          <p:nvPr/>
+        </p:nvSpPr>
+        <p:spPr>
+          <a:xfrm>
             <a:off x="11409812" y="9894617"/>
             <a:ext cx="6777044" cy="297180"/>
           </a:xfrm>
@@ -3472,7 +3464,7 @@
           </a:prstGeom>
         </p:spPr>
         <p:txBody>
-          <a:bodyPr anchor="t" rtlCol="false" tIns="0" lIns="0" bIns="0" rIns="0">
+          <a:bodyPr lIns="0" tIns="0" rIns="0" bIns="0" rtlCol="0" anchor="t">
             <a:spAutoFit/>
           </a:bodyPr>
           <a:lstStyle/>
@@ -3483,7 +3475,7 @@
               </a:lnSpc>
             </a:pPr>
             <a:r>
-              <a:rPr lang="en-US" spc="36" sz="1800">
+              <a:rPr lang="en-US" sz="1800" spc="36">
                 <a:solidFill>
                   <a:srgbClr val="553E5C"/>
                 </a:solidFill>
@@ -3496,12 +3488,12 @@
       </p:sp>
       <p:sp>
         <p:nvSpPr>
-          <p:cNvPr name="AutoShape 7" id="7"/>
+          <p:cNvPr id="7" name="AutoShape 7"/>
           <p:cNvSpPr/>
           <p:nvPr/>
         </p:nvSpPr>
         <p:spPr>
-          <a:xfrm rot="0">
+          <a:xfrm>
             <a:off x="11868970" y="0"/>
             <a:ext cx="6419030" cy="10287000"/>
           </a:xfrm>
@@ -3515,21 +3507,21 @@
       </p:sp>
       <p:pic>
         <p:nvPicPr>
-          <p:cNvPr name="Picture 8" id="8"/>
+          <p:cNvPr id="8" name="Picture 8"/>
           <p:cNvPicPr>
-            <a:picLocks noChangeAspect="true"/>
+            <a:picLocks noChangeAspect="1"/>
           </p:cNvPicPr>
           <p:nvPr/>
         </p:nvPicPr>
         <p:blipFill>
           <a:blip r:embed="rId2"/>
-          <a:srcRect l="0" t="3438" r="0" b="3438"/>
+          <a:srcRect t="3438" b="3438"/>
           <a:stretch>
             <a:fillRect/>
           </a:stretch>
         </p:blipFill>
         <p:spPr>
-          <a:xfrm flipH="false" flipV="false" rot="0">
+          <a:xfrm>
             <a:off x="1028700" y="1855727"/>
             <a:ext cx="9428170" cy="3554038"/>
           </a:xfrm>
@@ -3540,21 +3532,21 @@
       </p:pic>
       <p:pic>
         <p:nvPicPr>
-          <p:cNvPr name="Picture 9" id="9"/>
+          <p:cNvPr id="9" name="Picture 9"/>
           <p:cNvPicPr>
-            <a:picLocks noChangeAspect="true"/>
+            <a:picLocks noChangeAspect="1"/>
           </p:cNvPicPr>
           <p:nvPr/>
         </p:nvPicPr>
         <p:blipFill>
           <a:blip r:embed="rId3"/>
-          <a:srcRect l="0" t="0" r="0" b="0"/>
+          <a:srcRect/>
           <a:stretch>
             <a:fillRect/>
           </a:stretch>
         </p:blipFill>
         <p:spPr>
-          <a:xfrm flipH="false" flipV="false" rot="0">
+          <a:xfrm>
             <a:off x="1028700" y="6091422"/>
             <a:ext cx="9428170" cy="3831769"/>
           </a:xfrm>
@@ -3565,12 +3557,12 @@
       </p:pic>
       <p:sp>
         <p:nvSpPr>
-          <p:cNvPr name="TextBox 10" id="10"/>
-          <p:cNvSpPr txBox="true"/>
-          <p:nvPr/>
-        </p:nvSpPr>
-        <p:spPr>
-          <a:xfrm rot="0">
+          <p:cNvPr id="10" name="TextBox 10"/>
+          <p:cNvSpPr txBox="1"/>
+          <p:nvPr/>
+        </p:nvSpPr>
+        <p:spPr>
+          <a:xfrm>
             <a:off x="12277949" y="4385945"/>
             <a:ext cx="5908907" cy="1648460"/>
           </a:xfrm>
@@ -3579,7 +3571,7 @@
           </a:prstGeom>
         </p:spPr>
         <p:txBody>
-          <a:bodyPr anchor="t" rtlCol="false" tIns="0" lIns="0" bIns="0" rIns="0">
+          <a:bodyPr lIns="0" tIns="0" rIns="0" bIns="0" rtlCol="0" anchor="t">
             <a:spAutoFit/>
           </a:bodyPr>
           <a:lstStyle/>
@@ -3619,36 +3611,36 @@
       </p:sp>
       <p:sp>
         <p:nvSpPr>
-          <p:cNvPr name="AutoShape 11" id="11"/>
+          <p:cNvPr id="11" name="AutoShape 11"/>
           <p:cNvSpPr/>
           <p:nvPr/>
         </p:nvSpPr>
         <p:spPr>
-          <a:xfrm rot="0">
+          <a:xfrm>
             <a:off x="652441" y="5752955"/>
             <a:ext cx="10757371" cy="0"/>
           </a:xfrm>
           <a:prstGeom prst="line">
             <a:avLst/>
           </a:prstGeom>
-          <a:ln cap="rnd" w="47625">
+          <a:ln w="47625" cap="rnd">
             <a:solidFill>
               <a:srgbClr val="553E5C"/>
             </a:solidFill>
             <a:prstDash val="solid"/>
-            <a:headEnd type="none" len="sm" w="sm"/>
-            <a:tailEnd type="none" len="sm" w="sm"/>
+            <a:headEnd type="none" w="sm" len="sm"/>
+            <a:tailEnd type="none" w="sm" len="sm"/>
           </a:ln>
         </p:spPr>
       </p:sp>
       <p:sp>
         <p:nvSpPr>
-          <p:cNvPr name="TextBox 12" id="12"/>
-          <p:cNvSpPr txBox="true"/>
-          <p:nvPr/>
-        </p:nvSpPr>
-        <p:spPr>
-          <a:xfrm rot="0">
+          <p:cNvPr id="12" name="TextBox 12"/>
+          <p:cNvSpPr txBox="1"/>
+          <p:nvPr/>
+        </p:nvSpPr>
+        <p:spPr>
+          <a:xfrm>
             <a:off x="11562331" y="9900662"/>
             <a:ext cx="6624524" cy="291135"/>
           </a:xfrm>
@@ -3657,7 +3649,7 @@
           </a:prstGeom>
         </p:spPr>
         <p:txBody>
-          <a:bodyPr anchor="t" rtlCol="false" tIns="0" lIns="0" bIns="0" rIns="0">
+          <a:bodyPr lIns="0" tIns="0" rIns="0" bIns="0" rtlCol="0" anchor="t">
             <a:spAutoFit/>
           </a:bodyPr>
           <a:lstStyle/>
@@ -3668,7 +3660,7 @@
               </a:lnSpc>
             </a:pPr>
             <a:r>
-              <a:rPr lang="en-US" spc="35" sz="1759">
+              <a:rPr lang="en-US" sz="1759" spc="35">
                 <a:solidFill>
                   <a:srgbClr val="553E5C"/>
                 </a:solidFill>
@@ -3688,13 +3680,14 @@
 </file>
 
 <file path=ppt/slides/slide11.xml><?xml version="1.0" encoding="utf-8"?>
-<p:sld xmlns:p="http://schemas.openxmlformats.org/presentationml/2006/main" xmlns:a="http://schemas.openxmlformats.org/drawingml/2006/main" xmlns:r="http://schemas.openxmlformats.org/officeDocument/2006/relationships">
+<p:sld xmlns:a="http://schemas.openxmlformats.org/drawingml/2006/main" xmlns:r="http://schemas.openxmlformats.org/officeDocument/2006/relationships" xmlns:p="http://schemas.openxmlformats.org/presentationml/2006/main">
   <p:cSld>
     <p:bg>
       <p:bgPr>
         <a:solidFill>
           <a:srgbClr val="FFBD59"/>
         </a:solidFill>
+        <a:effectLst/>
       </p:bgPr>
     </p:bg>
     <p:spTree>
@@ -3713,12 +3706,12 @@
       </p:grpSpPr>
       <p:sp>
         <p:nvSpPr>
-          <p:cNvPr name="AutoShape 2" id="2"/>
+          <p:cNvPr id="2" name="AutoShape 2"/>
           <p:cNvSpPr/>
           <p:nvPr/>
         </p:nvSpPr>
         <p:spPr>
-          <a:xfrm rot="0">
+          <a:xfrm>
             <a:off x="0" y="0"/>
             <a:ext cx="11868970" cy="10287000"/>
           </a:xfrm>
@@ -3732,12 +3725,12 @@
       </p:sp>
       <p:grpSp>
         <p:nvGrpSpPr>
-          <p:cNvPr name="Group 3" id="3"/>
+          <p:cNvPr id="3" name="Group 3"/>
           <p:cNvGrpSpPr/>
           <p:nvPr/>
         </p:nvGrpSpPr>
         <p:grpSpPr>
-          <a:xfrm rot="0">
+          <a:xfrm>
             <a:off x="1028700" y="1028700"/>
             <a:ext cx="3322565" cy="424180"/>
             <a:chOff x="0" y="0"/>
@@ -3746,12 +3739,12 @@
         </p:grpSpPr>
         <p:sp>
           <p:nvSpPr>
-            <p:cNvPr name="AutoShape 4" id="4"/>
+            <p:cNvPr id="4" name="AutoShape 4"/>
             <p:cNvSpPr/>
             <p:nvPr/>
           </p:nvSpPr>
           <p:spPr>
-            <a:xfrm rot="0">
+            <a:xfrm>
               <a:off x="0" y="250996"/>
               <a:ext cx="1740957" cy="63581"/>
             </a:xfrm>
@@ -3765,12 +3758,12 @@
         </p:sp>
         <p:sp>
           <p:nvSpPr>
-            <p:cNvPr name="TextBox 5" id="5"/>
-            <p:cNvSpPr txBox="true"/>
+            <p:cNvPr id="5" name="TextBox 5"/>
+            <p:cNvSpPr txBox="1"/>
             <p:nvPr/>
           </p:nvSpPr>
           <p:spPr>
-            <a:xfrm rot="0">
+            <a:xfrm>
               <a:off x="2320005" y="-57150"/>
               <a:ext cx="2110081" cy="622723"/>
             </a:xfrm>
@@ -3779,7 +3772,7 @@
             </a:prstGeom>
           </p:spPr>
           <p:txBody>
-            <a:bodyPr anchor="t" rtlCol="false" tIns="0" lIns="0" bIns="0" rIns="0">
+            <a:bodyPr lIns="0" tIns="0" rIns="0" bIns="0" rtlCol="0" anchor="t">
               <a:spAutoFit/>
             </a:bodyPr>
             <a:lstStyle/>
@@ -3790,7 +3783,7 @@
                 </a:lnSpc>
               </a:pPr>
               <a:r>
-                <a:rPr lang="en-US" spc="55" sz="2800">
+                <a:rPr lang="en-US" sz="2800" spc="55">
                   <a:solidFill>
                     <a:srgbClr val="553E5C"/>
                   </a:solidFill>
@@ -3804,12 +3797,12 @@
       </p:grpSp>
       <p:sp>
         <p:nvSpPr>
-          <p:cNvPr name="TextBox 6" id="6"/>
-          <p:cNvSpPr txBox="true"/>
-          <p:nvPr/>
-        </p:nvSpPr>
-        <p:spPr>
-          <a:xfrm rot="0">
+          <p:cNvPr id="6" name="TextBox 6"/>
+          <p:cNvSpPr txBox="1"/>
+          <p:nvPr/>
+        </p:nvSpPr>
+        <p:spPr>
+          <a:xfrm>
             <a:off x="11409812" y="9894617"/>
             <a:ext cx="6777044" cy="297180"/>
           </a:xfrm>
@@ -3818,7 +3811,7 @@
           </a:prstGeom>
         </p:spPr>
         <p:txBody>
-          <a:bodyPr anchor="t" rtlCol="false" tIns="0" lIns="0" bIns="0" rIns="0">
+          <a:bodyPr lIns="0" tIns="0" rIns="0" bIns="0" rtlCol="0" anchor="t">
             <a:spAutoFit/>
           </a:bodyPr>
           <a:lstStyle/>
@@ -3829,7 +3822,7 @@
               </a:lnSpc>
             </a:pPr>
             <a:r>
-              <a:rPr lang="en-US" spc="36" sz="1800">
+              <a:rPr lang="en-US" sz="1800" spc="36">
                 <a:solidFill>
                   <a:srgbClr val="553E5C"/>
                 </a:solidFill>
@@ -3842,12 +3835,12 @@
       </p:sp>
       <p:sp>
         <p:nvSpPr>
-          <p:cNvPr name="AutoShape 7" id="7"/>
+          <p:cNvPr id="7" name="AutoShape 7"/>
           <p:cNvSpPr/>
           <p:nvPr/>
         </p:nvSpPr>
         <p:spPr>
-          <a:xfrm rot="0">
+          <a:xfrm>
             <a:off x="11868970" y="0"/>
             <a:ext cx="6419030" cy="10287000"/>
           </a:xfrm>
@@ -3861,21 +3854,21 @@
       </p:sp>
       <p:pic>
         <p:nvPicPr>
-          <p:cNvPr name="Picture 8" id="8"/>
+          <p:cNvPr id="8" name="Picture 8"/>
           <p:cNvPicPr>
-            <a:picLocks noChangeAspect="true"/>
+            <a:picLocks noChangeAspect="1"/>
           </p:cNvPicPr>
           <p:nvPr/>
         </p:nvPicPr>
         <p:blipFill>
           <a:blip r:embed="rId2"/>
-          <a:srcRect l="221" t="0" r="221" b="0"/>
+          <a:srcRect l="221" r="221"/>
           <a:stretch>
             <a:fillRect/>
           </a:stretch>
         </p:blipFill>
         <p:spPr>
-          <a:xfrm flipH="false" flipV="false" rot="0">
+          <a:xfrm>
             <a:off x="1028700" y="2983859"/>
             <a:ext cx="10319803" cy="4338472"/>
           </a:xfrm>
@@ -3886,12 +3879,12 @@
       </p:pic>
       <p:sp>
         <p:nvSpPr>
-          <p:cNvPr name="TextBox 9" id="9"/>
-          <p:cNvSpPr txBox="true"/>
-          <p:nvPr/>
-        </p:nvSpPr>
-        <p:spPr>
-          <a:xfrm rot="0">
+          <p:cNvPr id="9" name="TextBox 9"/>
+          <p:cNvSpPr txBox="1"/>
+          <p:nvPr/>
+        </p:nvSpPr>
+        <p:spPr>
+          <a:xfrm>
             <a:off x="12277949" y="4385945"/>
             <a:ext cx="5908907" cy="1648460"/>
           </a:xfrm>
@@ -3900,7 +3893,7 @@
           </a:prstGeom>
         </p:spPr>
         <p:txBody>
-          <a:bodyPr anchor="t" rtlCol="false" tIns="0" lIns="0" bIns="0" rIns="0">
+          <a:bodyPr lIns="0" tIns="0" rIns="0" bIns="0" rtlCol="0" anchor="t">
             <a:spAutoFit/>
           </a:bodyPr>
           <a:lstStyle/>
@@ -3940,12 +3933,12 @@
       </p:sp>
       <p:sp>
         <p:nvSpPr>
-          <p:cNvPr name="TextBox 10" id="10"/>
-          <p:cNvSpPr txBox="true"/>
-          <p:nvPr/>
-        </p:nvSpPr>
-        <p:spPr>
-          <a:xfrm rot="0">
+          <p:cNvPr id="10" name="TextBox 10"/>
+          <p:cNvSpPr txBox="1"/>
+          <p:nvPr/>
+        </p:nvSpPr>
+        <p:spPr>
+          <a:xfrm>
             <a:off x="11562331" y="9900662"/>
             <a:ext cx="6624524" cy="291135"/>
           </a:xfrm>
@@ -3954,7 +3947,7 @@
           </a:prstGeom>
         </p:spPr>
         <p:txBody>
-          <a:bodyPr anchor="t" rtlCol="false" tIns="0" lIns="0" bIns="0" rIns="0">
+          <a:bodyPr lIns="0" tIns="0" rIns="0" bIns="0" rtlCol="0" anchor="t">
             <a:spAutoFit/>
           </a:bodyPr>
           <a:lstStyle/>
@@ -3965,7 +3958,7 @@
               </a:lnSpc>
             </a:pPr>
             <a:r>
-              <a:rPr lang="en-US" spc="35" sz="1759">
+              <a:rPr lang="en-US" sz="1759" spc="35">
                 <a:solidFill>
                   <a:srgbClr val="553E5C"/>
                 </a:solidFill>
@@ -3985,7 +3978,7 @@
 </file>
 
 <file path=ppt/slides/slide12.xml><?xml version="1.0" encoding="utf-8"?>
-<p:sld xmlns:p="http://schemas.openxmlformats.org/presentationml/2006/main" xmlns:a="http://schemas.openxmlformats.org/drawingml/2006/main" xmlns:r="http://schemas.openxmlformats.org/officeDocument/2006/relationships">
+<p:sld xmlns:a="http://schemas.openxmlformats.org/drawingml/2006/main" xmlns:r="http://schemas.openxmlformats.org/officeDocument/2006/relationships" xmlns:p="http://schemas.openxmlformats.org/presentationml/2006/main">
   <p:cSld>
     <p:spTree>
       <p:nvGrpSpPr>
@@ -4003,12 +3996,12 @@
       </p:grpSpPr>
       <p:sp>
         <p:nvSpPr>
-          <p:cNvPr name="AutoShape 2" id="2"/>
+          <p:cNvPr id="2" name="AutoShape 2"/>
           <p:cNvSpPr/>
           <p:nvPr/>
         </p:nvSpPr>
         <p:spPr>
-          <a:xfrm rot="0">
+          <a:xfrm>
             <a:off x="0" y="0"/>
             <a:ext cx="6419030" cy="10287000"/>
           </a:xfrm>
@@ -4022,12 +4015,12 @@
       </p:sp>
       <p:grpSp>
         <p:nvGrpSpPr>
-          <p:cNvPr name="Group 3" id="3"/>
+          <p:cNvPr id="3" name="Group 3"/>
           <p:cNvGrpSpPr/>
           <p:nvPr/>
         </p:nvGrpSpPr>
         <p:grpSpPr>
-          <a:xfrm rot="0">
+          <a:xfrm>
             <a:off x="1028700" y="1028700"/>
             <a:ext cx="3322565" cy="424180"/>
             <a:chOff x="0" y="0"/>
@@ -4036,12 +4029,12 @@
         </p:grpSpPr>
         <p:sp>
           <p:nvSpPr>
-            <p:cNvPr name="AutoShape 4" id="4"/>
+            <p:cNvPr id="4" name="AutoShape 4"/>
             <p:cNvSpPr/>
             <p:nvPr/>
           </p:nvSpPr>
           <p:spPr>
-            <a:xfrm rot="0">
+            <a:xfrm>
               <a:off x="0" y="250996"/>
               <a:ext cx="1740957" cy="63581"/>
             </a:xfrm>
@@ -4055,12 +4048,12 @@
         </p:sp>
         <p:sp>
           <p:nvSpPr>
-            <p:cNvPr name="TextBox 5" id="5"/>
-            <p:cNvSpPr txBox="true"/>
+            <p:cNvPr id="5" name="TextBox 5"/>
+            <p:cNvSpPr txBox="1"/>
             <p:nvPr/>
           </p:nvSpPr>
           <p:spPr>
-            <a:xfrm rot="0">
+            <a:xfrm>
               <a:off x="2320005" y="-57150"/>
               <a:ext cx="2110081" cy="622723"/>
             </a:xfrm>
@@ -4069,7 +4062,7 @@
             </a:prstGeom>
           </p:spPr>
           <p:txBody>
-            <a:bodyPr anchor="t" rtlCol="false" tIns="0" lIns="0" bIns="0" rIns="0">
+            <a:bodyPr lIns="0" tIns="0" rIns="0" bIns="0" rtlCol="0" anchor="t">
               <a:spAutoFit/>
             </a:bodyPr>
             <a:lstStyle/>
@@ -4080,7 +4073,7 @@
                 </a:lnSpc>
               </a:pPr>
               <a:r>
-                <a:rPr lang="en-US" spc="55" sz="2800">
+                <a:rPr lang="en-US" sz="2800" spc="55">
                   <a:solidFill>
                     <a:srgbClr val="553E5C"/>
                   </a:solidFill>
@@ -4094,21 +4087,21 @@
       </p:grpSp>
       <p:pic>
         <p:nvPicPr>
-          <p:cNvPr name="Picture 6" id="6"/>
+          <p:cNvPr id="6" name="Picture 6"/>
           <p:cNvPicPr>
-            <a:picLocks noChangeAspect="true"/>
+            <a:picLocks noChangeAspect="1"/>
           </p:cNvPicPr>
           <p:nvPr/>
         </p:nvPicPr>
         <p:blipFill>
           <a:blip r:embed="rId2"/>
-          <a:srcRect l="2861" t="0" r="2861" b="0"/>
+          <a:srcRect l="2861" r="2861"/>
           <a:stretch>
             <a:fillRect/>
           </a:stretch>
         </p:blipFill>
         <p:spPr>
-          <a:xfrm flipH="false" flipV="false" rot="0">
+          <a:xfrm>
             <a:off x="7509859" y="328563"/>
             <a:ext cx="10115113" cy="6035170"/>
           </a:xfrm>
@@ -4119,12 +4112,12 @@
       </p:pic>
       <p:sp>
         <p:nvSpPr>
-          <p:cNvPr name="TextBox 7" id="7"/>
-          <p:cNvSpPr txBox="true"/>
-          <p:nvPr/>
-        </p:nvSpPr>
-        <p:spPr>
-          <a:xfrm rot="0">
+          <p:cNvPr id="7" name="TextBox 7"/>
+          <p:cNvSpPr txBox="1"/>
+          <p:nvPr/>
+        </p:nvSpPr>
+        <p:spPr>
+          <a:xfrm>
             <a:off x="198494" y="4569438"/>
             <a:ext cx="6022043" cy="1648460"/>
           </a:xfrm>
@@ -4133,7 +4126,7 @@
           </a:prstGeom>
         </p:spPr>
         <p:txBody>
-          <a:bodyPr anchor="t" rtlCol="false" tIns="0" lIns="0" bIns="0" rIns="0">
+          <a:bodyPr lIns="0" tIns="0" rIns="0" bIns="0" rtlCol="0" anchor="t">
             <a:spAutoFit/>
           </a:bodyPr>
           <a:lstStyle/>
@@ -4157,12 +4150,12 @@
       </p:sp>
       <p:sp>
         <p:nvSpPr>
-          <p:cNvPr name="TextBox 8" id="8"/>
-          <p:cNvSpPr txBox="true"/>
-          <p:nvPr/>
-        </p:nvSpPr>
-        <p:spPr>
-          <a:xfrm rot="0">
+          <p:cNvPr id="8" name="TextBox 8"/>
+          <p:cNvSpPr txBox="1"/>
+          <p:nvPr/>
+        </p:nvSpPr>
+        <p:spPr>
+          <a:xfrm>
             <a:off x="11409812" y="9894617"/>
             <a:ext cx="6777044" cy="297180"/>
           </a:xfrm>
@@ -4171,7 +4164,7 @@
           </a:prstGeom>
         </p:spPr>
         <p:txBody>
-          <a:bodyPr anchor="t" rtlCol="false" tIns="0" lIns="0" bIns="0" rIns="0">
+          <a:bodyPr lIns="0" tIns="0" rIns="0" bIns="0" rtlCol="0" anchor="t">
             <a:spAutoFit/>
           </a:bodyPr>
           <a:lstStyle/>
@@ -4182,7 +4175,7 @@
               </a:lnSpc>
             </a:pPr>
             <a:r>
-              <a:rPr lang="en-US" spc="36" sz="1800">
+              <a:rPr lang="en-US" sz="1800" spc="36">
                 <a:solidFill>
                   <a:srgbClr val="553E5C"/>
                 </a:solidFill>
@@ -4195,35 +4188,35 @@
       </p:sp>
       <p:grpSp>
         <p:nvGrpSpPr>
-          <p:cNvPr name="Group 9" id="9"/>
+          <p:cNvPr id="9" name="Group 9"/>
           <p:cNvGrpSpPr/>
           <p:nvPr/>
         </p:nvGrpSpPr>
         <p:grpSpPr>
-          <a:xfrm rot="0">
-            <a:off x="7389842" y="6806062"/>
-            <a:ext cx="3508317" cy="2452238"/>
-            <a:chOff x="0" y="0"/>
-            <a:chExt cx="4677756" cy="3269650"/>
+          <a:xfrm>
+            <a:off x="7389842" y="6791774"/>
+            <a:ext cx="3508317" cy="2520352"/>
+            <a:chOff x="0" y="-19050"/>
+            <a:chExt cx="4677756" cy="3360469"/>
           </a:xfrm>
         </p:grpSpPr>
         <p:sp>
           <p:nvSpPr>
-            <p:cNvPr name="TextBox 10" id="10"/>
-            <p:cNvSpPr txBox="true"/>
+            <p:cNvPr id="10" name="TextBox 10"/>
+            <p:cNvSpPr txBox="1"/>
             <p:nvPr/>
           </p:nvSpPr>
           <p:spPr>
-            <a:xfrm rot="0">
+            <a:xfrm>
               <a:off x="0" y="652392"/>
-              <a:ext cx="4677756" cy="2617258"/>
+              <a:ext cx="4677756" cy="2689027"/>
             </a:xfrm>
             <a:prstGeom prst="rect">
               <a:avLst/>
             </a:prstGeom>
           </p:spPr>
           <p:txBody>
-            <a:bodyPr anchor="t" rtlCol="false" tIns="0" lIns="0" bIns="0" rIns="0">
+            <a:bodyPr lIns="0" tIns="0" rIns="0" bIns="0" rtlCol="0" anchor="t">
               <a:spAutoFit/>
             </a:bodyPr>
             <a:lstStyle/>
@@ -4234,7 +4227,7 @@
                 </a:lnSpc>
               </a:pPr>
               <a:r>
-                <a:rPr lang="en-US" sz="2000">
+                <a:rPr lang="en-US" sz="2000" dirty="0">
                   <a:solidFill>
                     <a:srgbClr val="1B344D"/>
                   </a:solidFill>
@@ -4243,13 +4236,13 @@
                 <a:t>Playlist collection:</a:t>
               </a:r>
               <a:r>
-                <a:rPr lang="en-US" sz="2000">
+                <a:rPr lang="en-US" sz="2000" dirty="0">
                   <a:solidFill>
                     <a:srgbClr val="1B344D"/>
                   </a:solidFill>
                   <a:latin typeface="Assistant Regular"/>
                 </a:rPr>
-                <a:t> ID field</a:t>
+                <a:t> id field</a:t>
               </a:r>
             </a:p>
             <a:p>
@@ -4258,6 +4251,12 @@
                   <a:spcPts val="3200"/>
                 </a:lnSpc>
               </a:pPr>
+              <a:endParaRPr lang="en-US" sz="2000" dirty="0">
+                <a:solidFill>
+                  <a:srgbClr val="1B344D"/>
+                </a:solidFill>
+                <a:latin typeface="Assistant Regular"/>
+              </a:endParaRPr>
             </a:p>
             <a:p>
               <a:pPr>
@@ -4266,7 +4265,7 @@
                 </a:lnSpc>
               </a:pPr>
               <a:r>
-                <a:rPr lang="en-US" sz="2000">
+                <a:rPr lang="en-US" sz="2000" dirty="0">
                   <a:solidFill>
                     <a:srgbClr val="1B344D"/>
                   </a:solidFill>
@@ -4275,7 +4274,7 @@
                 <a:t>User collection:</a:t>
               </a:r>
               <a:r>
-                <a:rPr lang="en-US" sz="2000">
+                <a:rPr lang="en-US" sz="2000" dirty="0">
                   <a:solidFill>
                     <a:srgbClr val="1B344D"/>
                   </a:solidFill>
@@ -4290,6 +4289,12 @@
                   <a:spcPts val="3200"/>
                 </a:lnSpc>
               </a:pPr>
+              <a:endParaRPr lang="en-US" sz="2000" dirty="0">
+                <a:solidFill>
+                  <a:srgbClr val="1B344D"/>
+                </a:solidFill>
+                <a:latin typeface="Assistant Regular"/>
+              </a:endParaRPr>
             </a:p>
             <a:p>
               <a:pPr>
@@ -4298,7 +4303,7 @@
                 </a:lnSpc>
               </a:pPr>
               <a:r>
-                <a:rPr lang="en-US" sz="2000">
+                <a:rPr lang="en-US" sz="2000" dirty="0">
                   <a:solidFill>
                     <a:srgbClr val="1B344D"/>
                   </a:solidFill>
@@ -4307,7 +4312,7 @@
                 <a:t>Song collection: </a:t>
               </a:r>
               <a:r>
-                <a:rPr lang="en-US" sz="2000">
+                <a:rPr lang="en-US" sz="2000" dirty="0">
                   <a:solidFill>
                     <a:srgbClr val="1B344D"/>
                   </a:solidFill>
@@ -4320,12 +4325,12 @@
         </p:sp>
         <p:sp>
           <p:nvSpPr>
-            <p:cNvPr name="TextBox 11" id="11"/>
-            <p:cNvSpPr txBox="true"/>
+            <p:cNvPr id="11" name="TextBox 11"/>
+            <p:cNvSpPr txBox="1"/>
             <p:nvPr/>
           </p:nvSpPr>
           <p:spPr>
-            <a:xfrm rot="0">
+            <a:xfrm>
               <a:off x="0" y="-19050"/>
               <a:ext cx="4677756" cy="389028"/>
             </a:xfrm>
@@ -4334,7 +4339,7 @@
             </a:prstGeom>
           </p:spPr>
           <p:txBody>
-            <a:bodyPr anchor="t" rtlCol="false" tIns="0" lIns="0" bIns="0" rIns="0">
+            <a:bodyPr lIns="0" tIns="0" rIns="0" bIns="0" rtlCol="0" anchor="t">
               <a:spAutoFit/>
             </a:bodyPr>
             <a:lstStyle/>
@@ -4359,12 +4364,12 @@
       </p:grpSp>
       <p:grpSp>
         <p:nvGrpSpPr>
-          <p:cNvPr name="Group 12" id="12"/>
+          <p:cNvPr id="12" name="Group 12"/>
           <p:cNvGrpSpPr/>
           <p:nvPr/>
         </p:nvGrpSpPr>
         <p:grpSpPr>
-          <a:xfrm rot="0">
+          <a:xfrm>
             <a:off x="13699622" y="6806062"/>
             <a:ext cx="3925351" cy="1652138"/>
             <a:chOff x="0" y="0"/>
@@ -4373,12 +4378,12 @@
         </p:grpSpPr>
         <p:sp>
           <p:nvSpPr>
-            <p:cNvPr name="TextBox 13" id="13"/>
-            <p:cNvSpPr txBox="true"/>
+            <p:cNvPr id="13" name="TextBox 13"/>
+            <p:cNvSpPr txBox="1"/>
             <p:nvPr/>
           </p:nvSpPr>
           <p:spPr>
-            <a:xfrm rot="0">
+            <a:xfrm>
               <a:off x="0" y="652392"/>
               <a:ext cx="5233801" cy="1550458"/>
             </a:xfrm>
@@ -4387,7 +4392,7 @@
             </a:prstGeom>
           </p:spPr>
           <p:txBody>
-            <a:bodyPr anchor="t" rtlCol="false" tIns="0" lIns="0" bIns="0" rIns="0">
+            <a:bodyPr lIns="0" tIns="0" rIns="0" bIns="0" rtlCol="0" anchor="t">
               <a:spAutoFit/>
             </a:bodyPr>
             <a:lstStyle/>
@@ -4413,28 +4418,19 @@
                   </a:solidFill>
                   <a:latin typeface="Assistant Regular"/>
                 </a:rPr>
-                <a:t> </a:t>
-              </a:r>
-              <a:r>
-                <a:rPr lang="en-US" sz="2000">
-                  <a:solidFill>
-                    <a:srgbClr val="1B344D"/>
-                  </a:solidFill>
-                  <a:latin typeface="Assistant Regular"/>
-                </a:rPr>
-                <a:t>The field chosen as the sharding key will be mapped through a hash function.</a:t>
+                <a:t> The field chosen as the sharding key will be mapped through a hash function.</a:t>
               </a:r>
             </a:p>
           </p:txBody>
         </p:sp>
         <p:sp>
           <p:nvSpPr>
-            <p:cNvPr name="TextBox 14" id="14"/>
-            <p:cNvSpPr txBox="true"/>
+            <p:cNvPr id="14" name="TextBox 14"/>
+            <p:cNvSpPr txBox="1"/>
             <p:nvPr/>
           </p:nvSpPr>
           <p:spPr>
-            <a:xfrm rot="0">
+            <a:xfrm>
               <a:off x="0" y="-19050"/>
               <a:ext cx="5233801" cy="389028"/>
             </a:xfrm>
@@ -4443,7 +4439,7 @@
             </a:prstGeom>
           </p:spPr>
           <p:txBody>
-            <a:bodyPr anchor="t" rtlCol="false" tIns="0" lIns="0" bIns="0" rIns="0">
+            <a:bodyPr lIns="0" tIns="0" rIns="0" bIns="0" rtlCol="0" anchor="t">
               <a:spAutoFit/>
             </a:bodyPr>
             <a:lstStyle/>
@@ -4475,7 +4471,7 @@
 </file>
 
 <file path=ppt/slides/slide13.xml><?xml version="1.0" encoding="utf-8"?>
-<p:sld xmlns:p="http://schemas.openxmlformats.org/presentationml/2006/main" xmlns:a="http://schemas.openxmlformats.org/drawingml/2006/main" xmlns:r="http://schemas.openxmlformats.org/officeDocument/2006/relationships">
+<p:sld xmlns:a="http://schemas.openxmlformats.org/drawingml/2006/main" xmlns:r="http://schemas.openxmlformats.org/officeDocument/2006/relationships" xmlns:p="http://schemas.openxmlformats.org/presentationml/2006/main">
   <p:cSld>
     <p:spTree>
       <p:nvGrpSpPr>
@@ -4493,12 +4489,12 @@
       </p:grpSpPr>
       <p:sp>
         <p:nvSpPr>
-          <p:cNvPr name="AutoShape 2" id="2"/>
+          <p:cNvPr id="2" name="AutoShape 2"/>
           <p:cNvSpPr/>
           <p:nvPr/>
         </p:nvSpPr>
         <p:spPr>
-          <a:xfrm rot="0">
+          <a:xfrm>
             <a:off x="0" y="0"/>
             <a:ext cx="6419030" cy="10287000"/>
           </a:xfrm>
@@ -4512,12 +4508,12 @@
       </p:sp>
       <p:grpSp>
         <p:nvGrpSpPr>
-          <p:cNvPr name="Group 3" id="3"/>
+          <p:cNvPr id="3" name="Group 3"/>
           <p:cNvGrpSpPr/>
           <p:nvPr/>
         </p:nvGrpSpPr>
         <p:grpSpPr>
-          <a:xfrm rot="0">
+          <a:xfrm>
             <a:off x="1028700" y="1028700"/>
             <a:ext cx="3322565" cy="424180"/>
             <a:chOff x="0" y="0"/>
@@ -4526,12 +4522,12 @@
         </p:grpSpPr>
         <p:sp>
           <p:nvSpPr>
-            <p:cNvPr name="AutoShape 4" id="4"/>
+            <p:cNvPr id="4" name="AutoShape 4"/>
             <p:cNvSpPr/>
             <p:nvPr/>
           </p:nvSpPr>
           <p:spPr>
-            <a:xfrm rot="0">
+            <a:xfrm>
               <a:off x="0" y="250996"/>
               <a:ext cx="1740957" cy="63581"/>
             </a:xfrm>
@@ -4545,12 +4541,12 @@
         </p:sp>
         <p:sp>
           <p:nvSpPr>
-            <p:cNvPr name="TextBox 5" id="5"/>
-            <p:cNvSpPr txBox="true"/>
+            <p:cNvPr id="5" name="TextBox 5"/>
+            <p:cNvSpPr txBox="1"/>
             <p:nvPr/>
           </p:nvSpPr>
           <p:spPr>
-            <a:xfrm rot="0">
+            <a:xfrm>
               <a:off x="2320005" y="-57150"/>
               <a:ext cx="2110081" cy="622723"/>
             </a:xfrm>
@@ -4559,7 +4555,7 @@
             </a:prstGeom>
           </p:spPr>
           <p:txBody>
-            <a:bodyPr anchor="t" rtlCol="false" tIns="0" lIns="0" bIns="0" rIns="0">
+            <a:bodyPr lIns="0" tIns="0" rIns="0" bIns="0" rtlCol="0" anchor="t">
               <a:spAutoFit/>
             </a:bodyPr>
             <a:lstStyle/>
@@ -4570,7 +4566,7 @@
                 </a:lnSpc>
               </a:pPr>
               <a:r>
-                <a:rPr lang="en-US" spc="55" sz="2800">
+                <a:rPr lang="en-US" sz="2800" spc="55">
                   <a:solidFill>
                     <a:srgbClr val="553E5C"/>
                   </a:solidFill>
@@ -4584,21 +4580,21 @@
       </p:grpSp>
       <p:pic>
         <p:nvPicPr>
-          <p:cNvPr name="Picture 6" id="6"/>
+          <p:cNvPr id="6" name="Picture 6"/>
           <p:cNvPicPr>
-            <a:picLocks noChangeAspect="true"/>
+            <a:picLocks noChangeAspect="1"/>
           </p:cNvPicPr>
           <p:nvPr/>
         </p:nvPicPr>
         <p:blipFill>
           <a:blip r:embed="rId2"/>
-          <a:srcRect l="0" t="0" r="0" b="0"/>
+          <a:srcRect/>
           <a:stretch>
             <a:fillRect/>
           </a:stretch>
         </p:blipFill>
         <p:spPr>
-          <a:xfrm flipH="false" flipV="false" rot="0">
+          <a:xfrm>
             <a:off x="7832854" y="104817"/>
             <a:ext cx="9426446" cy="9426446"/>
           </a:xfrm>
@@ -4609,12 +4605,12 @@
       </p:pic>
       <p:sp>
         <p:nvSpPr>
-          <p:cNvPr name="TextBox 7" id="7"/>
-          <p:cNvSpPr txBox="true"/>
-          <p:nvPr/>
-        </p:nvSpPr>
-        <p:spPr>
-          <a:xfrm rot="0">
+          <p:cNvPr id="7" name="TextBox 7"/>
+          <p:cNvSpPr txBox="1"/>
+          <p:nvPr/>
+        </p:nvSpPr>
+        <p:spPr>
+          <a:xfrm>
             <a:off x="198494" y="3171508"/>
             <a:ext cx="6022043" cy="4077335"/>
           </a:xfrm>
@@ -4623,7 +4619,7 @@
           </a:prstGeom>
         </p:spPr>
         <p:txBody>
-          <a:bodyPr anchor="t" rtlCol="false" tIns="0" lIns="0" bIns="0" rIns="0">
+          <a:bodyPr lIns="0" tIns="0" rIns="0" bIns="0" rtlCol="0" anchor="t">
             <a:spAutoFit/>
           </a:bodyPr>
           <a:lstStyle/>
@@ -4679,12 +4675,12 @@
       </p:sp>
       <p:sp>
         <p:nvSpPr>
-          <p:cNvPr name="TextBox 8" id="8"/>
-          <p:cNvSpPr txBox="true"/>
-          <p:nvPr/>
-        </p:nvSpPr>
-        <p:spPr>
-          <a:xfrm rot="0">
+          <p:cNvPr id="8" name="TextBox 8"/>
+          <p:cNvSpPr txBox="1"/>
+          <p:nvPr/>
+        </p:nvSpPr>
+        <p:spPr>
+          <a:xfrm>
             <a:off x="11409812" y="9894617"/>
             <a:ext cx="6777044" cy="297180"/>
           </a:xfrm>
@@ -4693,7 +4689,7 @@
           </a:prstGeom>
         </p:spPr>
         <p:txBody>
-          <a:bodyPr anchor="t" rtlCol="false" tIns="0" lIns="0" bIns="0" rIns="0">
+          <a:bodyPr lIns="0" tIns="0" rIns="0" bIns="0" rtlCol="0" anchor="t">
             <a:spAutoFit/>
           </a:bodyPr>
           <a:lstStyle/>
@@ -4704,7 +4700,7 @@
               </a:lnSpc>
             </a:pPr>
             <a:r>
-              <a:rPr lang="en-US" spc="36" sz="1800">
+              <a:rPr lang="en-US" sz="1800" spc="36">
                 <a:solidFill>
                   <a:srgbClr val="553E5C"/>
                 </a:solidFill>
@@ -4724,7 +4720,7 @@
 </file>
 
 <file path=ppt/slides/slide14.xml><?xml version="1.0" encoding="utf-8"?>
-<p:sld xmlns:p="http://schemas.openxmlformats.org/presentationml/2006/main" xmlns:a="http://schemas.openxmlformats.org/drawingml/2006/main">
+<p:sld xmlns:a="http://schemas.openxmlformats.org/drawingml/2006/main" xmlns:r="http://schemas.openxmlformats.org/officeDocument/2006/relationships" xmlns:p="http://schemas.openxmlformats.org/presentationml/2006/main">
   <p:cSld>
     <p:spTree>
       <p:nvGrpSpPr>
@@ -4742,12 +4738,12 @@
       </p:grpSpPr>
       <p:sp>
         <p:nvSpPr>
-          <p:cNvPr name="AutoShape 2" id="2"/>
+          <p:cNvPr id="2" name="AutoShape 2"/>
           <p:cNvSpPr/>
           <p:nvPr/>
         </p:nvSpPr>
         <p:spPr>
-          <a:xfrm rot="0">
+          <a:xfrm>
             <a:off x="0" y="0"/>
             <a:ext cx="7077489" cy="10287000"/>
           </a:xfrm>
@@ -4761,12 +4757,12 @@
       </p:sp>
       <p:grpSp>
         <p:nvGrpSpPr>
-          <p:cNvPr name="Group 3" id="3"/>
+          <p:cNvPr id="3" name="Group 3"/>
           <p:cNvGrpSpPr/>
           <p:nvPr/>
         </p:nvGrpSpPr>
         <p:grpSpPr>
-          <a:xfrm rot="0">
+          <a:xfrm>
             <a:off x="1028700" y="1028700"/>
             <a:ext cx="3322565" cy="424180"/>
             <a:chOff x="0" y="0"/>
@@ -4775,12 +4771,12 @@
         </p:grpSpPr>
         <p:sp>
           <p:nvSpPr>
-            <p:cNvPr name="AutoShape 4" id="4"/>
+            <p:cNvPr id="4" name="AutoShape 4"/>
             <p:cNvSpPr/>
             <p:nvPr/>
           </p:nvSpPr>
           <p:spPr>
-            <a:xfrm rot="0">
+            <a:xfrm>
               <a:off x="0" y="250996"/>
               <a:ext cx="1740957" cy="63581"/>
             </a:xfrm>
@@ -4794,12 +4790,12 @@
         </p:sp>
         <p:sp>
           <p:nvSpPr>
-            <p:cNvPr name="TextBox 5" id="5"/>
-            <p:cNvSpPr txBox="true"/>
+            <p:cNvPr id="5" name="TextBox 5"/>
+            <p:cNvSpPr txBox="1"/>
             <p:nvPr/>
           </p:nvSpPr>
           <p:spPr>
-            <a:xfrm rot="0">
+            <a:xfrm>
               <a:off x="2320005" y="-57150"/>
               <a:ext cx="2110081" cy="622723"/>
             </a:xfrm>
@@ -4808,7 +4804,7 @@
             </a:prstGeom>
           </p:spPr>
           <p:txBody>
-            <a:bodyPr anchor="t" rtlCol="false" tIns="0" lIns="0" bIns="0" rIns="0">
+            <a:bodyPr lIns="0" tIns="0" rIns="0" bIns="0" rtlCol="0" anchor="t">
               <a:spAutoFit/>
             </a:bodyPr>
             <a:lstStyle/>
@@ -4819,7 +4815,7 @@
                 </a:lnSpc>
               </a:pPr>
               <a:r>
-                <a:rPr lang="en-US" spc="55" sz="2800">
+                <a:rPr lang="en-US" sz="2800" spc="55">
                   <a:solidFill>
                     <a:srgbClr val="553E5C"/>
                   </a:solidFill>
@@ -4833,12 +4829,12 @@
       </p:grpSp>
       <p:sp>
         <p:nvSpPr>
-          <p:cNvPr name="TextBox 6" id="6"/>
-          <p:cNvSpPr txBox="true"/>
-          <p:nvPr/>
-        </p:nvSpPr>
-        <p:spPr>
-          <a:xfrm rot="0">
+          <p:cNvPr id="6" name="TextBox 6"/>
+          <p:cNvSpPr txBox="1"/>
+          <p:nvPr/>
+        </p:nvSpPr>
+        <p:spPr>
+          <a:xfrm>
             <a:off x="105545" y="4385945"/>
             <a:ext cx="6866400" cy="1648460"/>
           </a:xfrm>
@@ -4847,7 +4843,7 @@
           </a:prstGeom>
         </p:spPr>
         <p:txBody>
-          <a:bodyPr anchor="t" rtlCol="false" tIns="0" lIns="0" bIns="0" rIns="0">
+          <a:bodyPr lIns="0" tIns="0" rIns="0" bIns="0" rtlCol="0" anchor="t">
             <a:spAutoFit/>
           </a:bodyPr>
           <a:lstStyle/>
@@ -4871,12 +4867,12 @@
       </p:sp>
       <p:sp>
         <p:nvSpPr>
-          <p:cNvPr name="TextBox 7" id="7"/>
-          <p:cNvSpPr txBox="true"/>
-          <p:nvPr/>
-        </p:nvSpPr>
-        <p:spPr>
-          <a:xfrm rot="0">
+          <p:cNvPr id="7" name="TextBox 7"/>
+          <p:cNvSpPr txBox="1"/>
+          <p:nvPr/>
+        </p:nvSpPr>
+        <p:spPr>
+          <a:xfrm>
             <a:off x="11409812" y="9894617"/>
             <a:ext cx="6777044" cy="297180"/>
           </a:xfrm>
@@ -4885,7 +4881,7 @@
           </a:prstGeom>
         </p:spPr>
         <p:txBody>
-          <a:bodyPr anchor="t" rtlCol="false" tIns="0" lIns="0" bIns="0" rIns="0">
+          <a:bodyPr lIns="0" tIns="0" rIns="0" bIns="0" rtlCol="0" anchor="t">
             <a:spAutoFit/>
           </a:bodyPr>
           <a:lstStyle/>
@@ -4896,7 +4892,7 @@
               </a:lnSpc>
             </a:pPr>
             <a:r>
-              <a:rPr lang="en-US" spc="36" sz="1800">
+              <a:rPr lang="en-US" sz="1800" spc="36">
                 <a:solidFill>
                   <a:srgbClr val="553E5C"/>
                 </a:solidFill>
@@ -4904,6 +4900,277 @@
               </a:rPr>
               <a:t>Large-Scale and Multi-Structured Databases | Project Discussion</a:t>
             </a:r>
+          </a:p>
+        </p:txBody>
+      </p:sp>
+      <p:sp>
+        <p:nvSpPr>
+          <p:cNvPr id="8" name="Rectangle 7">
+            <a:extLst>
+              <a:ext uri="{FF2B5EF4-FFF2-40B4-BE49-F238E27FC236}">
+                <a16:creationId xmlns:a16="http://schemas.microsoft.com/office/drawing/2014/main" id="{0E2A34EC-5FB3-3C41-A5EF-F2A2A882B769}"/>
+              </a:ext>
+            </a:extLst>
+          </p:cNvPr>
+          <p:cNvSpPr/>
+          <p:nvPr/>
+        </p:nvSpPr>
+        <p:spPr>
+          <a:xfrm>
+            <a:off x="7924800" y="2033554"/>
+            <a:ext cx="9144000" cy="7861063"/>
+          </a:xfrm>
+          <a:prstGeom prst="rect">
+            <a:avLst/>
+          </a:prstGeom>
+        </p:spPr>
+        <p:txBody>
+          <a:bodyPr>
+            <a:spAutoFit/>
+          </a:bodyPr>
+          <a:lstStyle/>
+          <a:p>
+            <a:pPr marL="431801" lvl="1" indent="-215900">
+              <a:lnSpc>
+                <a:spcPts val="3200"/>
+              </a:lnSpc>
+              <a:buFont typeface="Arial"/>
+              <a:buChar char="•"/>
+            </a:pPr>
+            <a:r>
+              <a:rPr lang="en-US" sz="2200" dirty="0">
+                <a:solidFill>
+                  <a:srgbClr val="1B344D"/>
+                </a:solidFill>
+                <a:latin typeface="Assistant Regular"/>
+              </a:rPr>
+              <a:t>Add a password encryption system to the application;</a:t>
+            </a:r>
+          </a:p>
+          <a:p>
+            <a:pPr>
+              <a:lnSpc>
+                <a:spcPts val="3200"/>
+              </a:lnSpc>
+            </a:pPr>
+            <a:endParaRPr lang="en-US" sz="2200" dirty="0">
+              <a:solidFill>
+                <a:srgbClr val="1B344D"/>
+              </a:solidFill>
+              <a:latin typeface="Assistant Regular"/>
+            </a:endParaRPr>
+          </a:p>
+          <a:p>
+            <a:pPr>
+              <a:lnSpc>
+                <a:spcPts val="3200"/>
+              </a:lnSpc>
+            </a:pPr>
+            <a:endParaRPr lang="en-US" sz="2200" dirty="0">
+              <a:solidFill>
+                <a:srgbClr val="1B344D"/>
+              </a:solidFill>
+              <a:latin typeface="Assistant Regular"/>
+            </a:endParaRPr>
+          </a:p>
+          <a:p>
+            <a:pPr>
+              <a:lnSpc>
+                <a:spcPts val="3200"/>
+              </a:lnSpc>
+            </a:pPr>
+            <a:endParaRPr lang="en-US" sz="2200" dirty="0">
+              <a:solidFill>
+                <a:srgbClr val="1B344D"/>
+              </a:solidFill>
+              <a:latin typeface="Assistant Regular"/>
+            </a:endParaRPr>
+          </a:p>
+          <a:p>
+            <a:pPr marL="431801" lvl="1" indent="-215900">
+              <a:lnSpc>
+                <a:spcPts val="3200"/>
+              </a:lnSpc>
+              <a:buFont typeface="Arial"/>
+              <a:buChar char="•"/>
+            </a:pPr>
+            <a:r>
+              <a:rPr lang="en-US" sz="2200" dirty="0">
+                <a:solidFill>
+                  <a:srgbClr val="1B344D"/>
+                </a:solidFill>
+                <a:latin typeface="Assistant Regular"/>
+              </a:rPr>
+              <a:t>Improve the login system of the application (cookies);</a:t>
+            </a:r>
+          </a:p>
+          <a:p>
+            <a:pPr>
+              <a:lnSpc>
+                <a:spcPts val="3200"/>
+              </a:lnSpc>
+            </a:pPr>
+            <a:endParaRPr lang="en-US" sz="2200" dirty="0">
+              <a:solidFill>
+                <a:srgbClr val="1B344D"/>
+              </a:solidFill>
+              <a:latin typeface="Assistant Regular"/>
+            </a:endParaRPr>
+          </a:p>
+          <a:p>
+            <a:pPr>
+              <a:lnSpc>
+                <a:spcPts val="3200"/>
+              </a:lnSpc>
+            </a:pPr>
+            <a:endParaRPr lang="en-US" sz="2200" dirty="0">
+              <a:solidFill>
+                <a:srgbClr val="1B344D"/>
+              </a:solidFill>
+              <a:latin typeface="Assistant Regular"/>
+            </a:endParaRPr>
+          </a:p>
+          <a:p>
+            <a:pPr>
+              <a:lnSpc>
+                <a:spcPts val="3200"/>
+              </a:lnSpc>
+            </a:pPr>
+            <a:endParaRPr lang="en-US" sz="2200" dirty="0">
+              <a:solidFill>
+                <a:srgbClr val="1B344D"/>
+              </a:solidFill>
+              <a:latin typeface="Assistant Regular"/>
+            </a:endParaRPr>
+          </a:p>
+          <a:p>
+            <a:pPr marL="431801" lvl="1" indent="-215900">
+              <a:lnSpc>
+                <a:spcPts val="3200"/>
+              </a:lnSpc>
+              <a:buFont typeface="Arial"/>
+              <a:buChar char="•"/>
+            </a:pPr>
+            <a:r>
+              <a:rPr lang="en-US" sz="2200" dirty="0">
+                <a:solidFill>
+                  <a:srgbClr val="1B344D"/>
+                </a:solidFill>
+                <a:latin typeface="Assistant Regular"/>
+              </a:rPr>
+              <a:t>Improve the consistency management with a thread that tries automatically to recover failed operations;</a:t>
+            </a:r>
+          </a:p>
+          <a:p>
+            <a:pPr>
+              <a:lnSpc>
+                <a:spcPts val="3200"/>
+              </a:lnSpc>
+            </a:pPr>
+            <a:endParaRPr lang="en-US" sz="2200" dirty="0">
+              <a:solidFill>
+                <a:srgbClr val="1B344D"/>
+              </a:solidFill>
+              <a:latin typeface="Assistant Regular"/>
+            </a:endParaRPr>
+          </a:p>
+          <a:p>
+            <a:pPr>
+              <a:lnSpc>
+                <a:spcPts val="3200"/>
+              </a:lnSpc>
+            </a:pPr>
+            <a:endParaRPr lang="en-US" sz="2200" dirty="0">
+              <a:solidFill>
+                <a:srgbClr val="1B344D"/>
+              </a:solidFill>
+              <a:latin typeface="Assistant Regular"/>
+            </a:endParaRPr>
+          </a:p>
+          <a:p>
+            <a:pPr>
+              <a:lnSpc>
+                <a:spcPts val="3200"/>
+              </a:lnSpc>
+            </a:pPr>
+            <a:endParaRPr lang="en-US" sz="2200" dirty="0">
+              <a:solidFill>
+                <a:srgbClr val="1B344D"/>
+              </a:solidFill>
+              <a:latin typeface="Assistant Regular"/>
+            </a:endParaRPr>
+          </a:p>
+          <a:p>
+            <a:pPr marL="431801" lvl="1" indent="-215900">
+              <a:lnSpc>
+                <a:spcPts val="3200"/>
+              </a:lnSpc>
+              <a:buFont typeface="Arial"/>
+              <a:buChar char="•"/>
+            </a:pPr>
+            <a:r>
+              <a:rPr lang="en-US" sz="2200" dirty="0">
+                <a:solidFill>
+                  <a:srgbClr val="1B344D"/>
+                </a:solidFill>
+                <a:latin typeface="Assistant Regular"/>
+              </a:rPr>
+              <a:t>Implement an automatic scraping script to add automatically the information of the songs to the databases, instead of add them manually.</a:t>
+            </a:r>
+          </a:p>
+          <a:p>
+            <a:pPr>
+              <a:lnSpc>
+                <a:spcPts val="3200"/>
+              </a:lnSpc>
+            </a:pPr>
+            <a:endParaRPr lang="en-US" sz="2200" dirty="0">
+              <a:solidFill>
+                <a:srgbClr val="1B344D"/>
+              </a:solidFill>
+              <a:latin typeface="Assistant Regular"/>
+            </a:endParaRPr>
+          </a:p>
+          <a:p>
+            <a:pPr marL="431801" lvl="1" indent="-215900">
+              <a:lnSpc>
+                <a:spcPts val="3200"/>
+              </a:lnSpc>
+              <a:buFont typeface="Arial"/>
+              <a:buChar char="•"/>
+            </a:pPr>
+            <a:endParaRPr lang="en-US" sz="2200" dirty="0">
+              <a:solidFill>
+                <a:srgbClr val="1B344D"/>
+              </a:solidFill>
+              <a:latin typeface="Assistant Regular"/>
+            </a:endParaRPr>
+          </a:p>
+          <a:p>
+            <a:pPr>
+              <a:lnSpc>
+                <a:spcPts val="3200"/>
+              </a:lnSpc>
+            </a:pPr>
+            <a:endParaRPr lang="en-US" sz="2200" dirty="0">
+              <a:solidFill>
+                <a:srgbClr val="1B344D"/>
+              </a:solidFill>
+              <a:latin typeface="Assistant Regular"/>
+            </a:endParaRPr>
+          </a:p>
+          <a:p>
+            <a:pPr>
+              <a:lnSpc>
+                <a:spcPts val="3200"/>
+              </a:lnSpc>
+            </a:pPr>
+            <a:endParaRPr lang="en-US" sz="2200" dirty="0">
+              <a:solidFill>
+                <a:srgbClr val="1B344D"/>
+              </a:solidFill>
+              <a:latin typeface="Assistant Regular"/>
+            </a:endParaRPr>
           </a:p>
         </p:txBody>
       </p:sp>
@@ -4916,7 +5183,7 @@
 </file>
 
 <file path=ppt/slides/slide2.xml><?xml version="1.0" encoding="utf-8"?>
-<p:sld xmlns:p="http://schemas.openxmlformats.org/presentationml/2006/main" xmlns:a="http://schemas.openxmlformats.org/drawingml/2006/main" xmlns:r="http://schemas.openxmlformats.org/officeDocument/2006/relationships">
+<p:sld xmlns:a="http://schemas.openxmlformats.org/drawingml/2006/main" xmlns:r="http://schemas.openxmlformats.org/officeDocument/2006/relationships" xmlns:p="http://schemas.openxmlformats.org/presentationml/2006/main">
   <p:cSld>
     <p:spTree>
       <p:nvGrpSpPr>
@@ -4934,12 +5201,12 @@
       </p:grpSpPr>
       <p:sp>
         <p:nvSpPr>
-          <p:cNvPr name="AutoShape 2" id="2"/>
+          <p:cNvPr id="2" name="AutoShape 2"/>
           <p:cNvSpPr/>
           <p:nvPr/>
         </p:nvSpPr>
         <p:spPr>
-          <a:xfrm rot="0">
+          <a:xfrm>
             <a:off x="0" y="0"/>
             <a:ext cx="6419030" cy="10287000"/>
           </a:xfrm>
@@ -4953,12 +5220,12 @@
       </p:sp>
       <p:grpSp>
         <p:nvGrpSpPr>
-          <p:cNvPr name="Group 3" id="3"/>
+          <p:cNvPr id="3" name="Group 3"/>
           <p:cNvGrpSpPr/>
           <p:nvPr/>
         </p:nvGrpSpPr>
         <p:grpSpPr>
-          <a:xfrm rot="0">
+          <a:xfrm>
             <a:off x="1028700" y="1028700"/>
             <a:ext cx="3322565" cy="424180"/>
             <a:chOff x="0" y="0"/>
@@ -4967,12 +5234,12 @@
         </p:grpSpPr>
         <p:sp>
           <p:nvSpPr>
-            <p:cNvPr name="AutoShape 4" id="4"/>
+            <p:cNvPr id="4" name="AutoShape 4"/>
             <p:cNvSpPr/>
             <p:nvPr/>
           </p:nvSpPr>
           <p:spPr>
-            <a:xfrm rot="0">
+            <a:xfrm>
               <a:off x="0" y="250996"/>
               <a:ext cx="1740957" cy="63581"/>
             </a:xfrm>
@@ -4986,12 +5253,12 @@
         </p:sp>
         <p:sp>
           <p:nvSpPr>
-            <p:cNvPr name="TextBox 5" id="5"/>
-            <p:cNvSpPr txBox="true"/>
+            <p:cNvPr id="5" name="TextBox 5"/>
+            <p:cNvSpPr txBox="1"/>
             <p:nvPr/>
           </p:nvSpPr>
           <p:spPr>
-            <a:xfrm rot="0">
+            <a:xfrm>
               <a:off x="2320005" y="-57150"/>
               <a:ext cx="2110081" cy="622723"/>
             </a:xfrm>
@@ -5000,7 +5267,7 @@
             </a:prstGeom>
           </p:spPr>
           <p:txBody>
-            <a:bodyPr anchor="t" rtlCol="false" tIns="0" lIns="0" bIns="0" rIns="0">
+            <a:bodyPr lIns="0" tIns="0" rIns="0" bIns="0" rtlCol="0" anchor="t">
               <a:spAutoFit/>
             </a:bodyPr>
             <a:lstStyle/>
@@ -5011,7 +5278,7 @@
                 </a:lnSpc>
               </a:pPr>
               <a:r>
-                <a:rPr lang="en-US" spc="56" sz="2800">
+                <a:rPr lang="en-US" sz="2800" spc="56">
                   <a:solidFill>
                     <a:srgbClr val="553E5C"/>
                   </a:solidFill>
@@ -5025,21 +5292,21 @@
       </p:grpSp>
       <p:pic>
         <p:nvPicPr>
-          <p:cNvPr name="Picture 6" id="6"/>
+          <p:cNvPr id="6" name="Picture 6"/>
           <p:cNvPicPr>
-            <a:picLocks noChangeAspect="true"/>
+            <a:picLocks noChangeAspect="1"/>
           </p:cNvPicPr>
           <p:nvPr/>
         </p:nvPicPr>
         <p:blipFill>
           <a:blip r:embed="rId2"/>
-          <a:srcRect l="0" t="0" r="0" b="0"/>
+          <a:srcRect/>
           <a:stretch>
             <a:fillRect/>
           </a:stretch>
         </p:blipFill>
         <p:spPr>
-          <a:xfrm flipH="false" flipV="false" rot="0">
+          <a:xfrm>
             <a:off x="7449481" y="408885"/>
             <a:ext cx="9809819" cy="8115644"/>
           </a:xfrm>
@@ -5050,12 +5317,12 @@
       </p:pic>
       <p:sp>
         <p:nvSpPr>
-          <p:cNvPr name="TextBox 7" id="7"/>
-          <p:cNvSpPr txBox="true"/>
-          <p:nvPr/>
-        </p:nvSpPr>
-        <p:spPr>
-          <a:xfrm rot="0">
+          <p:cNvPr id="7" name="TextBox 7"/>
+          <p:cNvSpPr txBox="1"/>
+          <p:nvPr/>
+        </p:nvSpPr>
+        <p:spPr>
+          <a:xfrm>
             <a:off x="198494" y="4385945"/>
             <a:ext cx="6022043" cy="1648460"/>
           </a:xfrm>
@@ -5064,7 +5331,7 @@
           </a:prstGeom>
         </p:spPr>
         <p:txBody>
-          <a:bodyPr anchor="t" rtlCol="false" tIns="0" lIns="0" bIns="0" rIns="0">
+          <a:bodyPr lIns="0" tIns="0" rIns="0" bIns="0" rtlCol="0" anchor="t">
             <a:spAutoFit/>
           </a:bodyPr>
           <a:lstStyle/>
@@ -5088,12 +5355,12 @@
       </p:sp>
       <p:sp>
         <p:nvSpPr>
-          <p:cNvPr name="TextBox 8" id="8"/>
-          <p:cNvSpPr txBox="true"/>
-          <p:nvPr/>
-        </p:nvSpPr>
-        <p:spPr>
-          <a:xfrm rot="0">
+          <p:cNvPr id="8" name="TextBox 8"/>
+          <p:cNvSpPr txBox="1"/>
+          <p:nvPr/>
+        </p:nvSpPr>
+        <p:spPr>
+          <a:xfrm>
             <a:off x="11409812" y="9894617"/>
             <a:ext cx="6777044" cy="297180"/>
           </a:xfrm>
@@ -5102,7 +5369,7 @@
           </a:prstGeom>
         </p:spPr>
         <p:txBody>
-          <a:bodyPr anchor="t" rtlCol="false" tIns="0" lIns="0" bIns="0" rIns="0">
+          <a:bodyPr lIns="0" tIns="0" rIns="0" bIns="0" rtlCol="0" anchor="t">
             <a:spAutoFit/>
           </a:bodyPr>
           <a:lstStyle/>
@@ -5113,7 +5380,7 @@
               </a:lnSpc>
             </a:pPr>
             <a:r>
-              <a:rPr lang="en-US" spc="36" sz="1800">
+              <a:rPr lang="en-US" sz="1800" spc="36">
                 <a:solidFill>
                   <a:srgbClr val="553E5C"/>
                 </a:solidFill>
@@ -5133,13 +5400,14 @@
 </file>
 
 <file path=ppt/slides/slide3.xml><?xml version="1.0" encoding="utf-8"?>
-<p:sld xmlns:p="http://schemas.openxmlformats.org/presentationml/2006/main" xmlns:a="http://schemas.openxmlformats.org/drawingml/2006/main">
+<p:sld xmlns:a="http://schemas.openxmlformats.org/drawingml/2006/main" xmlns:r="http://schemas.openxmlformats.org/officeDocument/2006/relationships" xmlns:p="http://schemas.openxmlformats.org/presentationml/2006/main">
   <p:cSld>
     <p:bg>
       <p:bgPr>
         <a:solidFill>
           <a:srgbClr val="FFBD59"/>
         </a:solidFill>
+        <a:effectLst/>
       </p:bgPr>
     </p:bg>
     <p:spTree>
@@ -5158,26 +5426,26 @@
       </p:grpSpPr>
       <p:grpSp>
         <p:nvGrpSpPr>
-          <p:cNvPr name="Group 2" id="2"/>
+          <p:cNvPr id="2" name="Group 2"/>
           <p:cNvGrpSpPr/>
           <p:nvPr/>
         </p:nvGrpSpPr>
         <p:grpSpPr>
-          <a:xfrm rot="0">
-            <a:off x="2340102" y="1155657"/>
-            <a:ext cx="13607797" cy="7975685"/>
-            <a:chOff x="0" y="0"/>
-            <a:chExt cx="18143729" cy="10634247"/>
+          <a:xfrm>
+            <a:off x="2340102" y="1241382"/>
+            <a:ext cx="13607797" cy="6426137"/>
+            <a:chOff x="0" y="114300"/>
+            <a:chExt cx="18143729" cy="8568183"/>
           </a:xfrm>
         </p:grpSpPr>
         <p:sp>
           <p:nvSpPr>
-            <p:cNvPr name="TextBox 3" id="3"/>
-            <p:cNvSpPr txBox="true"/>
+            <p:cNvPr id="3" name="TextBox 3"/>
+            <p:cNvSpPr txBox="1"/>
             <p:nvPr/>
           </p:nvSpPr>
           <p:spPr>
-            <a:xfrm rot="0">
+            <a:xfrm>
               <a:off x="0" y="114300"/>
               <a:ext cx="18143729" cy="1059855"/>
             </a:xfrm>
@@ -5186,7 +5454,7 @@
             </a:prstGeom>
           </p:spPr>
           <p:txBody>
-            <a:bodyPr anchor="t" rtlCol="false" tIns="0" lIns="0" bIns="0" rIns="0">
+            <a:bodyPr lIns="0" tIns="0" rIns="0" bIns="0" rtlCol="0" anchor="t">
               <a:spAutoFit/>
             </a:bodyPr>
             <a:lstStyle/>
@@ -5197,7 +5465,7 @@
                 </a:lnSpc>
               </a:pPr>
               <a:r>
-                <a:rPr lang="en-US" u="sng" sz="5794">
+                <a:rPr lang="en-US" sz="5794" u="sng">
                   <a:solidFill>
                     <a:srgbClr val="553E5C"/>
                   </a:solidFill>
@@ -5210,21 +5478,21 @@
         </p:sp>
         <p:sp>
           <p:nvSpPr>
-            <p:cNvPr name="TextBox 4" id="4"/>
-            <p:cNvSpPr txBox="true"/>
+            <p:cNvPr id="4" name="TextBox 4"/>
+            <p:cNvSpPr txBox="1"/>
             <p:nvPr/>
           </p:nvSpPr>
           <p:spPr>
-            <a:xfrm rot="0">
+            <a:xfrm>
               <a:off x="0" y="1616189"/>
-              <a:ext cx="18143729" cy="9018058"/>
+              <a:ext cx="18143729" cy="7066294"/>
             </a:xfrm>
             <a:prstGeom prst="rect">
               <a:avLst/>
             </a:prstGeom>
           </p:spPr>
           <p:txBody>
-            <a:bodyPr anchor="t" rtlCol="false" tIns="0" lIns="0" bIns="0" rIns="0">
+            <a:bodyPr lIns="0" tIns="0" rIns="0" bIns="0" rtlCol="0" anchor="t">
               <a:spAutoFit/>
             </a:bodyPr>
             <a:lstStyle/>
@@ -5235,7 +5503,7 @@
                 </a:lnSpc>
               </a:pPr>
               <a:r>
-                <a:rPr lang="en-US" sz="2000">
+                <a:rPr lang="en-US" sz="2000" dirty="0">
                   <a:solidFill>
                     <a:srgbClr val="553E5C"/>
                   </a:solidFill>
@@ -5244,7 +5512,7 @@
                 <a:t>Source</a:t>
               </a:r>
               <a:r>
-                <a:rPr lang="en-US" sz="2000">
+                <a:rPr lang="en-US" sz="2000" dirty="0">
                   <a:solidFill>
                     <a:srgbClr val="553E5C"/>
                   </a:solidFill>
@@ -5254,7 +5522,7 @@
               </a:r>
             </a:p>
             <a:p>
-              <a:pPr marL="431801" indent="-215900" lvl="1">
+              <a:pPr marL="431801" lvl="1" indent="-215900">
                 <a:lnSpc>
                   <a:spcPts val="3200"/>
                 </a:lnSpc>
@@ -5262,7 +5530,7 @@
                 <a:buChar char="•"/>
               </a:pPr>
               <a:r>
-                <a:rPr lang="en-US" sz="2000">
+                <a:rPr lang="en-US" sz="2000" dirty="0">
                   <a:solidFill>
                     <a:srgbClr val="553E5C"/>
                   </a:solidFill>
@@ -5272,7 +5540,7 @@
               </a:r>
             </a:p>
             <a:p>
-              <a:pPr marL="431801" indent="-215900" lvl="1">
+              <a:pPr marL="431801" lvl="1" indent="-215900">
                 <a:lnSpc>
                   <a:spcPts val="3200"/>
                 </a:lnSpc>
@@ -5280,7 +5548,7 @@
                 <a:buChar char="•"/>
               </a:pPr>
               <a:r>
-                <a:rPr lang="en-US" sz="2000">
+                <a:rPr lang="en-US" sz="2000" dirty="0">
                   <a:solidFill>
                     <a:srgbClr val="553E5C"/>
                   </a:solidFill>
@@ -5290,7 +5558,7 @@
               </a:r>
             </a:p>
             <a:p>
-              <a:pPr marL="431801" indent="-215900" lvl="1">
+              <a:pPr marL="431801" lvl="1" indent="-215900">
                 <a:lnSpc>
                   <a:spcPts val="3200"/>
                 </a:lnSpc>
@@ -5298,7 +5566,7 @@
                 <a:buChar char="•"/>
               </a:pPr>
               <a:r>
-                <a:rPr lang="en-US" sz="2000">
+                <a:rPr lang="en-US" sz="2000" dirty="0">
                   <a:solidFill>
                     <a:srgbClr val="553E5C"/>
                   </a:solidFill>
@@ -5313,6 +5581,12 @@
                   <a:spcPts val="3200"/>
                 </a:lnSpc>
               </a:pPr>
+              <a:endParaRPr lang="en-US" sz="2000" dirty="0">
+                <a:solidFill>
+                  <a:srgbClr val="553E5C"/>
+                </a:solidFill>
+                <a:latin typeface="Assistant Regular"/>
+              </a:endParaRPr>
             </a:p>
             <a:p>
               <a:pPr>
@@ -5321,7 +5595,7 @@
                 </a:lnSpc>
               </a:pPr>
               <a:r>
-                <a:rPr lang="en-US" sz="2000">
+                <a:rPr lang="en-US" sz="2000" dirty="0">
                   <a:solidFill>
                     <a:srgbClr val="553E5C"/>
                   </a:solidFill>
@@ -5330,13 +5604,49 @@
                 <a:t>Description</a:t>
               </a:r>
               <a:r>
-                <a:rPr lang="en-US" sz="2000">
+                <a:rPr lang="en-US" sz="2000" dirty="0">
                   <a:solidFill>
                     <a:srgbClr val="553E5C"/>
                   </a:solidFill>
                   <a:latin typeface="Assistant Regular"/>
                 </a:rPr>
-                <a:t>: The dataset is composed taking the Kaggle’s dataset (spotify playlist) which contains user that created a playlist, playlist name, song in the playlist. To this dataset we add the users (that will use the social), comments of them and the information of a specific song. At the end, we add the random generated informations.  </a:t>
+                <a:t>: The dataset is composed taking the Kaggle’s dataset (</a:t>
+              </a:r>
+              <a:r>
+                <a:rPr lang="en-US" sz="2000" dirty="0" err="1">
+                  <a:solidFill>
+                    <a:srgbClr val="553E5C"/>
+                  </a:solidFill>
+                  <a:latin typeface="Assistant Regular"/>
+                </a:rPr>
+                <a:t>spotify</a:t>
+              </a:r>
+              <a:r>
+                <a:rPr lang="en-US" sz="2000" dirty="0">
+                  <a:solidFill>
+                    <a:srgbClr val="553E5C"/>
+                  </a:solidFill>
+                  <a:latin typeface="Assistant Regular"/>
+                </a:rPr>
+                <a:t> playlist) which contains user that created a playlist, playlist name, song in the playlist. To this dataset we add the users (that will use the social), comments of them and the information of a specific song. At the end, we add the random generated </a:t>
+              </a:r>
+              <a:r>
+                <a:rPr lang="en-US" sz="2000" dirty="0" err="1">
+                  <a:solidFill>
+                    <a:srgbClr val="553E5C"/>
+                  </a:solidFill>
+                  <a:latin typeface="Assistant Regular"/>
+                </a:rPr>
+                <a:t>informations</a:t>
+              </a:r>
+              <a:r>
+                <a:rPr lang="en-US" sz="2000" dirty="0">
+                  <a:solidFill>
+                    <a:srgbClr val="553E5C"/>
+                  </a:solidFill>
+                  <a:latin typeface="Assistant Regular"/>
+                </a:rPr>
+                <a:t>.  </a:t>
               </a:r>
             </a:p>
             <a:p>
@@ -5345,6 +5655,12 @@
                   <a:spcPts val="3200"/>
                 </a:lnSpc>
               </a:pPr>
+              <a:endParaRPr lang="en-US" sz="2000" dirty="0">
+                <a:solidFill>
+                  <a:srgbClr val="553E5C"/>
+                </a:solidFill>
+                <a:latin typeface="Assistant Regular"/>
+              </a:endParaRPr>
             </a:p>
             <a:p>
               <a:pPr>
@@ -5353,7 +5669,7 @@
                 </a:lnSpc>
               </a:pPr>
               <a:r>
-                <a:rPr lang="en-US" sz="2000">
+                <a:rPr lang="en-US" sz="2000" dirty="0">
                   <a:solidFill>
                     <a:srgbClr val="553E5C"/>
                   </a:solidFill>
@@ -5362,7 +5678,7 @@
                 <a:t>Volume</a:t>
               </a:r>
               <a:r>
-                <a:rPr lang="en-US" sz="2000">
+                <a:rPr lang="en-US" sz="2000" dirty="0">
                   <a:solidFill>
                     <a:srgbClr val="553E5C"/>
                   </a:solidFill>
@@ -5377,6 +5693,12 @@
                   <a:spcPts val="3200"/>
                 </a:lnSpc>
               </a:pPr>
+              <a:endParaRPr lang="en-US" sz="2000" dirty="0">
+                <a:solidFill>
+                  <a:srgbClr val="553E5C"/>
+                </a:solidFill>
+                <a:latin typeface="Assistant Regular"/>
+              </a:endParaRPr>
             </a:p>
             <a:p>
               <a:pPr>
@@ -5385,7 +5707,7 @@
                 </a:lnSpc>
               </a:pPr>
               <a:r>
-                <a:rPr lang="en-US" sz="2000">
+                <a:rPr lang="en-US" sz="2000" dirty="0">
                   <a:solidFill>
                     <a:srgbClr val="553E5C"/>
                   </a:solidFill>
@@ -5394,13 +5716,31 @@
                 <a:t>Variety</a:t>
               </a:r>
               <a:r>
-                <a:rPr lang="en-US" sz="2000">
+                <a:rPr lang="en-US" sz="2000" dirty="0">
                   <a:solidFill>
                     <a:srgbClr val="553E5C"/>
                   </a:solidFill>
                   <a:latin typeface="Assistant Regular"/>
                 </a:rPr>
-                <a:t>: Kaggle_db (file csv) + Scraping from Genius + Random generation of votes</a:t>
+                <a:t>: </a:t>
+              </a:r>
+              <a:r>
+                <a:rPr lang="en-US" sz="2000" dirty="0" err="1">
+                  <a:solidFill>
+                    <a:srgbClr val="553E5C"/>
+                  </a:solidFill>
+                  <a:latin typeface="Assistant Regular"/>
+                </a:rPr>
+                <a:t>Kaggle_db</a:t>
+              </a:r>
+              <a:r>
+                <a:rPr lang="en-US" sz="2000" dirty="0">
+                  <a:solidFill>
+                    <a:srgbClr val="553E5C"/>
+                  </a:solidFill>
+                  <a:latin typeface="Assistant Regular"/>
+                </a:rPr>
+                <a:t> (file csv) + Scraping from Genius + Random generation of votes</a:t>
               </a:r>
             </a:p>
             <a:p>
@@ -5409,57 +5749,24 @@
                   <a:spcPts val="3200"/>
                 </a:lnSpc>
               </a:pPr>
-            </a:p>
-            <a:p>
-              <a:pPr>
-                <a:lnSpc>
-                  <a:spcPts val="3200"/>
-                </a:lnSpc>
-              </a:pPr>
-              <a:r>
-                <a:rPr lang="en-US" sz="2000">
-                  <a:solidFill>
-                    <a:srgbClr val="553E5C"/>
-                  </a:solidFill>
-                  <a:latin typeface="Assistant Regular Bold"/>
-                </a:rPr>
-                <a:t>Velocity/Variability:</a:t>
-              </a:r>
-              <a:r>
-                <a:rPr lang="en-US" sz="2000">
-                  <a:solidFill>
-                    <a:srgbClr val="553E5C"/>
-                  </a:solidFill>
-                  <a:latin typeface="Assistant Regular"/>
-                </a:rPr>
-                <a:t> The velocity of the dataset is high because the data arrives in a big amount in short time (creation of new playlists, new comments, new account registered, new playlist’s vote …)</a:t>
-              </a:r>
-            </a:p>
-            <a:p>
-              <a:pPr>
-                <a:lnSpc>
-                  <a:spcPts val="3200"/>
-                </a:lnSpc>
-              </a:pPr>
-            </a:p>
-            <a:p>
-              <a:pPr>
-                <a:lnSpc>
-                  <a:spcPts val="3200"/>
-                </a:lnSpc>
-              </a:pPr>
+              <a:endParaRPr lang="en-US" sz="2000" dirty="0">
+                <a:solidFill>
+                  <a:srgbClr val="553E5C"/>
+                </a:solidFill>
+                <a:latin typeface="Assistant Regular"/>
+              </a:endParaRPr>
             </a:p>
           </p:txBody>
         </p:sp>
       </p:grpSp>
       <p:grpSp>
         <p:nvGrpSpPr>
-          <p:cNvPr name="Group 5" id="5"/>
+          <p:cNvPr id="5" name="Group 5"/>
           <p:cNvGrpSpPr/>
           <p:nvPr/>
         </p:nvGrpSpPr>
         <p:grpSpPr>
-          <a:xfrm rot="0">
+          <a:xfrm>
             <a:off x="1028700" y="1028700"/>
             <a:ext cx="3322565" cy="424180"/>
             <a:chOff x="0" y="0"/>
@@ -5468,12 +5775,12 @@
         </p:grpSpPr>
         <p:sp>
           <p:nvSpPr>
-            <p:cNvPr name="AutoShape 6" id="6"/>
+            <p:cNvPr id="6" name="AutoShape 6"/>
             <p:cNvSpPr/>
             <p:nvPr/>
           </p:nvSpPr>
           <p:spPr>
-            <a:xfrm rot="0">
+            <a:xfrm>
               <a:off x="0" y="250996"/>
               <a:ext cx="1740957" cy="63581"/>
             </a:xfrm>
@@ -5487,12 +5794,12 @@
         </p:sp>
         <p:sp>
           <p:nvSpPr>
-            <p:cNvPr name="TextBox 7" id="7"/>
-            <p:cNvSpPr txBox="true"/>
+            <p:cNvPr id="7" name="TextBox 7"/>
+            <p:cNvSpPr txBox="1"/>
             <p:nvPr/>
           </p:nvSpPr>
           <p:spPr>
-            <a:xfrm rot="0">
+            <a:xfrm>
               <a:off x="2320005" y="-57150"/>
               <a:ext cx="2110081" cy="622723"/>
             </a:xfrm>
@@ -5501,7 +5808,7 @@
             </a:prstGeom>
           </p:spPr>
           <p:txBody>
-            <a:bodyPr anchor="t" rtlCol="false" tIns="0" lIns="0" bIns="0" rIns="0">
+            <a:bodyPr lIns="0" tIns="0" rIns="0" bIns="0" rtlCol="0" anchor="t">
               <a:spAutoFit/>
             </a:bodyPr>
             <a:lstStyle/>
@@ -5512,7 +5819,7 @@
                 </a:lnSpc>
               </a:pPr>
               <a:r>
-                <a:rPr lang="en-US" spc="56" sz="2800">
+                <a:rPr lang="en-US" sz="2800" spc="56">
                   <a:solidFill>
                     <a:srgbClr val="553E5C"/>
                   </a:solidFill>
@@ -5526,12 +5833,12 @@
       </p:grpSp>
       <p:sp>
         <p:nvSpPr>
-          <p:cNvPr name="TextBox 8" id="8"/>
-          <p:cNvSpPr txBox="true"/>
-          <p:nvPr/>
-        </p:nvSpPr>
-        <p:spPr>
-          <a:xfrm rot="0">
+          <p:cNvPr id="8" name="TextBox 8"/>
+          <p:cNvSpPr txBox="1"/>
+          <p:nvPr/>
+        </p:nvSpPr>
+        <p:spPr>
+          <a:xfrm>
             <a:off x="11409812" y="9894617"/>
             <a:ext cx="6777044" cy="297180"/>
           </a:xfrm>
@@ -5540,7 +5847,7 @@
           </a:prstGeom>
         </p:spPr>
         <p:txBody>
-          <a:bodyPr anchor="t" rtlCol="false" tIns="0" lIns="0" bIns="0" rIns="0">
+          <a:bodyPr lIns="0" tIns="0" rIns="0" bIns="0" rtlCol="0" anchor="t">
             <a:spAutoFit/>
           </a:bodyPr>
           <a:lstStyle/>
@@ -5551,7 +5858,7 @@
               </a:lnSpc>
             </a:pPr>
             <a:r>
-              <a:rPr lang="en-US" spc="36" sz="1800">
+              <a:rPr lang="en-US" sz="1800" spc="36">
                 <a:solidFill>
                   <a:srgbClr val="553E5C"/>
                 </a:solidFill>
@@ -5571,7 +5878,7 @@
 </file>
 
 <file path=ppt/slides/slide4.xml><?xml version="1.0" encoding="utf-8"?>
-<p:sld xmlns:p="http://schemas.openxmlformats.org/presentationml/2006/main" xmlns:a="http://schemas.openxmlformats.org/drawingml/2006/main">
+<p:sld xmlns:a="http://schemas.openxmlformats.org/drawingml/2006/main" xmlns:r="http://schemas.openxmlformats.org/officeDocument/2006/relationships" xmlns:p="http://schemas.openxmlformats.org/presentationml/2006/main">
   <p:cSld>
     <p:spTree>
       <p:nvGrpSpPr>
@@ -5589,12 +5896,12 @@
       </p:grpSpPr>
       <p:grpSp>
         <p:nvGrpSpPr>
-          <p:cNvPr name="Group 2" id="2"/>
+          <p:cNvPr id="2" name="Group 2"/>
           <p:cNvGrpSpPr/>
           <p:nvPr/>
         </p:nvGrpSpPr>
         <p:grpSpPr>
-          <a:xfrm rot="0">
+          <a:xfrm>
             <a:off x="7861293" y="673278"/>
             <a:ext cx="9903391" cy="7158634"/>
             <a:chOff x="0" y="0"/>
@@ -5603,12 +5910,12 @@
         </p:grpSpPr>
         <p:sp>
           <p:nvSpPr>
-            <p:cNvPr name="TextBox 3" id="3"/>
-            <p:cNvSpPr txBox="true"/>
+            <p:cNvPr id="3" name="TextBox 3"/>
+            <p:cNvSpPr txBox="1"/>
             <p:nvPr/>
           </p:nvSpPr>
           <p:spPr>
-            <a:xfrm rot="0">
+            <a:xfrm>
               <a:off x="0" y="1154408"/>
               <a:ext cx="13204521" cy="8390437"/>
             </a:xfrm>
@@ -5617,12 +5924,12 @@
             </a:prstGeom>
           </p:spPr>
           <p:txBody>
-            <a:bodyPr anchor="t" rtlCol="false" tIns="0" lIns="0" bIns="0" rIns="0">
+            <a:bodyPr lIns="0" tIns="0" rIns="0" bIns="0" rtlCol="0" anchor="t">
               <a:spAutoFit/>
             </a:bodyPr>
             <a:lstStyle/>
             <a:p>
-              <a:pPr marL="571696" indent="-285848" lvl="1">
+              <a:pPr marL="571696" lvl="1" indent="-285848">
                 <a:lnSpc>
                   <a:spcPts val="4236"/>
                 </a:lnSpc>
@@ -5654,6 +5961,12 @@
                   <a:spcPts val="4236"/>
                 </a:lnSpc>
               </a:pPr>
+              <a:endParaRPr lang="en-US" sz="2647">
+                <a:solidFill>
+                  <a:srgbClr val="1B344D"/>
+                </a:solidFill>
+                <a:latin typeface="Arimo"/>
+              </a:endParaRPr>
             </a:p>
             <a:p>
               <a:pPr>
@@ -5661,9 +5974,15 @@
                   <a:spcPts val="4236"/>
                 </a:lnSpc>
               </a:pPr>
+              <a:endParaRPr lang="en-US" sz="2647">
+                <a:solidFill>
+                  <a:srgbClr val="1B344D"/>
+                </a:solidFill>
+                <a:latin typeface="Arimo"/>
+              </a:endParaRPr>
             </a:p>
             <a:p>
-              <a:pPr marL="571696" indent="-285848" lvl="1">
+              <a:pPr marL="571696" lvl="1" indent="-285848">
                 <a:lnSpc>
                   <a:spcPts val="4236"/>
                 </a:lnSpc>
@@ -5686,6 +6005,12 @@
                   <a:spcPts val="4236"/>
                 </a:lnSpc>
               </a:pPr>
+              <a:endParaRPr lang="en-US" sz="2647">
+                <a:solidFill>
+                  <a:srgbClr val="1B344D"/>
+                </a:solidFill>
+                <a:latin typeface="Assistant Regular"/>
+              </a:endParaRPr>
             </a:p>
             <a:p>
               <a:pPr>
@@ -5693,9 +6018,15 @@
                   <a:spcPts val="4236"/>
                 </a:lnSpc>
               </a:pPr>
+              <a:endParaRPr lang="en-US" sz="2647">
+                <a:solidFill>
+                  <a:srgbClr val="1B344D"/>
+                </a:solidFill>
+                <a:latin typeface="Assistant Regular"/>
+              </a:endParaRPr>
             </a:p>
             <a:p>
-              <a:pPr marL="571696" indent="-285848" lvl="1">
+              <a:pPr marL="571696" lvl="1" indent="-285848">
                 <a:lnSpc>
                   <a:spcPts val="4236"/>
                 </a:lnSpc>
@@ -5718,6 +6049,12 @@
                   <a:spcPts val="4236"/>
                 </a:lnSpc>
               </a:pPr>
+              <a:endParaRPr lang="en-US" sz="2647">
+                <a:solidFill>
+                  <a:srgbClr val="1B344D"/>
+                </a:solidFill>
+                <a:latin typeface="Assistant Regular"/>
+              </a:endParaRPr>
             </a:p>
             <a:p>
               <a:pPr>
@@ -5725,9 +6062,15 @@
                   <a:spcPts val="4236"/>
                 </a:lnSpc>
               </a:pPr>
+              <a:endParaRPr lang="en-US" sz="2647">
+                <a:solidFill>
+                  <a:srgbClr val="1B344D"/>
+                </a:solidFill>
+                <a:latin typeface="Assistant Regular"/>
+              </a:endParaRPr>
             </a:p>
             <a:p>
-              <a:pPr marL="571696" indent="-285848" lvl="1">
+              <a:pPr marL="571696" lvl="1" indent="-285848">
                 <a:lnSpc>
                   <a:spcPts val="4236"/>
                 </a:lnSpc>
@@ -5748,12 +6091,12 @@
         </p:sp>
         <p:sp>
           <p:nvSpPr>
-            <p:cNvPr name="TextBox 4" id="4"/>
-            <p:cNvSpPr txBox="true"/>
+            <p:cNvPr id="4" name="TextBox 4"/>
+            <p:cNvSpPr txBox="1"/>
             <p:nvPr/>
           </p:nvSpPr>
           <p:spPr>
-            <a:xfrm rot="0">
+            <a:xfrm>
               <a:off x="0" y="-28575"/>
               <a:ext cx="13204521" cy="654961"/>
             </a:xfrm>
@@ -5762,7 +6105,7 @@
             </a:prstGeom>
           </p:spPr>
           <p:txBody>
-            <a:bodyPr anchor="t" rtlCol="false" tIns="0" lIns="0" bIns="0" rIns="0">
+            <a:bodyPr lIns="0" tIns="0" rIns="0" bIns="0" rtlCol="0" anchor="t">
               <a:spAutoFit/>
             </a:bodyPr>
             <a:lstStyle/>
@@ -5772,18 +6115,19 @@
                   <a:spcPts val="4130"/>
                 </a:lnSpc>
               </a:pPr>
+              <a:endParaRPr/>
             </a:p>
           </p:txBody>
         </p:sp>
       </p:grpSp>
       <p:sp>
         <p:nvSpPr>
-          <p:cNvPr name="AutoShape 5" id="5"/>
+          <p:cNvPr id="5" name="AutoShape 5"/>
           <p:cNvSpPr/>
           <p:nvPr/>
         </p:nvSpPr>
         <p:spPr>
-          <a:xfrm rot="0">
+          <a:xfrm>
             <a:off x="0" y="0"/>
             <a:ext cx="7340147" cy="10287000"/>
           </a:xfrm>
@@ -5797,12 +6141,12 @@
       </p:sp>
       <p:grpSp>
         <p:nvGrpSpPr>
-          <p:cNvPr name="Group 6" id="6"/>
+          <p:cNvPr id="6" name="Group 6"/>
           <p:cNvGrpSpPr/>
           <p:nvPr/>
         </p:nvGrpSpPr>
         <p:grpSpPr>
-          <a:xfrm rot="0">
+          <a:xfrm>
             <a:off x="1028700" y="1028700"/>
             <a:ext cx="3322565" cy="424180"/>
             <a:chOff x="0" y="0"/>
@@ -5811,12 +6155,12 @@
         </p:grpSpPr>
         <p:sp>
           <p:nvSpPr>
-            <p:cNvPr name="AutoShape 7" id="7"/>
+            <p:cNvPr id="7" name="AutoShape 7"/>
             <p:cNvSpPr/>
             <p:nvPr/>
           </p:nvSpPr>
           <p:spPr>
-            <a:xfrm rot="0">
+            <a:xfrm>
               <a:off x="0" y="250996"/>
               <a:ext cx="1740957" cy="63581"/>
             </a:xfrm>
@@ -5830,12 +6174,12 @@
         </p:sp>
         <p:sp>
           <p:nvSpPr>
-            <p:cNvPr name="TextBox 8" id="8"/>
-            <p:cNvSpPr txBox="true"/>
+            <p:cNvPr id="8" name="TextBox 8"/>
+            <p:cNvSpPr txBox="1"/>
             <p:nvPr/>
           </p:nvSpPr>
           <p:spPr>
-            <a:xfrm rot="0">
+            <a:xfrm>
               <a:off x="2320005" y="-57150"/>
               <a:ext cx="2110081" cy="622723"/>
             </a:xfrm>
@@ -5844,7 +6188,7 @@
             </a:prstGeom>
           </p:spPr>
           <p:txBody>
-            <a:bodyPr anchor="t" rtlCol="false" tIns="0" lIns="0" bIns="0" rIns="0">
+            <a:bodyPr lIns="0" tIns="0" rIns="0" bIns="0" rtlCol="0" anchor="t">
               <a:spAutoFit/>
             </a:bodyPr>
             <a:lstStyle/>
@@ -5855,7 +6199,7 @@
                 </a:lnSpc>
               </a:pPr>
               <a:r>
-                <a:rPr lang="en-US" spc="56" sz="2800">
+                <a:rPr lang="en-US" sz="2800" spc="56">
                   <a:solidFill>
                     <a:srgbClr val="1B344D"/>
                   </a:solidFill>
@@ -5869,12 +6213,12 @@
       </p:grpSp>
       <p:sp>
         <p:nvSpPr>
-          <p:cNvPr name="TextBox 9" id="9"/>
-          <p:cNvSpPr txBox="true"/>
-          <p:nvPr/>
-        </p:nvSpPr>
-        <p:spPr>
-          <a:xfrm rot="0">
+          <p:cNvPr id="9" name="TextBox 9"/>
+          <p:cNvSpPr txBox="1"/>
+          <p:nvPr/>
+        </p:nvSpPr>
+        <p:spPr>
+          <a:xfrm>
             <a:off x="198494" y="4385945"/>
             <a:ext cx="7019919" cy="1648460"/>
           </a:xfrm>
@@ -5883,7 +6227,7 @@
           </a:prstGeom>
         </p:spPr>
         <p:txBody>
-          <a:bodyPr anchor="t" rtlCol="false" tIns="0" lIns="0" bIns="0" rIns="0">
+          <a:bodyPr lIns="0" tIns="0" rIns="0" bIns="0" rtlCol="0" anchor="t">
             <a:spAutoFit/>
           </a:bodyPr>
           <a:lstStyle/>
@@ -5907,12 +6251,12 @@
       </p:sp>
       <p:sp>
         <p:nvSpPr>
-          <p:cNvPr name="TextBox 10" id="10"/>
-          <p:cNvSpPr txBox="true"/>
-          <p:nvPr/>
-        </p:nvSpPr>
-        <p:spPr>
-          <a:xfrm rot="0">
+          <p:cNvPr id="10" name="TextBox 10"/>
+          <p:cNvSpPr txBox="1"/>
+          <p:nvPr/>
+        </p:nvSpPr>
+        <p:spPr>
+          <a:xfrm>
             <a:off x="11409812" y="9894617"/>
             <a:ext cx="6777044" cy="297180"/>
           </a:xfrm>
@@ -5921,7 +6265,7 @@
           </a:prstGeom>
         </p:spPr>
         <p:txBody>
-          <a:bodyPr anchor="t" rtlCol="false" tIns="0" lIns="0" bIns="0" rIns="0">
+          <a:bodyPr lIns="0" tIns="0" rIns="0" bIns="0" rtlCol="0" anchor="t">
             <a:spAutoFit/>
           </a:bodyPr>
           <a:lstStyle/>
@@ -5932,7 +6276,7 @@
               </a:lnSpc>
             </a:pPr>
             <a:r>
-              <a:rPr lang="en-US" spc="36" sz="1800">
+              <a:rPr lang="en-US" sz="1800" spc="36">
                 <a:solidFill>
                   <a:srgbClr val="553E5C"/>
                 </a:solidFill>
@@ -5952,13 +6296,14 @@
 </file>
 
 <file path=ppt/slides/slide5.xml><?xml version="1.0" encoding="utf-8"?>
-<p:sld xmlns:p="http://schemas.openxmlformats.org/presentationml/2006/main" xmlns:a="http://schemas.openxmlformats.org/drawingml/2006/main" xmlns:r="http://schemas.openxmlformats.org/officeDocument/2006/relationships">
+<p:sld xmlns:a="http://schemas.openxmlformats.org/drawingml/2006/main" xmlns:r="http://schemas.openxmlformats.org/officeDocument/2006/relationships" xmlns:p="http://schemas.openxmlformats.org/presentationml/2006/main">
   <p:cSld>
     <p:bg>
       <p:bgPr>
         <a:solidFill>
           <a:srgbClr val="FFBD59"/>
         </a:solidFill>
+        <a:effectLst/>
       </p:bgPr>
     </p:bg>
     <p:spTree>
@@ -5977,12 +6322,12 @@
       </p:grpSpPr>
       <p:sp>
         <p:nvSpPr>
-          <p:cNvPr name="AutoShape 2" id="2"/>
+          <p:cNvPr id="2" name="AutoShape 2"/>
           <p:cNvSpPr/>
           <p:nvPr/>
         </p:nvSpPr>
         <p:spPr>
-          <a:xfrm rot="0">
+          <a:xfrm>
             <a:off x="0" y="0"/>
             <a:ext cx="9144000" cy="10287000"/>
           </a:xfrm>
@@ -5996,12 +6341,12 @@
       </p:sp>
       <p:grpSp>
         <p:nvGrpSpPr>
-          <p:cNvPr name="Group 3" id="3"/>
+          <p:cNvPr id="3" name="Group 3"/>
           <p:cNvGrpSpPr/>
           <p:nvPr/>
         </p:nvGrpSpPr>
         <p:grpSpPr>
-          <a:xfrm rot="0">
+          <a:xfrm>
             <a:off x="1028700" y="1028700"/>
             <a:ext cx="3322565" cy="424180"/>
             <a:chOff x="0" y="0"/>
@@ -6010,12 +6355,12 @@
         </p:grpSpPr>
         <p:sp>
           <p:nvSpPr>
-            <p:cNvPr name="AutoShape 4" id="4"/>
+            <p:cNvPr id="4" name="AutoShape 4"/>
             <p:cNvSpPr/>
             <p:nvPr/>
           </p:nvSpPr>
           <p:spPr>
-            <a:xfrm rot="0">
+            <a:xfrm>
               <a:off x="0" y="250996"/>
               <a:ext cx="1740957" cy="63581"/>
             </a:xfrm>
@@ -6029,12 +6374,12 @@
         </p:sp>
         <p:sp>
           <p:nvSpPr>
-            <p:cNvPr name="TextBox 5" id="5"/>
-            <p:cNvSpPr txBox="true"/>
+            <p:cNvPr id="5" name="TextBox 5"/>
+            <p:cNvSpPr txBox="1"/>
             <p:nvPr/>
           </p:nvSpPr>
           <p:spPr>
-            <a:xfrm rot="0">
+            <a:xfrm>
               <a:off x="2320005" y="-57150"/>
               <a:ext cx="2110081" cy="622723"/>
             </a:xfrm>
@@ -6043,7 +6388,7 @@
             </a:prstGeom>
           </p:spPr>
           <p:txBody>
-            <a:bodyPr anchor="t" rtlCol="false" tIns="0" lIns="0" bIns="0" rIns="0">
+            <a:bodyPr lIns="0" tIns="0" rIns="0" bIns="0" rtlCol="0" anchor="t">
               <a:spAutoFit/>
             </a:bodyPr>
             <a:lstStyle/>
@@ -6054,7 +6399,7 @@
                 </a:lnSpc>
               </a:pPr>
               <a:r>
-                <a:rPr lang="en-US" spc="56" sz="2800">
+                <a:rPr lang="en-US" sz="2800" spc="56">
                   <a:solidFill>
                     <a:srgbClr val="553E5C"/>
                   </a:solidFill>
@@ -6068,12 +6413,12 @@
       </p:grpSp>
       <p:grpSp>
         <p:nvGrpSpPr>
-          <p:cNvPr name="Group 6" id="6"/>
+          <p:cNvPr id="6" name="Group 6"/>
           <p:cNvGrpSpPr/>
           <p:nvPr/>
         </p:nvGrpSpPr>
         <p:grpSpPr>
-          <a:xfrm rot="0">
+          <a:xfrm>
             <a:off x="1028700" y="2756675"/>
             <a:ext cx="7873610" cy="5541246"/>
             <a:chOff x="0" y="0"/>
@@ -6082,12 +6427,12 @@
         </p:grpSpPr>
         <p:sp>
           <p:nvSpPr>
-            <p:cNvPr name="TextBox 7" id="7"/>
-            <p:cNvSpPr txBox="true"/>
+            <p:cNvPr id="7" name="TextBox 7"/>
+            <p:cNvSpPr txBox="1"/>
             <p:nvPr/>
           </p:nvSpPr>
           <p:spPr>
-            <a:xfrm rot="0">
+            <a:xfrm>
               <a:off x="0" y="738091"/>
               <a:ext cx="10498146" cy="2083858"/>
             </a:xfrm>
@@ -6096,12 +6441,12 @@
             </a:prstGeom>
           </p:spPr>
           <p:txBody>
-            <a:bodyPr anchor="t" rtlCol="false" tIns="0" lIns="0" bIns="0" rIns="0">
+            <a:bodyPr lIns="0" tIns="0" rIns="0" bIns="0" rtlCol="0" anchor="t">
               <a:spAutoFit/>
             </a:bodyPr>
             <a:lstStyle/>
             <a:p>
-              <a:pPr marL="431801" indent="-215900" lvl="1">
+              <a:pPr marL="431801" lvl="1" indent="-215900">
                 <a:lnSpc>
                   <a:spcPts val="3200"/>
                 </a:lnSpc>
@@ -6119,7 +6464,7 @@
               </a:r>
             </a:p>
             <a:p>
-              <a:pPr marL="431801" indent="-215900" lvl="1">
+              <a:pPr marL="431801" lvl="1" indent="-215900">
                 <a:lnSpc>
                   <a:spcPts val="3200"/>
                 </a:lnSpc>
@@ -6137,7 +6482,7 @@
               </a:r>
             </a:p>
             <a:p>
-              <a:pPr marL="431801" indent="-215900" lvl="1">
+              <a:pPr marL="431801" lvl="1" indent="-215900">
                 <a:lnSpc>
                   <a:spcPts val="3200"/>
                 </a:lnSpc>
@@ -6155,7 +6500,7 @@
               </a:r>
             </a:p>
             <a:p>
-              <a:pPr marL="431801" indent="-215900" lvl="1">
+              <a:pPr marL="431801" lvl="1" indent="-215900">
                 <a:lnSpc>
                   <a:spcPts val="3200"/>
                 </a:lnSpc>
@@ -6176,12 +6521,12 @@
         </p:sp>
         <p:sp>
           <p:nvSpPr>
-            <p:cNvPr name="TextBox 8" id="8"/>
-            <p:cNvSpPr txBox="true"/>
+            <p:cNvPr id="8" name="TextBox 8"/>
+            <p:cNvSpPr txBox="1"/>
             <p:nvPr/>
           </p:nvSpPr>
           <p:spPr>
-            <a:xfrm rot="0">
+            <a:xfrm>
               <a:off x="0" y="-19050"/>
               <a:ext cx="10498146" cy="499110"/>
             </a:xfrm>
@@ -6190,7 +6535,7 @@
             </a:prstGeom>
           </p:spPr>
           <p:txBody>
-            <a:bodyPr anchor="t" rtlCol="false" tIns="0" lIns="0" bIns="0" rIns="0">
+            <a:bodyPr lIns="0" tIns="0" rIns="0" bIns="0" rtlCol="0" anchor="t">
               <a:spAutoFit/>
             </a:bodyPr>
             <a:lstStyle/>
@@ -6214,12 +6559,12 @@
         </p:sp>
         <p:sp>
           <p:nvSpPr>
-            <p:cNvPr name="TextBox 9" id="9"/>
-            <p:cNvSpPr txBox="true"/>
+            <p:cNvPr id="9" name="TextBox 9"/>
+            <p:cNvSpPr txBox="1"/>
             <p:nvPr/>
           </p:nvSpPr>
           <p:spPr>
-            <a:xfrm rot="0">
+            <a:xfrm>
               <a:off x="0" y="4584227"/>
               <a:ext cx="10498146" cy="520912"/>
             </a:xfrm>
@@ -6228,7 +6573,7 @@
             </a:prstGeom>
           </p:spPr>
           <p:txBody>
-            <a:bodyPr anchor="t" rtlCol="false" tIns="0" lIns="0" bIns="0" rIns="0">
+            <a:bodyPr lIns="0" tIns="0" rIns="0" bIns="0" rtlCol="0" anchor="t">
               <a:spAutoFit/>
             </a:bodyPr>
             <a:lstStyle/>
@@ -6252,12 +6597,12 @@
         </p:sp>
         <p:sp>
           <p:nvSpPr>
-            <p:cNvPr name="TextBox 10" id="10"/>
-            <p:cNvSpPr txBox="true"/>
+            <p:cNvPr id="10" name="TextBox 10"/>
+            <p:cNvSpPr txBox="1"/>
             <p:nvPr/>
           </p:nvSpPr>
           <p:spPr>
-            <a:xfrm rot="0">
+            <a:xfrm>
               <a:off x="0" y="3834038"/>
               <a:ext cx="10498146" cy="492158"/>
             </a:xfrm>
@@ -6266,7 +6611,7 @@
             </a:prstGeom>
           </p:spPr>
           <p:txBody>
-            <a:bodyPr anchor="t" rtlCol="false" tIns="0" lIns="0" bIns="0" rIns="0">
+            <a:bodyPr lIns="0" tIns="0" rIns="0" bIns="0" rtlCol="0" anchor="t">
               <a:spAutoFit/>
             </a:bodyPr>
             <a:lstStyle/>
@@ -6290,12 +6635,12 @@
         </p:sp>
         <p:sp>
           <p:nvSpPr>
-            <p:cNvPr name="TextBox 11" id="11"/>
-            <p:cNvSpPr txBox="true"/>
+            <p:cNvPr id="11" name="TextBox 11"/>
+            <p:cNvSpPr txBox="1"/>
             <p:nvPr/>
           </p:nvSpPr>
           <p:spPr>
-            <a:xfrm rot="0">
+            <a:xfrm>
               <a:off x="0" y="6867417"/>
               <a:ext cx="10498146" cy="520912"/>
             </a:xfrm>
@@ -6304,7 +6649,7 @@
             </a:prstGeom>
           </p:spPr>
           <p:txBody>
-            <a:bodyPr anchor="t" rtlCol="false" tIns="0" lIns="0" bIns="0" rIns="0">
+            <a:bodyPr lIns="0" tIns="0" rIns="0" bIns="0" rtlCol="0" anchor="t">
               <a:spAutoFit/>
             </a:bodyPr>
             <a:lstStyle/>
@@ -6328,12 +6673,12 @@
         </p:sp>
         <p:sp>
           <p:nvSpPr>
-            <p:cNvPr name="TextBox 12" id="12"/>
-            <p:cNvSpPr txBox="true"/>
+            <p:cNvPr id="12" name="TextBox 12"/>
+            <p:cNvSpPr txBox="1"/>
             <p:nvPr/>
           </p:nvSpPr>
           <p:spPr>
-            <a:xfrm rot="0">
+            <a:xfrm>
               <a:off x="0" y="6117228"/>
               <a:ext cx="10498146" cy="492158"/>
             </a:xfrm>
@@ -6342,7 +6687,7 @@
             </a:prstGeom>
           </p:spPr>
           <p:txBody>
-            <a:bodyPr anchor="t" rtlCol="false" tIns="0" lIns="0" bIns="0" rIns="0">
+            <a:bodyPr lIns="0" tIns="0" rIns="0" bIns="0" rtlCol="0" anchor="t">
               <a:spAutoFit/>
             </a:bodyPr>
             <a:lstStyle/>
@@ -6367,69 +6712,69 @@
       </p:grpSp>
       <p:sp>
         <p:nvSpPr>
-          <p:cNvPr name="AutoShape 13" id="13"/>
+          <p:cNvPr id="13" name="AutoShape 13"/>
           <p:cNvSpPr/>
           <p:nvPr/>
         </p:nvSpPr>
         <p:spPr>
-          <a:xfrm rot="0">
+          <a:xfrm>
             <a:off x="4338698" y="6443792"/>
             <a:ext cx="466603" cy="0"/>
           </a:xfrm>
           <a:prstGeom prst="line">
             <a:avLst/>
           </a:prstGeom>
-          <a:ln cap="rnd" w="47625">
+          <a:ln w="47625" cap="rnd">
             <a:solidFill>
               <a:srgbClr val="000000"/>
             </a:solidFill>
             <a:prstDash val="solid"/>
-            <a:headEnd type="none" len="sm" w="sm"/>
-            <a:tailEnd type="triangle" len="med" w="lg"/>
+            <a:headEnd type="none" w="sm" len="sm"/>
+            <a:tailEnd type="triangle" w="lg" len="med"/>
           </a:ln>
         </p:spPr>
       </p:sp>
       <p:sp>
         <p:nvSpPr>
-          <p:cNvPr name="AutoShape 14" id="14"/>
+          <p:cNvPr id="14" name="AutoShape 14"/>
           <p:cNvSpPr/>
           <p:nvPr/>
         </p:nvSpPr>
         <p:spPr>
-          <a:xfrm rot="0">
+          <a:xfrm>
             <a:off x="4351265" y="8124093"/>
             <a:ext cx="466603" cy="0"/>
           </a:xfrm>
           <a:prstGeom prst="line">
             <a:avLst/>
           </a:prstGeom>
-          <a:ln cap="rnd" w="47625">
+          <a:ln w="47625" cap="rnd">
             <a:solidFill>
               <a:srgbClr val="000000"/>
             </a:solidFill>
             <a:prstDash val="solid"/>
-            <a:headEnd type="none" len="sm" w="sm"/>
-            <a:tailEnd type="triangle" len="med" w="lg"/>
+            <a:headEnd type="none" w="sm" len="sm"/>
+            <a:tailEnd type="triangle" w="lg" len="med"/>
           </a:ln>
         </p:spPr>
       </p:sp>
       <p:pic>
         <p:nvPicPr>
-          <p:cNvPr name="Picture 15" id="15"/>
+          <p:cNvPr id="15" name="Picture 15"/>
           <p:cNvPicPr>
-            <a:picLocks noChangeAspect="true"/>
+            <a:picLocks noChangeAspect="1"/>
           </p:cNvPicPr>
           <p:nvPr/>
         </p:nvPicPr>
         <p:blipFill>
           <a:blip r:embed="rId2"/>
-          <a:srcRect l="0" t="0" r="0" b="0"/>
+          <a:srcRect/>
           <a:stretch>
             <a:fillRect/>
           </a:stretch>
         </p:blipFill>
         <p:spPr>
-          <a:xfrm flipH="false" flipV="false" rot="0">
+          <a:xfrm>
             <a:off x="11435332" y="4116384"/>
             <a:ext cx="4629485" cy="4475169"/>
           </a:xfrm>
@@ -6440,12 +6785,12 @@
       </p:pic>
       <p:sp>
         <p:nvSpPr>
-          <p:cNvPr name="TextBox 16" id="16"/>
-          <p:cNvSpPr txBox="true"/>
-          <p:nvPr/>
-        </p:nvSpPr>
-        <p:spPr>
-          <a:xfrm rot="0">
+          <p:cNvPr id="16" name="TextBox 16"/>
+          <p:cNvSpPr txBox="1"/>
+          <p:nvPr/>
+        </p:nvSpPr>
+        <p:spPr>
+          <a:xfrm>
             <a:off x="10525227" y="2928186"/>
             <a:ext cx="6734073" cy="838835"/>
           </a:xfrm>
@@ -6454,7 +6799,7 @@
           </a:prstGeom>
         </p:spPr>
         <p:txBody>
-          <a:bodyPr anchor="t" rtlCol="false" tIns="0" lIns="0" bIns="0" rIns="0">
+          <a:bodyPr lIns="0" tIns="0" rIns="0" bIns="0" rtlCol="0" anchor="t">
             <a:spAutoFit/>
           </a:bodyPr>
           <a:lstStyle/>
@@ -6478,12 +6823,12 @@
       </p:sp>
       <p:sp>
         <p:nvSpPr>
-          <p:cNvPr name="TextBox 17" id="17"/>
-          <p:cNvSpPr txBox="true"/>
-          <p:nvPr/>
-        </p:nvSpPr>
-        <p:spPr>
-          <a:xfrm rot="0">
+          <p:cNvPr id="17" name="TextBox 17"/>
+          <p:cNvSpPr txBox="1"/>
+          <p:nvPr/>
+        </p:nvSpPr>
+        <p:spPr>
+          <a:xfrm>
             <a:off x="11409812" y="9894617"/>
             <a:ext cx="6777044" cy="297180"/>
           </a:xfrm>
@@ -6492,7 +6837,7 @@
           </a:prstGeom>
         </p:spPr>
         <p:txBody>
-          <a:bodyPr anchor="t" rtlCol="false" tIns="0" lIns="0" bIns="0" rIns="0">
+          <a:bodyPr lIns="0" tIns="0" rIns="0" bIns="0" rtlCol="0" anchor="t">
             <a:spAutoFit/>
           </a:bodyPr>
           <a:lstStyle/>
@@ -6503,7 +6848,7 @@
               </a:lnSpc>
             </a:pPr>
             <a:r>
-              <a:rPr lang="en-US" spc="36" sz="1800">
+              <a:rPr lang="en-US" sz="1800" spc="36">
                 <a:solidFill>
                   <a:srgbClr val="553E5C"/>
                 </a:solidFill>
@@ -6523,7 +6868,7 @@
 </file>
 
 <file path=ppt/slides/slide6.xml><?xml version="1.0" encoding="utf-8"?>
-<p:sld xmlns:p="http://schemas.openxmlformats.org/presentationml/2006/main" xmlns:a="http://schemas.openxmlformats.org/drawingml/2006/main" xmlns:r="http://schemas.openxmlformats.org/officeDocument/2006/relationships">
+<p:sld xmlns:a="http://schemas.openxmlformats.org/drawingml/2006/main" xmlns:r="http://schemas.openxmlformats.org/officeDocument/2006/relationships" xmlns:p="http://schemas.openxmlformats.org/presentationml/2006/main">
   <p:cSld>
     <p:spTree>
       <p:nvGrpSpPr>
@@ -6541,12 +6886,12 @@
       </p:grpSpPr>
       <p:sp>
         <p:nvSpPr>
-          <p:cNvPr name="AutoShape 2" id="2"/>
+          <p:cNvPr id="2" name="AutoShape 2"/>
           <p:cNvSpPr/>
           <p:nvPr/>
         </p:nvSpPr>
         <p:spPr>
-          <a:xfrm rot="0">
+          <a:xfrm>
             <a:off x="0" y="0"/>
             <a:ext cx="6419030" cy="10287000"/>
           </a:xfrm>
@@ -6560,12 +6905,12 @@
       </p:sp>
       <p:grpSp>
         <p:nvGrpSpPr>
-          <p:cNvPr name="Group 3" id="3"/>
+          <p:cNvPr id="3" name="Group 3"/>
           <p:cNvGrpSpPr/>
           <p:nvPr/>
         </p:nvGrpSpPr>
         <p:grpSpPr>
-          <a:xfrm rot="0">
+          <a:xfrm>
             <a:off x="1028700" y="1028700"/>
             <a:ext cx="3322565" cy="424180"/>
             <a:chOff x="0" y="0"/>
@@ -6574,12 +6919,12 @@
         </p:grpSpPr>
         <p:sp>
           <p:nvSpPr>
-            <p:cNvPr name="AutoShape 4" id="4"/>
+            <p:cNvPr id="4" name="AutoShape 4"/>
             <p:cNvSpPr/>
             <p:nvPr/>
           </p:nvSpPr>
           <p:spPr>
-            <a:xfrm rot="0">
+            <a:xfrm>
               <a:off x="0" y="250996"/>
               <a:ext cx="1740957" cy="63581"/>
             </a:xfrm>
@@ -6593,12 +6938,12 @@
         </p:sp>
         <p:sp>
           <p:nvSpPr>
-            <p:cNvPr name="TextBox 5" id="5"/>
-            <p:cNvSpPr txBox="true"/>
+            <p:cNvPr id="5" name="TextBox 5"/>
+            <p:cNvSpPr txBox="1"/>
             <p:nvPr/>
           </p:nvSpPr>
           <p:spPr>
-            <a:xfrm rot="0">
+            <a:xfrm>
               <a:off x="2320005" y="-57150"/>
               <a:ext cx="2110081" cy="622723"/>
             </a:xfrm>
@@ -6607,7 +6952,7 @@
             </a:prstGeom>
           </p:spPr>
           <p:txBody>
-            <a:bodyPr anchor="t" rtlCol="false" tIns="0" lIns="0" bIns="0" rIns="0">
+            <a:bodyPr lIns="0" tIns="0" rIns="0" bIns="0" rtlCol="0" anchor="t">
               <a:spAutoFit/>
             </a:bodyPr>
             <a:lstStyle/>
@@ -6618,7 +6963,7 @@
                 </a:lnSpc>
               </a:pPr>
               <a:r>
-                <a:rPr lang="en-US" spc="56" sz="2800">
+                <a:rPr lang="en-US" sz="2800" spc="56">
                   <a:solidFill>
                     <a:srgbClr val="553E5C"/>
                   </a:solidFill>
@@ -6632,21 +6977,21 @@
       </p:grpSp>
       <p:pic>
         <p:nvPicPr>
-          <p:cNvPr name="Picture 6" id="6"/>
+          <p:cNvPr id="6" name="Picture 6"/>
           <p:cNvPicPr>
-            <a:picLocks noChangeAspect="true"/>
+            <a:picLocks noChangeAspect="1"/>
           </p:cNvPicPr>
           <p:nvPr/>
         </p:nvPicPr>
         <p:blipFill>
           <a:blip r:embed="rId2"/>
-          <a:srcRect l="0" t="0" r="0" b="0"/>
+          <a:srcRect/>
           <a:stretch>
             <a:fillRect/>
           </a:stretch>
         </p:blipFill>
         <p:spPr>
-          <a:xfrm flipH="false" flipV="false" rot="0">
+          <a:xfrm>
             <a:off x="7099557" y="1240790"/>
             <a:ext cx="4465815" cy="2722887"/>
           </a:xfrm>
@@ -6657,21 +7002,21 @@
       </p:pic>
       <p:pic>
         <p:nvPicPr>
-          <p:cNvPr name="Picture 7" id="7"/>
+          <p:cNvPr id="7" name="Picture 7"/>
           <p:cNvPicPr>
-            <a:picLocks noChangeAspect="true"/>
+            <a:picLocks noChangeAspect="1"/>
           </p:cNvPicPr>
           <p:nvPr/>
         </p:nvPicPr>
         <p:blipFill>
           <a:blip r:embed="rId3"/>
-          <a:srcRect l="0" t="0" r="0" b="0"/>
+          <a:srcRect/>
           <a:stretch>
             <a:fillRect/>
           </a:stretch>
         </p:blipFill>
         <p:spPr>
-          <a:xfrm flipH="false" flipV="false" rot="0">
+          <a:xfrm>
             <a:off x="7099557" y="3963677"/>
             <a:ext cx="4465815" cy="1363316"/>
           </a:xfrm>
@@ -6682,21 +7027,21 @@
       </p:pic>
       <p:pic>
         <p:nvPicPr>
-          <p:cNvPr name="Picture 8" id="8"/>
+          <p:cNvPr id="8" name="Picture 8"/>
           <p:cNvPicPr>
-            <a:picLocks noChangeAspect="true"/>
+            <a:picLocks noChangeAspect="1"/>
           </p:cNvPicPr>
           <p:nvPr/>
         </p:nvPicPr>
         <p:blipFill>
           <a:blip r:embed="rId4"/>
-          <a:srcRect l="0" t="0" r="0" b="0"/>
+          <a:srcRect/>
           <a:stretch>
             <a:fillRect/>
           </a:stretch>
         </p:blipFill>
         <p:spPr>
-          <a:xfrm flipH="false" flipV="false" rot="0">
+          <a:xfrm>
             <a:off x="13240333" y="3048736"/>
             <a:ext cx="4465815" cy="2677941"/>
           </a:xfrm>
@@ -6707,21 +7052,21 @@
       </p:pic>
       <p:pic>
         <p:nvPicPr>
-          <p:cNvPr name="Picture 9" id="9"/>
+          <p:cNvPr id="9" name="Picture 9"/>
           <p:cNvPicPr>
-            <a:picLocks noChangeAspect="true"/>
+            <a:picLocks noChangeAspect="1"/>
           </p:cNvPicPr>
           <p:nvPr/>
         </p:nvPicPr>
         <p:blipFill>
           <a:blip r:embed="rId5"/>
-          <a:srcRect l="0" t="0" r="0" b="0"/>
+          <a:srcRect/>
           <a:stretch>
             <a:fillRect/>
           </a:stretch>
         </p:blipFill>
         <p:spPr>
-          <a:xfrm flipH="false" flipV="false" rot="0">
+          <a:xfrm>
             <a:off x="7099557" y="6034405"/>
             <a:ext cx="4465815" cy="3773647"/>
           </a:xfrm>
@@ -6732,21 +7077,21 @@
       </p:pic>
       <p:pic>
         <p:nvPicPr>
-          <p:cNvPr name="Picture 10" id="10"/>
+          <p:cNvPr id="10" name="Picture 10"/>
           <p:cNvPicPr>
-            <a:picLocks noChangeAspect="true"/>
+            <a:picLocks noChangeAspect="1"/>
           </p:cNvPicPr>
           <p:nvPr/>
         </p:nvPicPr>
         <p:blipFill>
           <a:blip r:embed="rId6"/>
-          <a:srcRect l="0" t="0" r="0" b="0"/>
+          <a:srcRect/>
           <a:stretch>
             <a:fillRect/>
           </a:stretch>
         </p:blipFill>
         <p:spPr>
-          <a:xfrm flipH="false" flipV="false" rot="0">
+          <a:xfrm>
             <a:off x="13240333" y="5726677"/>
             <a:ext cx="4465815" cy="1947613"/>
           </a:xfrm>
@@ -6757,21 +7102,21 @@
       </p:pic>
       <p:pic>
         <p:nvPicPr>
-          <p:cNvPr name="Picture 11" id="11"/>
+          <p:cNvPr id="11" name="Picture 11"/>
           <p:cNvPicPr>
-            <a:picLocks noChangeAspect="true"/>
+            <a:picLocks noChangeAspect="1"/>
           </p:cNvPicPr>
           <p:nvPr/>
         </p:nvPicPr>
         <p:blipFill>
           <a:blip r:embed="rId7"/>
-          <a:srcRect l="0" t="0" r="0" b="0"/>
+          <a:srcRect/>
           <a:stretch>
             <a:fillRect/>
           </a:stretch>
         </p:blipFill>
         <p:spPr>
-          <a:xfrm flipH="false" flipV="false" rot="0">
+          <a:xfrm>
             <a:off x="1630408" y="8832599"/>
             <a:ext cx="3158214" cy="851402"/>
           </a:xfrm>
@@ -6782,12 +7127,12 @@
       </p:pic>
       <p:sp>
         <p:nvSpPr>
-          <p:cNvPr name="TextBox 12" id="12"/>
-          <p:cNvSpPr txBox="true"/>
-          <p:nvPr/>
-        </p:nvSpPr>
-        <p:spPr>
-          <a:xfrm rot="0">
+          <p:cNvPr id="12" name="TextBox 12"/>
+          <p:cNvSpPr txBox="1"/>
+          <p:nvPr/>
+        </p:nvSpPr>
+        <p:spPr>
+          <a:xfrm>
             <a:off x="198494" y="4164626"/>
             <a:ext cx="6022043" cy="2458085"/>
           </a:xfrm>
@@ -6796,7 +7141,7 @@
           </a:prstGeom>
         </p:spPr>
         <p:txBody>
-          <a:bodyPr anchor="t" rtlCol="false" tIns="0" lIns="0" bIns="0" rIns="0">
+          <a:bodyPr lIns="0" tIns="0" rIns="0" bIns="0" rtlCol="0" anchor="t">
             <a:spAutoFit/>
           </a:bodyPr>
           <a:lstStyle/>
@@ -6822,6 +7167,12 @@
                 <a:spcPts val="6399"/>
               </a:lnSpc>
             </a:pPr>
+            <a:endParaRPr lang="en-US" sz="6399">
+              <a:solidFill>
+                <a:srgbClr val="553E5C"/>
+              </a:solidFill>
+              <a:latin typeface="Roboto Mono Regular"/>
+            </a:endParaRPr>
           </a:p>
           <a:p>
             <a:pPr algn="ctr">
@@ -6843,12 +7194,12 @@
       </p:sp>
       <p:sp>
         <p:nvSpPr>
-          <p:cNvPr name="TextBox 13" id="13"/>
-          <p:cNvSpPr txBox="true"/>
-          <p:nvPr/>
-        </p:nvSpPr>
-        <p:spPr>
-          <a:xfrm rot="0">
+          <p:cNvPr id="13" name="TextBox 13"/>
+          <p:cNvSpPr txBox="1"/>
+          <p:nvPr/>
+        </p:nvSpPr>
+        <p:spPr>
+          <a:xfrm>
             <a:off x="7419631" y="908050"/>
             <a:ext cx="3448738" cy="269875"/>
           </a:xfrm>
@@ -6857,7 +7208,7 @@
           </a:prstGeom>
         </p:spPr>
         <p:txBody>
-          <a:bodyPr anchor="t" rtlCol="false" tIns="0" lIns="0" bIns="0" rIns="0">
+          <a:bodyPr lIns="0" tIns="0" rIns="0" bIns="0" rtlCol="0" anchor="t">
             <a:spAutoFit/>
           </a:bodyPr>
           <a:lstStyle/>
@@ -6881,12 +7232,12 @@
       </p:sp>
       <p:sp>
         <p:nvSpPr>
-          <p:cNvPr name="TextBox 14" id="14"/>
-          <p:cNvSpPr txBox="true"/>
-          <p:nvPr/>
-        </p:nvSpPr>
-        <p:spPr>
-          <a:xfrm rot="0">
+          <p:cNvPr id="14" name="TextBox 14"/>
+          <p:cNvSpPr txBox="1"/>
+          <p:nvPr/>
+        </p:nvSpPr>
+        <p:spPr>
+          <a:xfrm>
             <a:off x="7178357" y="5755252"/>
             <a:ext cx="4308215" cy="269875"/>
           </a:xfrm>
@@ -6895,7 +7246,7 @@
           </a:prstGeom>
         </p:spPr>
         <p:txBody>
-          <a:bodyPr anchor="t" rtlCol="false" tIns="0" lIns="0" bIns="0" rIns="0">
+          <a:bodyPr lIns="0" tIns="0" rIns="0" bIns="0" rtlCol="0" anchor="t">
             <a:spAutoFit/>
           </a:bodyPr>
           <a:lstStyle/>
@@ -6919,12 +7270,12 @@
       </p:sp>
       <p:sp>
         <p:nvSpPr>
-          <p:cNvPr name="TextBox 15" id="15"/>
-          <p:cNvSpPr txBox="true"/>
-          <p:nvPr/>
-        </p:nvSpPr>
-        <p:spPr>
-          <a:xfrm rot="0">
+          <p:cNvPr id="15" name="TextBox 15"/>
+          <p:cNvSpPr txBox="1"/>
+          <p:nvPr/>
+        </p:nvSpPr>
+        <p:spPr>
+          <a:xfrm>
             <a:off x="13240333" y="2778861"/>
             <a:ext cx="4308215" cy="269875"/>
           </a:xfrm>
@@ -6933,7 +7284,7 @@
           </a:prstGeom>
         </p:spPr>
         <p:txBody>
-          <a:bodyPr anchor="t" rtlCol="false" tIns="0" lIns="0" bIns="0" rIns="0">
+          <a:bodyPr lIns="0" tIns="0" rIns="0" bIns="0" rtlCol="0" anchor="t">
             <a:spAutoFit/>
           </a:bodyPr>
           <a:lstStyle/>
@@ -6957,12 +7308,12 @@
       </p:sp>
       <p:sp>
         <p:nvSpPr>
-          <p:cNvPr name="TextBox 16" id="16"/>
-          <p:cNvSpPr txBox="true"/>
-          <p:nvPr/>
-        </p:nvSpPr>
-        <p:spPr>
-          <a:xfrm rot="0">
+          <p:cNvPr id="16" name="TextBox 16"/>
+          <p:cNvSpPr txBox="1"/>
+          <p:nvPr/>
+        </p:nvSpPr>
+        <p:spPr>
+          <a:xfrm>
             <a:off x="11409812" y="9894617"/>
             <a:ext cx="6777044" cy="297180"/>
           </a:xfrm>
@@ -6971,7 +7322,7 @@
           </a:prstGeom>
         </p:spPr>
         <p:txBody>
-          <a:bodyPr anchor="t" rtlCol="false" tIns="0" lIns="0" bIns="0" rIns="0">
+          <a:bodyPr lIns="0" tIns="0" rIns="0" bIns="0" rtlCol="0" anchor="t">
             <a:spAutoFit/>
           </a:bodyPr>
           <a:lstStyle/>
@@ -6982,7 +7333,7 @@
               </a:lnSpc>
             </a:pPr>
             <a:r>
-              <a:rPr lang="en-US" spc="36" sz="1800">
+              <a:rPr lang="en-US" sz="1800" spc="36">
                 <a:solidFill>
                   <a:srgbClr val="553E5C"/>
                 </a:solidFill>
@@ -6995,7 +7346,7 @@
       </p:sp>
       <p:sp>
         <p:nvSpPr>
-          <p:cNvPr name="AutoShape 17" id="17"/>
+          <p:cNvPr id="17" name="AutoShape 17"/>
           <p:cNvSpPr/>
           <p:nvPr/>
         </p:nvSpPr>
@@ -7007,13 +7358,13 @@
           <a:prstGeom prst="line">
             <a:avLst/>
           </a:prstGeom>
-          <a:ln cap="rnd" w="47625">
+          <a:ln w="47625" cap="rnd">
             <a:solidFill>
               <a:srgbClr val="553E5C"/>
             </a:solidFill>
             <a:prstDash val="solid"/>
-            <a:headEnd type="none" len="sm" w="sm"/>
-            <a:tailEnd type="none" len="sm" w="sm"/>
+            <a:headEnd type="none" w="sm" len="sm"/>
+            <a:tailEnd type="none" w="sm" len="sm"/>
           </a:ln>
         </p:spPr>
       </p:sp>
@@ -7026,7 +7377,7 @@
 </file>
 
 <file path=ppt/slides/slide7.xml><?xml version="1.0" encoding="utf-8"?>
-<p:sld xmlns:p="http://schemas.openxmlformats.org/presentationml/2006/main" xmlns:a="http://schemas.openxmlformats.org/drawingml/2006/main" xmlns:r="http://schemas.openxmlformats.org/officeDocument/2006/relationships">
+<p:sld xmlns:a="http://schemas.openxmlformats.org/drawingml/2006/main" xmlns:r="http://schemas.openxmlformats.org/officeDocument/2006/relationships" xmlns:p="http://schemas.openxmlformats.org/presentationml/2006/main">
   <p:cSld>
     <p:spTree>
       <p:nvGrpSpPr>
@@ -7044,12 +7395,12 @@
       </p:grpSpPr>
       <p:sp>
         <p:nvSpPr>
-          <p:cNvPr name="AutoShape 2" id="2"/>
+          <p:cNvPr id="2" name="AutoShape 2"/>
           <p:cNvSpPr/>
           <p:nvPr/>
         </p:nvSpPr>
         <p:spPr>
-          <a:xfrm rot="0">
+          <a:xfrm>
             <a:off x="0" y="0"/>
             <a:ext cx="6419030" cy="10287000"/>
           </a:xfrm>
@@ -7063,12 +7414,12 @@
       </p:sp>
       <p:grpSp>
         <p:nvGrpSpPr>
-          <p:cNvPr name="Group 3" id="3"/>
+          <p:cNvPr id="3" name="Group 3"/>
           <p:cNvGrpSpPr/>
           <p:nvPr/>
         </p:nvGrpSpPr>
         <p:grpSpPr>
-          <a:xfrm rot="0">
+          <a:xfrm>
             <a:off x="1028700" y="1028700"/>
             <a:ext cx="3322565" cy="424180"/>
             <a:chOff x="0" y="0"/>
@@ -7077,12 +7428,12 @@
         </p:grpSpPr>
         <p:sp>
           <p:nvSpPr>
-            <p:cNvPr name="AutoShape 4" id="4"/>
+            <p:cNvPr id="4" name="AutoShape 4"/>
             <p:cNvSpPr/>
             <p:nvPr/>
           </p:nvSpPr>
           <p:spPr>
-            <a:xfrm rot="0">
+            <a:xfrm>
               <a:off x="0" y="250996"/>
               <a:ext cx="1740957" cy="63581"/>
             </a:xfrm>
@@ -7096,12 +7447,12 @@
         </p:sp>
         <p:sp>
           <p:nvSpPr>
-            <p:cNvPr name="TextBox 5" id="5"/>
-            <p:cNvSpPr txBox="true"/>
+            <p:cNvPr id="5" name="TextBox 5"/>
+            <p:cNvSpPr txBox="1"/>
             <p:nvPr/>
           </p:nvSpPr>
           <p:spPr>
-            <a:xfrm rot="0">
+            <a:xfrm>
               <a:off x="2320005" y="-57150"/>
               <a:ext cx="2110081" cy="622723"/>
             </a:xfrm>
@@ -7110,7 +7461,7 @@
             </a:prstGeom>
           </p:spPr>
           <p:txBody>
-            <a:bodyPr anchor="t" rtlCol="false" tIns="0" lIns="0" bIns="0" rIns="0">
+            <a:bodyPr lIns="0" tIns="0" rIns="0" bIns="0" rtlCol="0" anchor="t">
               <a:spAutoFit/>
             </a:bodyPr>
             <a:lstStyle/>
@@ -7121,7 +7472,7 @@
                 </a:lnSpc>
               </a:pPr>
               <a:r>
-                <a:rPr lang="en-US" spc="55" sz="2800">
+                <a:rPr lang="en-US" sz="2800" spc="55">
                   <a:solidFill>
                     <a:srgbClr val="553E5C"/>
                   </a:solidFill>
@@ -7135,21 +7486,21 @@
       </p:grpSp>
       <p:pic>
         <p:nvPicPr>
-          <p:cNvPr name="Picture 6" id="6"/>
+          <p:cNvPr id="6" name="Picture 6"/>
           <p:cNvPicPr>
-            <a:picLocks noChangeAspect="true"/>
+            <a:picLocks noChangeAspect="1"/>
           </p:cNvPicPr>
           <p:nvPr/>
         </p:nvPicPr>
         <p:blipFill>
           <a:blip r:embed="rId2"/>
-          <a:srcRect l="0" t="0" r="0" b="0"/>
+          <a:srcRect/>
           <a:stretch>
             <a:fillRect/>
           </a:stretch>
         </p:blipFill>
         <p:spPr>
-          <a:xfrm flipH="false" flipV="false" rot="0">
+          <a:xfrm>
             <a:off x="1630408" y="8832599"/>
             <a:ext cx="3158214" cy="851402"/>
           </a:xfrm>
@@ -7160,12 +7511,12 @@
       </p:pic>
       <p:sp>
         <p:nvSpPr>
-          <p:cNvPr name="TextBox 7" id="7"/>
-          <p:cNvSpPr txBox="true"/>
-          <p:nvPr/>
-        </p:nvSpPr>
-        <p:spPr>
-          <a:xfrm rot="0">
+          <p:cNvPr id="7" name="TextBox 7"/>
+          <p:cNvSpPr txBox="1"/>
+          <p:nvPr/>
+        </p:nvSpPr>
+        <p:spPr>
+          <a:xfrm>
             <a:off x="198494" y="4164626"/>
             <a:ext cx="6022043" cy="2458085"/>
           </a:xfrm>
@@ -7174,7 +7525,7 @@
           </a:prstGeom>
         </p:spPr>
         <p:txBody>
-          <a:bodyPr anchor="t" rtlCol="false" tIns="0" lIns="0" bIns="0" rIns="0">
+          <a:bodyPr lIns="0" tIns="0" rIns="0" bIns="0" rtlCol="0" anchor="t">
             <a:spAutoFit/>
           </a:bodyPr>
           <a:lstStyle/>
@@ -7200,6 +7551,12 @@
                 <a:spcPts val="6399"/>
               </a:lnSpc>
             </a:pPr>
+            <a:endParaRPr lang="en-US" sz="6399">
+              <a:solidFill>
+                <a:srgbClr val="553E5C"/>
+              </a:solidFill>
+              <a:latin typeface="Roboto Mono Regular"/>
+            </a:endParaRPr>
           </a:p>
           <a:p>
             <a:pPr algn="ctr">
@@ -7221,12 +7578,12 @@
       </p:sp>
       <p:sp>
         <p:nvSpPr>
-          <p:cNvPr name="TextBox 8" id="8"/>
-          <p:cNvSpPr txBox="true"/>
-          <p:nvPr/>
-        </p:nvSpPr>
-        <p:spPr>
-          <a:xfrm rot="0">
+          <p:cNvPr id="8" name="TextBox 8"/>
+          <p:cNvSpPr txBox="1"/>
+          <p:nvPr/>
+        </p:nvSpPr>
+        <p:spPr>
+          <a:xfrm>
             <a:off x="11409812" y="9894617"/>
             <a:ext cx="6777044" cy="297180"/>
           </a:xfrm>
@@ -7235,7 +7592,7 @@
           </a:prstGeom>
         </p:spPr>
         <p:txBody>
-          <a:bodyPr anchor="t" rtlCol="false" tIns="0" lIns="0" bIns="0" rIns="0">
+          <a:bodyPr lIns="0" tIns="0" rIns="0" bIns="0" rtlCol="0" anchor="t">
             <a:spAutoFit/>
           </a:bodyPr>
           <a:lstStyle/>
@@ -7246,7 +7603,7 @@
               </a:lnSpc>
             </a:pPr>
             <a:r>
-              <a:rPr lang="en-US" spc="36" sz="1800">
+              <a:rPr lang="en-US" sz="1800" spc="36">
                 <a:solidFill>
                   <a:srgbClr val="553E5C"/>
                 </a:solidFill>
@@ -7259,12 +7616,12 @@
       </p:sp>
       <p:grpSp>
         <p:nvGrpSpPr>
-          <p:cNvPr name="Group 9" id="9"/>
+          <p:cNvPr id="9" name="Group 9"/>
           <p:cNvGrpSpPr/>
           <p:nvPr/>
         </p:nvGrpSpPr>
         <p:grpSpPr>
-          <a:xfrm rot="0">
+          <a:xfrm>
             <a:off x="7355909" y="1204603"/>
             <a:ext cx="9903391" cy="7877794"/>
             <a:chOff x="0" y="0"/>
@@ -7273,12 +7630,12 @@
         </p:grpSpPr>
         <p:sp>
           <p:nvSpPr>
-            <p:cNvPr name="TextBox 10" id="10"/>
-            <p:cNvSpPr txBox="true"/>
+            <p:cNvPr id="10" name="TextBox 10"/>
+            <p:cNvSpPr txBox="1"/>
             <p:nvPr/>
           </p:nvSpPr>
           <p:spPr>
-            <a:xfrm rot="0">
+            <a:xfrm>
               <a:off x="0" y="1163933"/>
               <a:ext cx="13204521" cy="9339792"/>
             </a:xfrm>
@@ -7287,12 +7644,12 @@
             </a:prstGeom>
           </p:spPr>
           <p:txBody>
-            <a:bodyPr anchor="t" rtlCol="false" tIns="0" lIns="0" bIns="0" rIns="0">
+            <a:bodyPr lIns="0" tIns="0" rIns="0" bIns="0" rtlCol="0" anchor="t">
               <a:spAutoFit/>
             </a:bodyPr>
             <a:lstStyle/>
             <a:p>
-              <a:pPr marL="539749" indent="-269875" lvl="1">
+              <a:pPr marL="539749" lvl="1" indent="-269875">
                 <a:lnSpc>
                   <a:spcPts val="3999"/>
                 </a:lnSpc>
@@ -7315,9 +7672,15 @@
                   <a:spcPts val="3999"/>
                 </a:lnSpc>
               </a:pPr>
+              <a:endParaRPr lang="en-US" sz="2499">
+                <a:solidFill>
+                  <a:srgbClr val="1B344D"/>
+                </a:solidFill>
+                <a:latin typeface="Assistant Regular"/>
+              </a:endParaRPr>
             </a:p>
             <a:p>
-              <a:pPr marL="539749" indent="-269875" lvl="1">
+              <a:pPr marL="539749" lvl="1" indent="-269875">
                 <a:lnSpc>
                   <a:spcPts val="3999"/>
                 </a:lnSpc>
@@ -7340,9 +7703,15 @@
                   <a:spcPts val="3999"/>
                 </a:lnSpc>
               </a:pPr>
+              <a:endParaRPr lang="en-US" sz="2499">
+                <a:solidFill>
+                  <a:srgbClr val="1B344D"/>
+                </a:solidFill>
+                <a:latin typeface="Assistant Regular"/>
+              </a:endParaRPr>
             </a:p>
             <a:p>
-              <a:pPr marL="539749" indent="-269875" lvl="1">
+              <a:pPr marL="539749" lvl="1" indent="-269875">
                 <a:lnSpc>
                   <a:spcPts val="3999"/>
                 </a:lnSpc>
@@ -7365,9 +7734,15 @@
                   <a:spcPts val="3999"/>
                 </a:lnSpc>
               </a:pPr>
+              <a:endParaRPr lang="en-US" sz="2499">
+                <a:solidFill>
+                  <a:srgbClr val="1B344D"/>
+                </a:solidFill>
+                <a:latin typeface="Assistant Regular"/>
+              </a:endParaRPr>
             </a:p>
             <a:p>
-              <a:pPr marL="539749" indent="-269875" lvl="1">
+              <a:pPr marL="539749" lvl="1" indent="-269875">
                 <a:lnSpc>
                   <a:spcPts val="3999"/>
                 </a:lnSpc>
@@ -7390,9 +7765,15 @@
                   <a:spcPts val="3999"/>
                 </a:lnSpc>
               </a:pPr>
+              <a:endParaRPr lang="en-US" sz="2499">
+                <a:solidFill>
+                  <a:srgbClr val="1B344D"/>
+                </a:solidFill>
+                <a:latin typeface="Assistant Regular"/>
+              </a:endParaRPr>
             </a:p>
             <a:p>
-              <a:pPr marL="539749" indent="-269875" lvl="1">
+              <a:pPr marL="539749" lvl="1" indent="-269875">
                 <a:lnSpc>
                   <a:spcPts val="3999"/>
                 </a:lnSpc>
@@ -7415,9 +7796,15 @@
                   <a:spcPts val="3999"/>
                 </a:lnSpc>
               </a:pPr>
+              <a:endParaRPr lang="en-US" sz="2499">
+                <a:solidFill>
+                  <a:srgbClr val="1B344D"/>
+                </a:solidFill>
+                <a:latin typeface="Assistant Regular"/>
+              </a:endParaRPr>
             </a:p>
             <a:p>
-              <a:pPr marL="539749" indent="-269875" lvl="1">
+              <a:pPr marL="539749" lvl="1" indent="-269875">
                 <a:lnSpc>
                   <a:spcPts val="3999"/>
                 </a:lnSpc>
@@ -7440,9 +7827,15 @@
                   <a:spcPts val="3999"/>
                 </a:lnSpc>
               </a:pPr>
+              <a:endParaRPr lang="en-US" sz="2499">
+                <a:solidFill>
+                  <a:srgbClr val="1B344D"/>
+                </a:solidFill>
+                <a:latin typeface="Assistant Regular"/>
+              </a:endParaRPr>
             </a:p>
             <a:p>
-              <a:pPr marL="539749" indent="-269875" lvl="1">
+              <a:pPr marL="539749" lvl="1" indent="-269875">
                 <a:lnSpc>
                   <a:spcPts val="3999"/>
                 </a:lnSpc>
@@ -7463,12 +7856,12 @@
         </p:sp>
         <p:sp>
           <p:nvSpPr>
-            <p:cNvPr name="TextBox 11" id="11"/>
-            <p:cNvSpPr txBox="true"/>
+            <p:cNvPr id="11" name="TextBox 11"/>
+            <p:cNvSpPr txBox="1"/>
             <p:nvPr/>
           </p:nvSpPr>
           <p:spPr>
-            <a:xfrm rot="0">
+            <a:xfrm>
               <a:off x="0" y="-28575"/>
               <a:ext cx="13204521" cy="654961"/>
             </a:xfrm>
@@ -7477,7 +7870,7 @@
             </a:prstGeom>
           </p:spPr>
           <p:txBody>
-            <a:bodyPr anchor="t" rtlCol="false" tIns="0" lIns="0" bIns="0" rIns="0">
+            <a:bodyPr lIns="0" tIns="0" rIns="0" bIns="0" rtlCol="0" anchor="t">
               <a:spAutoFit/>
             </a:bodyPr>
             <a:lstStyle/>
@@ -7502,7 +7895,7 @@
       </p:grpSp>
       <p:sp>
         <p:nvSpPr>
-          <p:cNvPr name="AutoShape 12" id="12"/>
+          <p:cNvPr id="12" name="AutoShape 12"/>
           <p:cNvSpPr/>
           <p:nvPr/>
         </p:nvSpPr>
@@ -7514,13 +7907,13 @@
           <a:prstGeom prst="line">
             <a:avLst/>
           </a:prstGeom>
-          <a:ln cap="rnd" w="47625">
+          <a:ln w="47625" cap="rnd">
             <a:solidFill>
               <a:srgbClr val="553E5C"/>
             </a:solidFill>
             <a:prstDash val="solid"/>
-            <a:headEnd type="none" len="sm" w="sm"/>
-            <a:tailEnd type="none" len="sm" w="sm"/>
+            <a:headEnd type="none" w="sm" len="sm"/>
+            <a:tailEnd type="none" w="sm" len="sm"/>
           </a:ln>
         </p:spPr>
       </p:sp>
@@ -7533,7 +7926,7 @@
 </file>
 
 <file path=ppt/slides/slide8.xml><?xml version="1.0" encoding="utf-8"?>
-<p:sld xmlns:p="http://schemas.openxmlformats.org/presentationml/2006/main" xmlns:a="http://schemas.openxmlformats.org/drawingml/2006/main" xmlns:r="http://schemas.openxmlformats.org/officeDocument/2006/relationships">
+<p:sld xmlns:a="http://schemas.openxmlformats.org/drawingml/2006/main" xmlns:r="http://schemas.openxmlformats.org/officeDocument/2006/relationships" xmlns:p="http://schemas.openxmlformats.org/presentationml/2006/main">
   <p:cSld>
     <p:spTree>
       <p:nvGrpSpPr>
@@ -7551,12 +7944,12 @@
       </p:grpSpPr>
       <p:sp>
         <p:nvSpPr>
-          <p:cNvPr name="AutoShape 2" id="2"/>
+          <p:cNvPr id="2" name="AutoShape 2"/>
           <p:cNvSpPr/>
           <p:nvPr/>
         </p:nvSpPr>
         <p:spPr>
-          <a:xfrm rot="0">
+          <a:xfrm>
             <a:off x="0" y="0"/>
             <a:ext cx="6419030" cy="10287000"/>
           </a:xfrm>
@@ -7570,12 +7963,12 @@
       </p:sp>
       <p:grpSp>
         <p:nvGrpSpPr>
-          <p:cNvPr name="Group 3" id="3"/>
+          <p:cNvPr id="3" name="Group 3"/>
           <p:cNvGrpSpPr/>
           <p:nvPr/>
         </p:nvGrpSpPr>
         <p:grpSpPr>
-          <a:xfrm rot="0">
+          <a:xfrm>
             <a:off x="1028700" y="1028700"/>
             <a:ext cx="3322565" cy="424180"/>
             <a:chOff x="0" y="0"/>
@@ -7584,12 +7977,12 @@
         </p:grpSpPr>
         <p:sp>
           <p:nvSpPr>
-            <p:cNvPr name="AutoShape 4" id="4"/>
+            <p:cNvPr id="4" name="AutoShape 4"/>
             <p:cNvSpPr/>
             <p:nvPr/>
           </p:nvSpPr>
           <p:spPr>
-            <a:xfrm rot="0">
+            <a:xfrm>
               <a:off x="0" y="250996"/>
               <a:ext cx="1740957" cy="63581"/>
             </a:xfrm>
@@ -7603,12 +7996,12 @@
         </p:sp>
         <p:sp>
           <p:nvSpPr>
-            <p:cNvPr name="TextBox 5" id="5"/>
-            <p:cNvSpPr txBox="true"/>
+            <p:cNvPr id="5" name="TextBox 5"/>
+            <p:cNvSpPr txBox="1"/>
             <p:nvPr/>
           </p:nvSpPr>
           <p:spPr>
-            <a:xfrm rot="0">
+            <a:xfrm>
               <a:off x="2320005" y="-57150"/>
               <a:ext cx="2110081" cy="622723"/>
             </a:xfrm>
@@ -7617,7 +8010,7 @@
             </a:prstGeom>
           </p:spPr>
           <p:txBody>
-            <a:bodyPr anchor="t" rtlCol="false" tIns="0" lIns="0" bIns="0" rIns="0">
+            <a:bodyPr lIns="0" tIns="0" rIns="0" bIns="0" rtlCol="0" anchor="t">
               <a:spAutoFit/>
             </a:bodyPr>
             <a:lstStyle/>
@@ -7628,7 +8021,7 @@
                 </a:lnSpc>
               </a:pPr>
               <a:r>
-                <a:rPr lang="en-US" spc="55" sz="2800">
+                <a:rPr lang="en-US" sz="2800" spc="55">
                   <a:solidFill>
                     <a:srgbClr val="553E5C"/>
                   </a:solidFill>
@@ -7642,12 +8035,12 @@
       </p:grpSp>
       <p:sp>
         <p:nvSpPr>
-          <p:cNvPr name="TextBox 6" id="6"/>
-          <p:cNvSpPr txBox="true"/>
-          <p:nvPr/>
-        </p:nvSpPr>
-        <p:spPr>
-          <a:xfrm rot="0">
+          <p:cNvPr id="6" name="TextBox 6"/>
+          <p:cNvSpPr txBox="1"/>
+          <p:nvPr/>
+        </p:nvSpPr>
+        <p:spPr>
+          <a:xfrm>
             <a:off x="198494" y="4164626"/>
             <a:ext cx="6022043" cy="2458085"/>
           </a:xfrm>
@@ -7656,7 +8049,7 @@
           </a:prstGeom>
         </p:spPr>
         <p:txBody>
-          <a:bodyPr anchor="t" rtlCol="false" tIns="0" lIns="0" bIns="0" rIns="0">
+          <a:bodyPr lIns="0" tIns="0" rIns="0" bIns="0" rtlCol="0" anchor="t">
             <a:spAutoFit/>
           </a:bodyPr>
           <a:lstStyle/>
@@ -7682,6 +8075,12 @@
                 <a:spcPts val="6399"/>
               </a:lnSpc>
             </a:pPr>
+            <a:endParaRPr lang="en-US" sz="6399">
+              <a:solidFill>
+                <a:srgbClr val="553E5C"/>
+              </a:solidFill>
+              <a:latin typeface="Roboto Mono Regular"/>
+            </a:endParaRPr>
           </a:p>
           <a:p>
             <a:pPr algn="ctr">
@@ -7703,7 +8102,7 @@
       </p:sp>
       <p:sp>
         <p:nvSpPr>
-          <p:cNvPr name="AutoShape 7" id="7"/>
+          <p:cNvPr id="7" name="AutoShape 7"/>
           <p:cNvSpPr/>
           <p:nvPr/>
         </p:nvSpPr>
@@ -7715,33 +8114,33 @@
           <a:prstGeom prst="line">
             <a:avLst/>
           </a:prstGeom>
-          <a:ln cap="rnd" w="47625">
+          <a:ln w="47625" cap="rnd">
             <a:solidFill>
               <a:srgbClr val="553E5C"/>
             </a:solidFill>
             <a:prstDash val="solid"/>
-            <a:headEnd type="none" len="sm" w="sm"/>
-            <a:tailEnd type="none" len="sm" w="sm"/>
+            <a:headEnd type="none" w="sm" len="sm"/>
+            <a:tailEnd type="none" w="sm" len="sm"/>
           </a:ln>
         </p:spPr>
       </p:sp>
       <p:pic>
         <p:nvPicPr>
-          <p:cNvPr name="Picture 8" id="8"/>
+          <p:cNvPr id="8" name="Picture 8"/>
           <p:cNvPicPr>
-            <a:picLocks noChangeAspect="true"/>
+            <a:picLocks noChangeAspect="1"/>
           </p:cNvPicPr>
           <p:nvPr/>
         </p:nvPicPr>
         <p:blipFill>
           <a:blip r:embed="rId2"/>
-          <a:srcRect l="0" t="0" r="0" b="0"/>
+          <a:srcRect/>
           <a:stretch>
             <a:fillRect/>
           </a:stretch>
         </p:blipFill>
         <p:spPr>
-          <a:xfrm flipH="false" flipV="false" rot="0">
+          <a:xfrm>
             <a:off x="7093212" y="1884868"/>
             <a:ext cx="10166088" cy="6517264"/>
           </a:xfrm>
@@ -7752,21 +8151,21 @@
       </p:pic>
       <p:pic>
         <p:nvPicPr>
-          <p:cNvPr name="Picture 9" id="9"/>
+          <p:cNvPr id="9" name="Picture 9"/>
           <p:cNvPicPr>
-            <a:picLocks noChangeAspect="true"/>
+            <a:picLocks noChangeAspect="1"/>
           </p:cNvPicPr>
           <p:nvPr/>
         </p:nvPicPr>
         <p:blipFill>
           <a:blip r:embed="rId3"/>
-          <a:srcRect l="0" t="0" r="0" b="0"/>
+          <a:srcRect/>
           <a:stretch>
             <a:fillRect/>
           </a:stretch>
         </p:blipFill>
         <p:spPr>
-          <a:xfrm flipH="false" flipV="false" rot="0">
+          <a:xfrm>
             <a:off x="1028700" y="7944318"/>
             <a:ext cx="4117144" cy="2627964"/>
           </a:xfrm>
@@ -7777,12 +8176,12 @@
       </p:pic>
       <p:sp>
         <p:nvSpPr>
-          <p:cNvPr name="TextBox 10" id="10"/>
-          <p:cNvSpPr txBox="true"/>
-          <p:nvPr/>
-        </p:nvSpPr>
-        <p:spPr>
-          <a:xfrm rot="0">
+          <p:cNvPr id="10" name="TextBox 10"/>
+          <p:cNvSpPr txBox="1"/>
+          <p:nvPr/>
+        </p:nvSpPr>
+        <p:spPr>
+          <a:xfrm>
             <a:off x="11409812" y="9894617"/>
             <a:ext cx="6777044" cy="297180"/>
           </a:xfrm>
@@ -7791,7 +8190,7 @@
           </a:prstGeom>
         </p:spPr>
         <p:txBody>
-          <a:bodyPr anchor="t" rtlCol="false" tIns="0" lIns="0" bIns="0" rIns="0">
+          <a:bodyPr lIns="0" tIns="0" rIns="0" bIns="0" rtlCol="0" anchor="t">
             <a:spAutoFit/>
           </a:bodyPr>
           <a:lstStyle/>
@@ -7802,7 +8201,7 @@
               </a:lnSpc>
             </a:pPr>
             <a:r>
-              <a:rPr lang="en-US" spc="36" sz="1800">
+              <a:rPr lang="en-US" sz="1800" spc="36">
                 <a:solidFill>
                   <a:srgbClr val="553E5C"/>
                 </a:solidFill>
@@ -7822,7 +8221,7 @@
 </file>
 
 <file path=ppt/slides/slide9.xml><?xml version="1.0" encoding="utf-8"?>
-<p:sld xmlns:p="http://schemas.openxmlformats.org/presentationml/2006/main" xmlns:a="http://schemas.openxmlformats.org/drawingml/2006/main" xmlns:r="http://schemas.openxmlformats.org/officeDocument/2006/relationships">
+<p:sld xmlns:a="http://schemas.openxmlformats.org/drawingml/2006/main" xmlns:r="http://schemas.openxmlformats.org/officeDocument/2006/relationships" xmlns:p="http://schemas.openxmlformats.org/presentationml/2006/main">
   <p:cSld>
     <p:spTree>
       <p:nvGrpSpPr>
@@ -7840,12 +8239,12 @@
       </p:grpSpPr>
       <p:sp>
         <p:nvSpPr>
-          <p:cNvPr name="AutoShape 2" id="2"/>
+          <p:cNvPr id="2" name="AutoShape 2"/>
           <p:cNvSpPr/>
           <p:nvPr/>
         </p:nvSpPr>
         <p:spPr>
-          <a:xfrm rot="0">
+          <a:xfrm>
             <a:off x="0" y="0"/>
             <a:ext cx="6419030" cy="10287000"/>
           </a:xfrm>
@@ -7859,12 +8258,12 @@
       </p:sp>
       <p:grpSp>
         <p:nvGrpSpPr>
-          <p:cNvPr name="Group 3" id="3"/>
+          <p:cNvPr id="3" name="Group 3"/>
           <p:cNvGrpSpPr/>
           <p:nvPr/>
         </p:nvGrpSpPr>
         <p:grpSpPr>
-          <a:xfrm rot="0">
+          <a:xfrm>
             <a:off x="1028700" y="1028700"/>
             <a:ext cx="3322565" cy="424180"/>
             <a:chOff x="0" y="0"/>
@@ -7873,12 +8272,12 @@
         </p:grpSpPr>
         <p:sp>
           <p:nvSpPr>
-            <p:cNvPr name="AutoShape 4" id="4"/>
+            <p:cNvPr id="4" name="AutoShape 4"/>
             <p:cNvSpPr/>
             <p:nvPr/>
           </p:nvSpPr>
           <p:spPr>
-            <a:xfrm rot="0">
+            <a:xfrm>
               <a:off x="0" y="250996"/>
               <a:ext cx="1740957" cy="63581"/>
             </a:xfrm>
@@ -7892,12 +8291,12 @@
         </p:sp>
         <p:sp>
           <p:nvSpPr>
-            <p:cNvPr name="TextBox 5" id="5"/>
-            <p:cNvSpPr txBox="true"/>
+            <p:cNvPr id="5" name="TextBox 5"/>
+            <p:cNvSpPr txBox="1"/>
             <p:nvPr/>
           </p:nvSpPr>
           <p:spPr>
-            <a:xfrm rot="0">
+            <a:xfrm>
               <a:off x="2320005" y="-57150"/>
               <a:ext cx="2110081" cy="622723"/>
             </a:xfrm>
@@ -7906,7 +8305,7 @@
             </a:prstGeom>
           </p:spPr>
           <p:txBody>
-            <a:bodyPr anchor="t" rtlCol="false" tIns="0" lIns="0" bIns="0" rIns="0">
+            <a:bodyPr lIns="0" tIns="0" rIns="0" bIns="0" rtlCol="0" anchor="t">
               <a:spAutoFit/>
             </a:bodyPr>
             <a:lstStyle/>
@@ -7917,7 +8316,7 @@
                 </a:lnSpc>
               </a:pPr>
               <a:r>
-                <a:rPr lang="en-US" spc="55" sz="2800">
+                <a:rPr lang="en-US" sz="2800" spc="55">
                   <a:solidFill>
                     <a:srgbClr val="553E5C"/>
                   </a:solidFill>
@@ -7931,12 +8330,12 @@
       </p:grpSp>
       <p:sp>
         <p:nvSpPr>
-          <p:cNvPr name="TextBox 6" id="6"/>
-          <p:cNvSpPr txBox="true"/>
-          <p:nvPr/>
-        </p:nvSpPr>
-        <p:spPr>
-          <a:xfrm rot="0">
+          <p:cNvPr id="6" name="TextBox 6"/>
+          <p:cNvSpPr txBox="1"/>
+          <p:nvPr/>
+        </p:nvSpPr>
+        <p:spPr>
+          <a:xfrm>
             <a:off x="198494" y="4164626"/>
             <a:ext cx="6022043" cy="2458085"/>
           </a:xfrm>
@@ -7945,7 +8344,7 @@
           </a:prstGeom>
         </p:spPr>
         <p:txBody>
-          <a:bodyPr anchor="t" rtlCol="false" tIns="0" lIns="0" bIns="0" rIns="0">
+          <a:bodyPr lIns="0" tIns="0" rIns="0" bIns="0" rtlCol="0" anchor="t">
             <a:spAutoFit/>
           </a:bodyPr>
           <a:lstStyle/>
@@ -7971,6 +8370,12 @@
                 <a:spcPts val="6399"/>
               </a:lnSpc>
             </a:pPr>
+            <a:endParaRPr lang="en-US" sz="6399">
+              <a:solidFill>
+                <a:srgbClr val="553E5C"/>
+              </a:solidFill>
+              <a:latin typeface="Roboto Mono Regular"/>
+            </a:endParaRPr>
           </a:p>
           <a:p>
             <a:pPr algn="ctr">
@@ -7992,7 +8397,7 @@
       </p:sp>
       <p:sp>
         <p:nvSpPr>
-          <p:cNvPr name="AutoShape 7" id="7"/>
+          <p:cNvPr id="7" name="AutoShape 7"/>
           <p:cNvSpPr/>
           <p:nvPr/>
         </p:nvSpPr>
@@ -8004,33 +8409,33 @@
           <a:prstGeom prst="line">
             <a:avLst/>
           </a:prstGeom>
-          <a:ln cap="rnd" w="47625">
+          <a:ln w="47625" cap="rnd">
             <a:solidFill>
               <a:srgbClr val="553E5C"/>
             </a:solidFill>
             <a:prstDash val="solid"/>
-            <a:headEnd type="none" len="sm" w="sm"/>
-            <a:tailEnd type="none" len="sm" w="sm"/>
+            <a:headEnd type="none" w="sm" len="sm"/>
+            <a:tailEnd type="none" w="sm" len="sm"/>
           </a:ln>
         </p:spPr>
       </p:sp>
       <p:pic>
         <p:nvPicPr>
-          <p:cNvPr name="Picture 8" id="8"/>
+          <p:cNvPr id="8" name="Picture 8"/>
           <p:cNvPicPr>
-            <a:picLocks noChangeAspect="true"/>
+            <a:picLocks noChangeAspect="1"/>
           </p:cNvPicPr>
           <p:nvPr/>
         </p:nvPicPr>
         <p:blipFill>
           <a:blip r:embed="rId2"/>
-          <a:srcRect l="0" t="0" r="0" b="0"/>
+          <a:srcRect/>
           <a:stretch>
             <a:fillRect/>
           </a:stretch>
         </p:blipFill>
         <p:spPr>
-          <a:xfrm flipH="false" flipV="false" rot="0">
+          <a:xfrm>
             <a:off x="1028700" y="7944318"/>
             <a:ext cx="4117144" cy="2627964"/>
           </a:xfrm>
@@ -8041,12 +8446,12 @@
       </p:pic>
       <p:sp>
         <p:nvSpPr>
-          <p:cNvPr name="TextBox 9" id="9"/>
-          <p:cNvSpPr txBox="true"/>
-          <p:nvPr/>
-        </p:nvSpPr>
-        <p:spPr>
-          <a:xfrm rot="0">
+          <p:cNvPr id="9" name="TextBox 9"/>
+          <p:cNvSpPr txBox="1"/>
+          <p:nvPr/>
+        </p:nvSpPr>
+        <p:spPr>
+          <a:xfrm>
             <a:off x="11409812" y="9894617"/>
             <a:ext cx="6777044" cy="297180"/>
           </a:xfrm>
@@ -8055,7 +8460,7 @@
           </a:prstGeom>
         </p:spPr>
         <p:txBody>
-          <a:bodyPr anchor="t" rtlCol="false" tIns="0" lIns="0" bIns="0" rIns="0">
+          <a:bodyPr lIns="0" tIns="0" rIns="0" bIns="0" rtlCol="0" anchor="t">
             <a:spAutoFit/>
           </a:bodyPr>
           <a:lstStyle/>
@@ -8066,7 +8471,7 @@
               </a:lnSpc>
             </a:pPr>
             <a:r>
-              <a:rPr lang="en-US" spc="36" sz="1800">
+              <a:rPr lang="en-US" sz="1800" spc="36">
                 <a:solidFill>
                   <a:srgbClr val="553E5C"/>
                 </a:solidFill>
@@ -8079,12 +8484,12 @@
       </p:sp>
       <p:grpSp>
         <p:nvGrpSpPr>
-          <p:cNvPr name="Group 10" id="10"/>
+          <p:cNvPr id="10" name="Group 10"/>
           <p:cNvGrpSpPr/>
           <p:nvPr/>
         </p:nvGrpSpPr>
         <p:grpSpPr>
-          <a:xfrm rot="0">
+          <a:xfrm>
             <a:off x="7355909" y="725178"/>
             <a:ext cx="9903391" cy="8836644"/>
             <a:chOff x="0" y="0"/>
@@ -8093,12 +8498,12 @@
         </p:grpSpPr>
         <p:sp>
           <p:nvSpPr>
-            <p:cNvPr name="TextBox 11" id="11"/>
-            <p:cNvSpPr txBox="true"/>
+            <p:cNvPr id="11" name="TextBox 11"/>
+            <p:cNvSpPr txBox="1"/>
             <p:nvPr/>
           </p:nvSpPr>
           <p:spPr>
-            <a:xfrm rot="0">
+            <a:xfrm>
               <a:off x="0" y="1163933"/>
               <a:ext cx="13204521" cy="10618258"/>
             </a:xfrm>
@@ -8107,12 +8512,12 @@
             </a:prstGeom>
           </p:spPr>
           <p:txBody>
-            <a:bodyPr anchor="t" rtlCol="false" tIns="0" lIns="0" bIns="0" rIns="0">
+            <a:bodyPr lIns="0" tIns="0" rIns="0" bIns="0" rtlCol="0" anchor="t">
               <a:spAutoFit/>
             </a:bodyPr>
             <a:lstStyle/>
             <a:p>
-              <a:pPr marL="431801" indent="-215900" lvl="1">
+              <a:pPr marL="431801" lvl="1" indent="-215900">
                 <a:lnSpc>
                   <a:spcPts val="3200"/>
                 </a:lnSpc>
@@ -8120,7 +8525,7 @@
                 <a:buChar char="•"/>
               </a:pPr>
               <a:r>
-                <a:rPr lang="en-US" sz="2000">
+                <a:rPr lang="en-US" sz="2000" dirty="0">
                   <a:solidFill>
                     <a:srgbClr val="1B344D"/>
                   </a:solidFill>
@@ -8135,9 +8540,15 @@
                   <a:spcPts val="3200"/>
                 </a:lnSpc>
               </a:pPr>
+              <a:endParaRPr lang="en-US" sz="2000" dirty="0">
+                <a:solidFill>
+                  <a:srgbClr val="1B344D"/>
+                </a:solidFill>
+                <a:latin typeface="Assistant Regular"/>
+              </a:endParaRPr>
             </a:p>
             <a:p>
-              <a:pPr marL="431801" indent="-215900" lvl="1">
+              <a:pPr marL="431801" lvl="1" indent="-215900">
                 <a:lnSpc>
                   <a:spcPts val="3200"/>
                 </a:lnSpc>
@@ -8145,7 +8556,7 @@
                 <a:buChar char="•"/>
               </a:pPr>
               <a:r>
-                <a:rPr lang="en-US" sz="2000">
+                <a:rPr lang="en-US" sz="2000" dirty="0">
                   <a:solidFill>
                     <a:srgbClr val="1B344D"/>
                   </a:solidFill>
@@ -8160,9 +8571,15 @@
                   <a:spcPts val="3200"/>
                 </a:lnSpc>
               </a:pPr>
+              <a:endParaRPr lang="en-US" sz="2000" dirty="0">
+                <a:solidFill>
+                  <a:srgbClr val="1B344D"/>
+                </a:solidFill>
+                <a:latin typeface="Assistant Regular"/>
+              </a:endParaRPr>
             </a:p>
             <a:p>
-              <a:pPr marL="431801" indent="-215900" lvl="1">
+              <a:pPr marL="431801" lvl="1" indent="-215900">
                 <a:lnSpc>
                   <a:spcPts val="3200"/>
                 </a:lnSpc>
@@ -8170,7 +8587,7 @@
                 <a:buChar char="•"/>
               </a:pPr>
               <a:r>
-                <a:rPr lang="en-US" sz="2000">
+                <a:rPr lang="en-US" sz="2000" dirty="0">
                   <a:solidFill>
                     <a:srgbClr val="1B344D"/>
                   </a:solidFill>
@@ -8185,9 +8602,15 @@
                   <a:spcPts val="3200"/>
                 </a:lnSpc>
               </a:pPr>
+              <a:endParaRPr lang="en-US" sz="2000" dirty="0">
+                <a:solidFill>
+                  <a:srgbClr val="1B344D"/>
+                </a:solidFill>
+                <a:latin typeface="Assistant Regular"/>
+              </a:endParaRPr>
             </a:p>
             <a:p>
-              <a:pPr marL="431801" indent="-215900" lvl="1">
+              <a:pPr marL="431801" lvl="1" indent="-215900">
                 <a:lnSpc>
                   <a:spcPts val="3200"/>
                 </a:lnSpc>
@@ -8195,22 +8618,13 @@
                 <a:buChar char="•"/>
               </a:pPr>
               <a:r>
-                <a:rPr lang="en-US" sz="2000">
+                <a:rPr lang="en-US" sz="2000" dirty="0">
                   <a:solidFill>
                     <a:srgbClr val="1B344D"/>
                   </a:solidFill>
                   <a:latin typeface="Assistant Regular"/>
                 </a:rPr>
-                <a:t>Fi</a:t>
-              </a:r>
-              <a:r>
-                <a:rPr lang="en-US" sz="2000">
-                  <a:solidFill>
-                    <a:srgbClr val="1B344D"/>
-                  </a:solidFill>
-                  <a:latin typeface="Assistant Regular"/>
-                </a:rPr>
-                <a:t>nd the k songs that has the highest number of comments</a:t>
+                <a:t>Find the k songs that has the highest number of comments</a:t>
               </a:r>
             </a:p>
             <a:p>
@@ -8219,9 +8633,15 @@
                   <a:spcPts val="3200"/>
                 </a:lnSpc>
               </a:pPr>
+              <a:endParaRPr lang="en-US" sz="2000" dirty="0">
+                <a:solidFill>
+                  <a:srgbClr val="1B344D"/>
+                </a:solidFill>
+                <a:latin typeface="Assistant Regular"/>
+              </a:endParaRPr>
             </a:p>
             <a:p>
-              <a:pPr marL="431801" indent="-215900" lvl="1">
+              <a:pPr marL="431801" lvl="1" indent="-215900">
                 <a:lnSpc>
                   <a:spcPts val="3200"/>
                 </a:lnSpc>
@@ -8229,22 +8649,13 @@
                 <a:buChar char="•"/>
               </a:pPr>
               <a:r>
-                <a:rPr lang="en-US" sz="2000">
+                <a:rPr lang="en-US" sz="2000" dirty="0">
                   <a:solidFill>
                     <a:srgbClr val="1B344D"/>
                   </a:solidFill>
                   <a:latin typeface="Assistant Regular"/>
                 </a:rPr>
-                <a:t>Fi</a:t>
-              </a:r>
-              <a:r>
-                <a:rPr lang="en-US" sz="2000">
-                  <a:solidFill>
-                    <a:srgbClr val="1B344D"/>
-                  </a:solidFill>
-                  <a:latin typeface="Assistant Regular"/>
-                </a:rPr>
-                <a:t>nd k playlists followed by users that a specific user follows</a:t>
+                <a:t>Find k playlists followed by users that a specific user follows</a:t>
               </a:r>
             </a:p>
             <a:p>
@@ -8253,9 +8664,15 @@
                   <a:spcPts val="3200"/>
                 </a:lnSpc>
               </a:pPr>
+              <a:endParaRPr lang="en-US" sz="2000" dirty="0">
+                <a:solidFill>
+                  <a:srgbClr val="1B344D"/>
+                </a:solidFill>
+                <a:latin typeface="Assistant Regular"/>
+              </a:endParaRPr>
             </a:p>
             <a:p>
-              <a:pPr marL="431801" indent="-215900" lvl="1">
+              <a:pPr marL="431801" lvl="1" indent="-215900">
                 <a:lnSpc>
                   <a:spcPts val="3200"/>
                 </a:lnSpc>
@@ -8263,22 +8680,13 @@
                 <a:buChar char="•"/>
               </a:pPr>
               <a:r>
-                <a:rPr lang="en-US" sz="2000">
+                <a:rPr lang="en-US" sz="2000" dirty="0">
                   <a:solidFill>
                     <a:srgbClr val="1B344D"/>
                   </a:solidFill>
                   <a:latin typeface="Assistant Regular"/>
                 </a:rPr>
-                <a:t>How ma</a:t>
-              </a:r>
-              <a:r>
-                <a:rPr lang="en-US" sz="2000">
-                  <a:solidFill>
-                    <a:srgbClr val="1B344D"/>
-                  </a:solidFill>
-                  <a:latin typeface="Assistant Regular"/>
-                </a:rPr>
-                <a:t>ny followers has a playlist in avg?</a:t>
+                <a:t>How many followers has a playlist in avg?</a:t>
               </a:r>
             </a:p>
             <a:p>
@@ -8287,9 +8695,15 @@
                   <a:spcPts val="3200"/>
                 </a:lnSpc>
               </a:pPr>
+              <a:endParaRPr lang="en-US" sz="2000" dirty="0">
+                <a:solidFill>
+                  <a:srgbClr val="1B344D"/>
+                </a:solidFill>
+                <a:latin typeface="Assistant Regular"/>
+              </a:endParaRPr>
             </a:p>
             <a:p>
-              <a:pPr marL="431801" indent="-215900" lvl="1">
+              <a:pPr marL="431801" lvl="1" indent="-215900">
                 <a:lnSpc>
                   <a:spcPts val="3200"/>
                 </a:lnSpc>
@@ -8297,7 +8711,7 @@
                 <a:buChar char="•"/>
               </a:pPr>
               <a:r>
-                <a:rPr lang="en-US" sz="2000">
+                <a:rPr lang="en-US" sz="2000" dirty="0">
                   <a:solidFill>
                     <a:srgbClr val="1B344D"/>
                   </a:solidFill>
@@ -8312,9 +8726,15 @@
                   <a:spcPts val="3200"/>
                 </a:lnSpc>
               </a:pPr>
+              <a:endParaRPr lang="en-US" sz="2000" dirty="0">
+                <a:solidFill>
+                  <a:srgbClr val="1B344D"/>
+                </a:solidFill>
+                <a:latin typeface="Assistant Regular"/>
+              </a:endParaRPr>
             </a:p>
             <a:p>
-              <a:pPr marL="431801" indent="-215900" lvl="1">
+              <a:pPr marL="431801" lvl="1" indent="-215900">
                 <a:lnSpc>
                   <a:spcPts val="3200"/>
                 </a:lnSpc>
@@ -8322,7 +8742,7 @@
                 <a:buChar char="•"/>
               </a:pPr>
               <a:r>
-                <a:rPr lang="en-US" sz="2000">
+                <a:rPr lang="en-US" sz="2000" dirty="0">
                   <a:solidFill>
                     <a:srgbClr val="1B344D"/>
                   </a:solidFill>
@@ -8337,9 +8757,15 @@
                   <a:spcPts val="3200"/>
                 </a:lnSpc>
               </a:pPr>
+              <a:endParaRPr lang="en-US" sz="2000" dirty="0">
+                <a:solidFill>
+                  <a:srgbClr val="1B344D"/>
+                </a:solidFill>
+                <a:latin typeface="Assistant Regular"/>
+              </a:endParaRPr>
             </a:p>
             <a:p>
-              <a:pPr marL="431801" indent="-215900" lvl="1">
+              <a:pPr marL="431801" lvl="1" indent="-215900">
                 <a:lnSpc>
                   <a:spcPts val="3200"/>
                 </a:lnSpc>
@@ -8347,7 +8773,7 @@
                 <a:buChar char="•"/>
               </a:pPr>
               <a:r>
-                <a:rPr lang="en-US" sz="2000">
+                <a:rPr lang="en-US" sz="2000" dirty="0">
                   <a:solidFill>
                     <a:srgbClr val="1B344D"/>
                   </a:solidFill>
@@ -8362,9 +8788,15 @@
                   <a:spcPts val="3200"/>
                 </a:lnSpc>
               </a:pPr>
+              <a:endParaRPr lang="en-US" sz="2000" dirty="0">
+                <a:solidFill>
+                  <a:srgbClr val="1B344D"/>
+                </a:solidFill>
+                <a:latin typeface="Assistant Regular"/>
+              </a:endParaRPr>
             </a:p>
             <a:p>
-              <a:pPr marL="431801" indent="-215900" lvl="1">
+              <a:pPr marL="431801" lvl="1" indent="-215900">
                 <a:lnSpc>
                   <a:spcPts val="3200"/>
                 </a:lnSpc>
@@ -8372,7 +8804,7 @@
                 <a:buChar char="•"/>
               </a:pPr>
               <a:r>
-                <a:rPr lang="en-US" sz="2000">
+                <a:rPr lang="en-US" sz="2000" dirty="0">
                   <a:solidFill>
                     <a:srgbClr val="1B344D"/>
                   </a:solidFill>
@@ -8387,17 +8819,23 @@
                   <a:spcPts val="3200"/>
                 </a:lnSpc>
               </a:pPr>
+              <a:endParaRPr lang="en-US" sz="2000" dirty="0">
+                <a:solidFill>
+                  <a:srgbClr val="1B344D"/>
+                </a:solidFill>
+                <a:latin typeface="Assistant Regular"/>
+              </a:endParaRPr>
             </a:p>
           </p:txBody>
         </p:sp>
         <p:sp>
           <p:nvSpPr>
-            <p:cNvPr name="TextBox 12" id="12"/>
-            <p:cNvSpPr txBox="true"/>
+            <p:cNvPr id="12" name="TextBox 12"/>
+            <p:cNvSpPr txBox="1"/>
             <p:nvPr/>
           </p:nvSpPr>
           <p:spPr>
-            <a:xfrm rot="0">
+            <a:xfrm>
               <a:off x="0" y="-28575"/>
               <a:ext cx="13204521" cy="654961"/>
             </a:xfrm>
@@ -8406,7 +8844,7 @@
             </a:prstGeom>
           </p:spPr>
           <p:txBody>
-            <a:bodyPr anchor="t" rtlCol="false" tIns="0" lIns="0" bIns="0" rIns="0">
+            <a:bodyPr lIns="0" tIns="0" rIns="0" bIns="0" rtlCol="0" anchor="t">
               <a:spAutoFit/>
             </a:bodyPr>
             <a:lstStyle/>
